--- a/Diagram.pptx
+++ b/Diagram.pptx
@@ -7,6 +7,9 @@
   <p:sldIdLst>
     <p:sldId id="256" r:id="rId2"/>
     <p:sldId id="257" r:id="rId3"/>
+    <p:sldId id="258" r:id="rId4"/>
+    <p:sldId id="259" r:id="rId5"/>
+    <p:sldId id="260" r:id="rId6"/>
   </p:sldIdLst>
   <p:sldSz cx="12192000" cy="6858000"/>
   <p:notesSz cx="6858000" cy="9144000"/>
@@ -105,6 +108,11 @@
       </a:defRPr>
     </a:lvl9pPr>
   </p:defaultTextStyle>
+  <p:extLst>
+    <p:ext uri="{EFAFB233-063F-42B5-8137-9DF3F51BA10A}">
+      <p15:sldGuideLst xmlns:p15="http://schemas.microsoft.com/office/powerpoint/2012/main"/>
+    </p:ext>
+  </p:extLst>
 </p:presentation>
 </file>
 
@@ -257,7 +265,7 @@
           <a:p>
             <a:fld id="{560875BF-15A9-4D15-A19E-55053C38932C}" type="datetimeFigureOut">
               <a:rPr lang="en-ZA" smtClean="0"/>
-              <a:t>2025/04/30</a:t>
+              <a:t>2025/05/01</a:t>
             </a:fld>
             <a:endParaRPr lang="en-ZA"/>
           </a:p>
@@ -457,7 +465,7 @@
           <a:p>
             <a:fld id="{560875BF-15A9-4D15-A19E-55053C38932C}" type="datetimeFigureOut">
               <a:rPr lang="en-ZA" smtClean="0"/>
-              <a:t>2025/04/30</a:t>
+              <a:t>2025/05/01</a:t>
             </a:fld>
             <a:endParaRPr lang="en-ZA"/>
           </a:p>
@@ -667,7 +675,7 @@
           <a:p>
             <a:fld id="{560875BF-15A9-4D15-A19E-55053C38932C}" type="datetimeFigureOut">
               <a:rPr lang="en-ZA" smtClean="0"/>
-              <a:t>2025/04/30</a:t>
+              <a:t>2025/05/01</a:t>
             </a:fld>
             <a:endParaRPr lang="en-ZA"/>
           </a:p>
@@ -867,7 +875,7 @@
           <a:p>
             <a:fld id="{560875BF-15A9-4D15-A19E-55053C38932C}" type="datetimeFigureOut">
               <a:rPr lang="en-ZA" smtClean="0"/>
-              <a:t>2025/04/30</a:t>
+              <a:t>2025/05/01</a:t>
             </a:fld>
             <a:endParaRPr lang="en-ZA"/>
           </a:p>
@@ -1143,7 +1151,7 @@
           <a:p>
             <a:fld id="{560875BF-15A9-4D15-A19E-55053C38932C}" type="datetimeFigureOut">
               <a:rPr lang="en-ZA" smtClean="0"/>
-              <a:t>2025/04/30</a:t>
+              <a:t>2025/05/01</a:t>
             </a:fld>
             <a:endParaRPr lang="en-ZA"/>
           </a:p>
@@ -1411,7 +1419,7 @@
           <a:p>
             <a:fld id="{560875BF-15A9-4D15-A19E-55053C38932C}" type="datetimeFigureOut">
               <a:rPr lang="en-ZA" smtClean="0"/>
-              <a:t>2025/04/30</a:t>
+              <a:t>2025/05/01</a:t>
             </a:fld>
             <a:endParaRPr lang="en-ZA"/>
           </a:p>
@@ -1826,7 +1834,7 @@
           <a:p>
             <a:fld id="{560875BF-15A9-4D15-A19E-55053C38932C}" type="datetimeFigureOut">
               <a:rPr lang="en-ZA" smtClean="0"/>
-              <a:t>2025/04/30</a:t>
+              <a:t>2025/05/01</a:t>
             </a:fld>
             <a:endParaRPr lang="en-ZA"/>
           </a:p>
@@ -1968,7 +1976,7 @@
           <a:p>
             <a:fld id="{560875BF-15A9-4D15-A19E-55053C38932C}" type="datetimeFigureOut">
               <a:rPr lang="en-ZA" smtClean="0"/>
-              <a:t>2025/04/30</a:t>
+              <a:t>2025/05/01</a:t>
             </a:fld>
             <a:endParaRPr lang="en-ZA"/>
           </a:p>
@@ -2081,7 +2089,7 @@
           <a:p>
             <a:fld id="{560875BF-15A9-4D15-A19E-55053C38932C}" type="datetimeFigureOut">
               <a:rPr lang="en-ZA" smtClean="0"/>
-              <a:t>2025/04/30</a:t>
+              <a:t>2025/05/01</a:t>
             </a:fld>
             <a:endParaRPr lang="en-ZA"/>
           </a:p>
@@ -2394,7 +2402,7 @@
           <a:p>
             <a:fld id="{560875BF-15A9-4D15-A19E-55053C38932C}" type="datetimeFigureOut">
               <a:rPr lang="en-ZA" smtClean="0"/>
-              <a:t>2025/04/30</a:t>
+              <a:t>2025/05/01</a:t>
             </a:fld>
             <a:endParaRPr lang="en-ZA"/>
           </a:p>
@@ -2683,7 +2691,7 @@
           <a:p>
             <a:fld id="{560875BF-15A9-4D15-A19E-55053C38932C}" type="datetimeFigureOut">
               <a:rPr lang="en-ZA" smtClean="0"/>
-              <a:t>2025/04/30</a:t>
+              <a:t>2025/05/01</a:t>
             </a:fld>
             <a:endParaRPr lang="en-ZA"/>
           </a:p>
@@ -2926,7 +2934,7 @@
           <a:p>
             <a:fld id="{560875BF-15A9-4D15-A19E-55053C38932C}" type="datetimeFigureOut">
               <a:rPr lang="en-ZA" smtClean="0"/>
-              <a:t>2025/04/30</a:t>
+              <a:t>2025/05/01</a:t>
             </a:fld>
             <a:endParaRPr lang="en-ZA"/>
           </a:p>
@@ -4206,6 +4214,14 @@
           <a:prstGeom prst="rect">
             <a:avLst/>
           </a:prstGeom>
+          <a:solidFill>
+            <a:schemeClr val="tx1"/>
+          </a:solidFill>
+          <a:ln>
+            <a:solidFill>
+              <a:schemeClr val="tx1"/>
+            </a:solidFill>
+          </a:ln>
         </p:spPr>
         <p:style>
           <a:lnRef idx="2">
@@ -4252,6 +4268,14 @@
           <a:prstGeom prst="rect">
             <a:avLst/>
           </a:prstGeom>
+          <a:solidFill>
+            <a:srgbClr val="FF0000"/>
+          </a:solidFill>
+          <a:ln>
+            <a:solidFill>
+              <a:schemeClr val="tx1"/>
+            </a:solidFill>
+          </a:ln>
         </p:spPr>
         <p:style>
           <a:lnRef idx="2">
@@ -4298,6 +4322,9 @@
           <a:prstGeom prst="rect">
             <a:avLst/>
           </a:prstGeom>
+          <a:solidFill>
+            <a:srgbClr val="FFFF00"/>
+          </a:solidFill>
         </p:spPr>
         <p:style>
           <a:lnRef idx="2">
@@ -4344,6 +4371,9 @@
           <a:prstGeom prst="rect">
             <a:avLst/>
           </a:prstGeom>
+          <a:solidFill>
+            <a:srgbClr val="00B0F0"/>
+          </a:solidFill>
         </p:spPr>
         <p:style>
           <a:lnRef idx="2">
@@ -4950,6 +4980,5463 @@
     <p:extLst>
       <p:ext uri="{BB962C8B-B14F-4D97-AF65-F5344CB8AC3E}">
         <p14:creationId xmlns:p14="http://schemas.microsoft.com/office/powerpoint/2010/main" val="1466025874"/>
+      </p:ext>
+    </p:extLst>
+  </p:cSld>
+  <p:clrMapOvr>
+    <a:masterClrMapping/>
+  </p:clrMapOvr>
+</p:sld>
+</file>
+
+<file path=ppt/slides/slide3.xml><?xml version="1.0" encoding="utf-8"?>
+<p:sld xmlns:a="http://schemas.openxmlformats.org/drawingml/2006/main" xmlns:r="http://schemas.openxmlformats.org/officeDocument/2006/relationships" xmlns:p="http://schemas.openxmlformats.org/presentationml/2006/main">
+  <p:cSld>
+    <p:spTree>
+      <p:nvGrpSpPr>
+        <p:cNvPr id="1" name=""/>
+        <p:cNvGrpSpPr/>
+        <p:nvPr/>
+      </p:nvGrpSpPr>
+      <p:grpSpPr>
+        <a:xfrm>
+          <a:off x="0" y="0"/>
+          <a:ext cx="0" cy="0"/>
+          <a:chOff x="0" y="0"/>
+          <a:chExt cx="0" cy="0"/>
+        </a:xfrm>
+      </p:grpSpPr>
+      <p:grpSp>
+        <p:nvGrpSpPr>
+          <p:cNvPr id="18" name="Group 17">
+            <a:extLst>
+              <a:ext uri="{FF2B5EF4-FFF2-40B4-BE49-F238E27FC236}">
+                <a16:creationId xmlns:a16="http://schemas.microsoft.com/office/drawing/2014/main" id="{8433DF12-AD7F-011F-1B1A-78F5ADE6F4B2}"/>
+              </a:ext>
+            </a:extLst>
+          </p:cNvPr>
+          <p:cNvGrpSpPr/>
+          <p:nvPr/>
+        </p:nvGrpSpPr>
+        <p:grpSpPr>
+          <a:xfrm>
+            <a:off x="3140424" y="2327131"/>
+            <a:ext cx="6543040" cy="1579880"/>
+            <a:chOff x="426720" y="2799080"/>
+            <a:chExt cx="6543040" cy="1579880"/>
+          </a:xfrm>
+        </p:grpSpPr>
+        <p:sp>
+          <p:nvSpPr>
+            <p:cNvPr id="4" name="Rectangle 3">
+              <a:extLst>
+                <a:ext uri="{FF2B5EF4-FFF2-40B4-BE49-F238E27FC236}">
+                  <a16:creationId xmlns:a16="http://schemas.microsoft.com/office/drawing/2014/main" id="{245ED9F7-CE40-5B98-4241-35FB73FDEA5D}"/>
+                </a:ext>
+              </a:extLst>
+            </p:cNvPr>
+            <p:cNvSpPr/>
+            <p:nvPr/>
+          </p:nvSpPr>
+          <p:spPr>
+            <a:xfrm>
+              <a:off x="426720" y="2799080"/>
+              <a:ext cx="6543040" cy="1579880"/>
+            </a:xfrm>
+            <a:prstGeom prst="rect">
+              <a:avLst/>
+            </a:prstGeom>
+          </p:spPr>
+          <p:style>
+            <a:lnRef idx="2">
+              <a:schemeClr val="accent1">
+                <a:shade val="15000"/>
+              </a:schemeClr>
+            </a:lnRef>
+            <a:fillRef idx="1">
+              <a:schemeClr val="accent1"/>
+            </a:fillRef>
+            <a:effectRef idx="0">
+              <a:schemeClr val="accent1"/>
+            </a:effectRef>
+            <a:fontRef idx="minor">
+              <a:schemeClr val="lt1"/>
+            </a:fontRef>
+          </p:style>
+          <p:txBody>
+            <a:bodyPr rtlCol="0" anchor="ctr"/>
+            <a:lstStyle/>
+            <a:p>
+              <a:pPr algn="ctr"/>
+              <a:endParaRPr lang="en-ZA"/>
+            </a:p>
+          </p:txBody>
+        </p:sp>
+        <p:sp>
+          <p:nvSpPr>
+            <p:cNvPr id="5" name="Rectangle 4">
+              <a:extLst>
+                <a:ext uri="{FF2B5EF4-FFF2-40B4-BE49-F238E27FC236}">
+                  <a16:creationId xmlns:a16="http://schemas.microsoft.com/office/drawing/2014/main" id="{7A14C85E-3CAB-0F65-C85E-42E3E8313303}"/>
+                </a:ext>
+              </a:extLst>
+            </p:cNvPr>
+            <p:cNvSpPr/>
+            <p:nvPr/>
+          </p:nvSpPr>
+          <p:spPr>
+            <a:xfrm>
+              <a:off x="4141470" y="3095685"/>
+              <a:ext cx="480674" cy="211395"/>
+            </a:xfrm>
+            <a:prstGeom prst="rect">
+              <a:avLst/>
+            </a:prstGeom>
+            <a:solidFill>
+              <a:schemeClr val="bg2">
+                <a:lumMod val="75000"/>
+              </a:schemeClr>
+            </a:solidFill>
+          </p:spPr>
+          <p:style>
+            <a:lnRef idx="2">
+              <a:schemeClr val="accent1">
+                <a:shade val="15000"/>
+              </a:schemeClr>
+            </a:lnRef>
+            <a:fillRef idx="1">
+              <a:schemeClr val="accent1"/>
+            </a:fillRef>
+            <a:effectRef idx="0">
+              <a:schemeClr val="accent1"/>
+            </a:effectRef>
+            <a:fontRef idx="minor">
+              <a:schemeClr val="lt1"/>
+            </a:fontRef>
+          </p:style>
+          <p:txBody>
+            <a:bodyPr rtlCol="0" anchor="ctr"/>
+            <a:lstStyle/>
+            <a:p>
+              <a:pPr algn="ctr"/>
+              <a:endParaRPr lang="en-ZA"/>
+            </a:p>
+          </p:txBody>
+        </p:sp>
+        <p:sp>
+          <p:nvSpPr>
+            <p:cNvPr id="6" name="Rectangle 5">
+              <a:extLst>
+                <a:ext uri="{FF2B5EF4-FFF2-40B4-BE49-F238E27FC236}">
+                  <a16:creationId xmlns:a16="http://schemas.microsoft.com/office/drawing/2014/main" id="{CF5D27A1-DB16-ADA3-2221-D03DA1B97D97}"/>
+                </a:ext>
+              </a:extLst>
+            </p:cNvPr>
+            <p:cNvSpPr/>
+            <p:nvPr/>
+          </p:nvSpPr>
+          <p:spPr>
+            <a:xfrm>
+              <a:off x="5193030" y="3095684"/>
+              <a:ext cx="480674" cy="211395"/>
+            </a:xfrm>
+            <a:prstGeom prst="rect">
+              <a:avLst/>
+            </a:prstGeom>
+            <a:solidFill>
+              <a:schemeClr val="bg2">
+                <a:lumMod val="75000"/>
+              </a:schemeClr>
+            </a:solidFill>
+          </p:spPr>
+          <p:style>
+            <a:lnRef idx="2">
+              <a:schemeClr val="accent1">
+                <a:shade val="15000"/>
+              </a:schemeClr>
+            </a:lnRef>
+            <a:fillRef idx="1">
+              <a:schemeClr val="accent1"/>
+            </a:fillRef>
+            <a:effectRef idx="0">
+              <a:schemeClr val="accent1"/>
+            </a:effectRef>
+            <a:fontRef idx="minor">
+              <a:schemeClr val="lt1"/>
+            </a:fontRef>
+          </p:style>
+          <p:txBody>
+            <a:bodyPr rtlCol="0" anchor="ctr"/>
+            <a:lstStyle/>
+            <a:p>
+              <a:pPr algn="ctr"/>
+              <a:endParaRPr lang="en-ZA"/>
+            </a:p>
+          </p:txBody>
+        </p:sp>
+        <p:sp>
+          <p:nvSpPr>
+            <p:cNvPr id="7" name="Rectangle 6">
+              <a:extLst>
+                <a:ext uri="{FF2B5EF4-FFF2-40B4-BE49-F238E27FC236}">
+                  <a16:creationId xmlns:a16="http://schemas.microsoft.com/office/drawing/2014/main" id="{CA5D68E4-8ED9-08AA-0667-1FECF5F0D59D}"/>
+                </a:ext>
+              </a:extLst>
+            </p:cNvPr>
+            <p:cNvSpPr/>
+            <p:nvPr/>
+          </p:nvSpPr>
+          <p:spPr>
+            <a:xfrm>
+              <a:off x="6225540" y="3095683"/>
+              <a:ext cx="480674" cy="211395"/>
+            </a:xfrm>
+            <a:prstGeom prst="rect">
+              <a:avLst/>
+            </a:prstGeom>
+            <a:solidFill>
+              <a:schemeClr val="bg2">
+                <a:lumMod val="75000"/>
+              </a:schemeClr>
+            </a:solidFill>
+          </p:spPr>
+          <p:style>
+            <a:lnRef idx="2">
+              <a:schemeClr val="accent1">
+                <a:shade val="15000"/>
+              </a:schemeClr>
+            </a:lnRef>
+            <a:fillRef idx="1">
+              <a:schemeClr val="accent1"/>
+            </a:fillRef>
+            <a:effectRef idx="0">
+              <a:schemeClr val="accent1"/>
+            </a:effectRef>
+            <a:fontRef idx="minor">
+              <a:schemeClr val="lt1"/>
+            </a:fontRef>
+          </p:style>
+          <p:txBody>
+            <a:bodyPr rtlCol="0" anchor="ctr"/>
+            <a:lstStyle/>
+            <a:p>
+              <a:pPr algn="ctr"/>
+              <a:endParaRPr lang="en-ZA"/>
+            </a:p>
+          </p:txBody>
+        </p:sp>
+        <p:sp>
+          <p:nvSpPr>
+            <p:cNvPr id="8" name="Rectangle 7">
+              <a:extLst>
+                <a:ext uri="{FF2B5EF4-FFF2-40B4-BE49-F238E27FC236}">
+                  <a16:creationId xmlns:a16="http://schemas.microsoft.com/office/drawing/2014/main" id="{B8D362C7-1BA3-B044-EA12-E728A96D1CC4}"/>
+                </a:ext>
+              </a:extLst>
+            </p:cNvPr>
+            <p:cNvSpPr/>
+            <p:nvPr/>
+          </p:nvSpPr>
+          <p:spPr>
+            <a:xfrm>
+              <a:off x="4160520" y="3737322"/>
+              <a:ext cx="480674" cy="211395"/>
+            </a:xfrm>
+            <a:prstGeom prst="rect">
+              <a:avLst/>
+            </a:prstGeom>
+            <a:solidFill>
+              <a:schemeClr val="bg2">
+                <a:lumMod val="75000"/>
+              </a:schemeClr>
+            </a:solidFill>
+          </p:spPr>
+          <p:style>
+            <a:lnRef idx="2">
+              <a:schemeClr val="accent1">
+                <a:shade val="15000"/>
+              </a:schemeClr>
+            </a:lnRef>
+            <a:fillRef idx="1">
+              <a:schemeClr val="accent1"/>
+            </a:fillRef>
+            <a:effectRef idx="0">
+              <a:schemeClr val="accent1"/>
+            </a:effectRef>
+            <a:fontRef idx="minor">
+              <a:schemeClr val="lt1"/>
+            </a:fontRef>
+          </p:style>
+          <p:txBody>
+            <a:bodyPr rtlCol="0" anchor="ctr"/>
+            <a:lstStyle/>
+            <a:p>
+              <a:pPr algn="ctr"/>
+              <a:endParaRPr lang="en-ZA"/>
+            </a:p>
+          </p:txBody>
+        </p:sp>
+        <p:sp>
+          <p:nvSpPr>
+            <p:cNvPr id="9" name="Rectangle 8">
+              <a:extLst>
+                <a:ext uri="{FF2B5EF4-FFF2-40B4-BE49-F238E27FC236}">
+                  <a16:creationId xmlns:a16="http://schemas.microsoft.com/office/drawing/2014/main" id="{C7A27887-0F42-467C-A7DA-0AB5ADEBFCFD}"/>
+                </a:ext>
+              </a:extLst>
+            </p:cNvPr>
+            <p:cNvSpPr/>
+            <p:nvPr/>
+          </p:nvSpPr>
+          <p:spPr>
+            <a:xfrm>
+              <a:off x="5193030" y="3737322"/>
+              <a:ext cx="480674" cy="211395"/>
+            </a:xfrm>
+            <a:prstGeom prst="rect">
+              <a:avLst/>
+            </a:prstGeom>
+            <a:solidFill>
+              <a:schemeClr val="bg2">
+                <a:lumMod val="75000"/>
+              </a:schemeClr>
+            </a:solidFill>
+          </p:spPr>
+          <p:style>
+            <a:lnRef idx="2">
+              <a:schemeClr val="accent1">
+                <a:shade val="15000"/>
+              </a:schemeClr>
+            </a:lnRef>
+            <a:fillRef idx="1">
+              <a:schemeClr val="accent1"/>
+            </a:fillRef>
+            <a:effectRef idx="0">
+              <a:schemeClr val="accent1"/>
+            </a:effectRef>
+            <a:fontRef idx="minor">
+              <a:schemeClr val="lt1"/>
+            </a:fontRef>
+          </p:style>
+          <p:txBody>
+            <a:bodyPr rtlCol="0" anchor="ctr"/>
+            <a:lstStyle/>
+            <a:p>
+              <a:pPr algn="ctr"/>
+              <a:endParaRPr lang="en-ZA"/>
+            </a:p>
+          </p:txBody>
+        </p:sp>
+        <p:sp>
+          <p:nvSpPr>
+            <p:cNvPr id="10" name="Rectangle 9">
+              <a:extLst>
+                <a:ext uri="{FF2B5EF4-FFF2-40B4-BE49-F238E27FC236}">
+                  <a16:creationId xmlns:a16="http://schemas.microsoft.com/office/drawing/2014/main" id="{D48FC3B0-C897-3D5D-725A-9177EDDA793A}"/>
+                </a:ext>
+              </a:extLst>
+            </p:cNvPr>
+            <p:cNvSpPr/>
+            <p:nvPr/>
+          </p:nvSpPr>
+          <p:spPr>
+            <a:xfrm>
+              <a:off x="6225540" y="3722081"/>
+              <a:ext cx="480674" cy="211395"/>
+            </a:xfrm>
+            <a:prstGeom prst="rect">
+              <a:avLst/>
+            </a:prstGeom>
+            <a:solidFill>
+              <a:schemeClr val="bg2">
+                <a:lumMod val="75000"/>
+              </a:schemeClr>
+            </a:solidFill>
+          </p:spPr>
+          <p:style>
+            <a:lnRef idx="2">
+              <a:schemeClr val="accent1">
+                <a:shade val="15000"/>
+              </a:schemeClr>
+            </a:lnRef>
+            <a:fillRef idx="1">
+              <a:schemeClr val="accent1"/>
+            </a:fillRef>
+            <a:effectRef idx="0">
+              <a:schemeClr val="accent1"/>
+            </a:effectRef>
+            <a:fontRef idx="minor">
+              <a:schemeClr val="lt1"/>
+            </a:fontRef>
+          </p:style>
+          <p:txBody>
+            <a:bodyPr rtlCol="0" anchor="ctr"/>
+            <a:lstStyle/>
+            <a:p>
+              <a:pPr algn="ctr"/>
+              <a:endParaRPr lang="en-ZA"/>
+            </a:p>
+          </p:txBody>
+        </p:sp>
+        <p:sp>
+          <p:nvSpPr>
+            <p:cNvPr id="11" name="Rectangle 10">
+              <a:extLst>
+                <a:ext uri="{FF2B5EF4-FFF2-40B4-BE49-F238E27FC236}">
+                  <a16:creationId xmlns:a16="http://schemas.microsoft.com/office/drawing/2014/main" id="{5284073A-3FB6-E807-7CF6-5B675A24F657}"/>
+                </a:ext>
+              </a:extLst>
+            </p:cNvPr>
+            <p:cNvSpPr/>
+            <p:nvPr/>
+          </p:nvSpPr>
+          <p:spPr>
+            <a:xfrm>
+              <a:off x="589934" y="3040129"/>
+              <a:ext cx="314633" cy="1073194"/>
+            </a:xfrm>
+            <a:prstGeom prst="rect">
+              <a:avLst/>
+            </a:prstGeom>
+            <a:solidFill>
+              <a:schemeClr val="accent1">
+                <a:lumMod val="60000"/>
+                <a:lumOff val="40000"/>
+              </a:schemeClr>
+            </a:solidFill>
+          </p:spPr>
+          <p:style>
+            <a:lnRef idx="2">
+              <a:schemeClr val="accent1">
+                <a:shade val="15000"/>
+              </a:schemeClr>
+            </a:lnRef>
+            <a:fillRef idx="1">
+              <a:schemeClr val="accent1"/>
+            </a:fillRef>
+            <a:effectRef idx="0">
+              <a:schemeClr val="accent1"/>
+            </a:effectRef>
+            <a:fontRef idx="minor">
+              <a:schemeClr val="lt1"/>
+            </a:fontRef>
+          </p:style>
+          <p:txBody>
+            <a:bodyPr rtlCol="0" anchor="ctr"/>
+            <a:lstStyle/>
+            <a:p>
+              <a:pPr algn="ctr"/>
+              <a:endParaRPr lang="en-ZA"/>
+            </a:p>
+          </p:txBody>
+        </p:sp>
+        <p:sp>
+          <p:nvSpPr>
+            <p:cNvPr id="12" name="TextBox 11">
+              <a:extLst>
+                <a:ext uri="{FF2B5EF4-FFF2-40B4-BE49-F238E27FC236}">
+                  <a16:creationId xmlns:a16="http://schemas.microsoft.com/office/drawing/2014/main" id="{A005C325-0E40-9C6C-F9AD-F36FA0D567CB}"/>
+                </a:ext>
+              </a:extLst>
+            </p:cNvPr>
+            <p:cNvSpPr txBox="1"/>
+            <p:nvPr/>
+          </p:nvSpPr>
+          <p:spPr>
+            <a:xfrm>
+              <a:off x="4246808" y="3658354"/>
+              <a:ext cx="308098" cy="369332"/>
+            </a:xfrm>
+            <a:prstGeom prst="rect">
+              <a:avLst/>
+            </a:prstGeom>
+            <a:noFill/>
+          </p:spPr>
+          <p:txBody>
+            <a:bodyPr wrap="none" rtlCol="0">
+              <a:spAutoFit/>
+            </a:bodyPr>
+            <a:lstStyle/>
+            <a:p>
+              <a:r>
+                <a:rPr lang="en-ZA" dirty="0"/>
+                <a:t>1</a:t>
+              </a:r>
+            </a:p>
+          </p:txBody>
+        </p:sp>
+        <p:sp>
+          <p:nvSpPr>
+            <p:cNvPr id="13" name="TextBox 12">
+              <a:extLst>
+                <a:ext uri="{FF2B5EF4-FFF2-40B4-BE49-F238E27FC236}">
+                  <a16:creationId xmlns:a16="http://schemas.microsoft.com/office/drawing/2014/main" id="{8E8B11CD-C28A-8C8D-C762-74BCFA4E7A43}"/>
+                </a:ext>
+              </a:extLst>
+            </p:cNvPr>
+            <p:cNvSpPr txBox="1"/>
+            <p:nvPr/>
+          </p:nvSpPr>
+          <p:spPr>
+            <a:xfrm>
+              <a:off x="5285770" y="3658354"/>
+              <a:ext cx="308098" cy="369332"/>
+            </a:xfrm>
+            <a:prstGeom prst="rect">
+              <a:avLst/>
+            </a:prstGeom>
+            <a:noFill/>
+          </p:spPr>
+          <p:txBody>
+            <a:bodyPr wrap="none" rtlCol="0">
+              <a:spAutoFit/>
+            </a:bodyPr>
+            <a:lstStyle/>
+            <a:p>
+              <a:r>
+                <a:rPr lang="en-ZA" dirty="0"/>
+                <a:t>2</a:t>
+              </a:r>
+            </a:p>
+          </p:txBody>
+        </p:sp>
+        <p:sp>
+          <p:nvSpPr>
+            <p:cNvPr id="14" name="TextBox 13">
+              <a:extLst>
+                <a:ext uri="{FF2B5EF4-FFF2-40B4-BE49-F238E27FC236}">
+                  <a16:creationId xmlns:a16="http://schemas.microsoft.com/office/drawing/2014/main" id="{C30247E6-1257-7F11-8ED6-A8D23914DA70}"/>
+                </a:ext>
+              </a:extLst>
+            </p:cNvPr>
+            <p:cNvSpPr txBox="1"/>
+            <p:nvPr/>
+          </p:nvSpPr>
+          <p:spPr>
+            <a:xfrm>
+              <a:off x="6327611" y="3650913"/>
+              <a:ext cx="308098" cy="369332"/>
+            </a:xfrm>
+            <a:prstGeom prst="rect">
+              <a:avLst/>
+            </a:prstGeom>
+            <a:noFill/>
+          </p:spPr>
+          <p:txBody>
+            <a:bodyPr wrap="none" rtlCol="0">
+              <a:spAutoFit/>
+            </a:bodyPr>
+            <a:lstStyle/>
+            <a:p>
+              <a:r>
+                <a:rPr lang="en-ZA" dirty="0"/>
+                <a:t>3</a:t>
+              </a:r>
+            </a:p>
+          </p:txBody>
+        </p:sp>
+        <p:sp>
+          <p:nvSpPr>
+            <p:cNvPr id="15" name="TextBox 14">
+              <a:extLst>
+                <a:ext uri="{FF2B5EF4-FFF2-40B4-BE49-F238E27FC236}">
+                  <a16:creationId xmlns:a16="http://schemas.microsoft.com/office/drawing/2014/main" id="{3384B520-BCC3-3190-D40A-C099FD62C3F0}"/>
+                </a:ext>
+              </a:extLst>
+            </p:cNvPr>
+            <p:cNvSpPr txBox="1"/>
+            <p:nvPr/>
+          </p:nvSpPr>
+          <p:spPr>
+            <a:xfrm>
+              <a:off x="4237283" y="3014980"/>
+              <a:ext cx="308098" cy="369332"/>
+            </a:xfrm>
+            <a:prstGeom prst="rect">
+              <a:avLst/>
+            </a:prstGeom>
+            <a:noFill/>
+          </p:spPr>
+          <p:txBody>
+            <a:bodyPr wrap="none" rtlCol="0">
+              <a:spAutoFit/>
+            </a:bodyPr>
+            <a:lstStyle/>
+            <a:p>
+              <a:r>
+                <a:rPr lang="en-ZA" dirty="0"/>
+                <a:t>4</a:t>
+              </a:r>
+            </a:p>
+          </p:txBody>
+        </p:sp>
+        <p:sp>
+          <p:nvSpPr>
+            <p:cNvPr id="16" name="TextBox 15">
+              <a:extLst>
+                <a:ext uri="{FF2B5EF4-FFF2-40B4-BE49-F238E27FC236}">
+                  <a16:creationId xmlns:a16="http://schemas.microsoft.com/office/drawing/2014/main" id="{6CEC5299-4FD7-CC44-573D-2C54DCBA9F29}"/>
+                </a:ext>
+              </a:extLst>
+            </p:cNvPr>
+            <p:cNvSpPr txBox="1"/>
+            <p:nvPr/>
+          </p:nvSpPr>
+          <p:spPr>
+            <a:xfrm>
+              <a:off x="5290507" y="3014980"/>
+              <a:ext cx="308098" cy="369332"/>
+            </a:xfrm>
+            <a:prstGeom prst="rect">
+              <a:avLst/>
+            </a:prstGeom>
+            <a:noFill/>
+          </p:spPr>
+          <p:txBody>
+            <a:bodyPr wrap="none" rtlCol="0">
+              <a:spAutoFit/>
+            </a:bodyPr>
+            <a:lstStyle/>
+            <a:p>
+              <a:r>
+                <a:rPr lang="en-ZA" dirty="0"/>
+                <a:t>5</a:t>
+              </a:r>
+            </a:p>
+          </p:txBody>
+        </p:sp>
+        <p:sp>
+          <p:nvSpPr>
+            <p:cNvPr id="17" name="TextBox 16">
+              <a:extLst>
+                <a:ext uri="{FF2B5EF4-FFF2-40B4-BE49-F238E27FC236}">
+                  <a16:creationId xmlns:a16="http://schemas.microsoft.com/office/drawing/2014/main" id="{3C18B4EE-7611-8E95-CE5B-9BF59DC4932C}"/>
+                </a:ext>
+              </a:extLst>
+            </p:cNvPr>
+            <p:cNvSpPr txBox="1"/>
+            <p:nvPr/>
+          </p:nvSpPr>
+          <p:spPr>
+            <a:xfrm>
+              <a:off x="6326597" y="3015423"/>
+              <a:ext cx="308098" cy="369332"/>
+            </a:xfrm>
+            <a:prstGeom prst="rect">
+              <a:avLst/>
+            </a:prstGeom>
+            <a:noFill/>
+          </p:spPr>
+          <p:txBody>
+            <a:bodyPr wrap="none" rtlCol="0">
+              <a:spAutoFit/>
+            </a:bodyPr>
+            <a:lstStyle/>
+            <a:p>
+              <a:r>
+                <a:rPr lang="en-ZA" dirty="0"/>
+                <a:t>6</a:t>
+              </a:r>
+            </a:p>
+          </p:txBody>
+        </p:sp>
+      </p:grpSp>
+    </p:spTree>
+    <p:extLst>
+      <p:ext uri="{BB962C8B-B14F-4D97-AF65-F5344CB8AC3E}">
+        <p14:creationId xmlns:p14="http://schemas.microsoft.com/office/powerpoint/2010/main" val="718231065"/>
+      </p:ext>
+    </p:extLst>
+  </p:cSld>
+  <p:clrMapOvr>
+    <a:masterClrMapping/>
+  </p:clrMapOvr>
+</p:sld>
+</file>
+
+<file path=ppt/slides/slide4.xml><?xml version="1.0" encoding="utf-8"?>
+<p:sld xmlns:a="http://schemas.openxmlformats.org/drawingml/2006/main" xmlns:r="http://schemas.openxmlformats.org/officeDocument/2006/relationships" xmlns:p="http://schemas.openxmlformats.org/presentationml/2006/main">
+  <p:cSld>
+    <p:spTree>
+      <p:nvGrpSpPr>
+        <p:cNvPr id="1" name=""/>
+        <p:cNvGrpSpPr/>
+        <p:nvPr/>
+      </p:nvGrpSpPr>
+      <p:grpSpPr>
+        <a:xfrm>
+          <a:off x="0" y="0"/>
+          <a:ext cx="0" cy="0"/>
+          <a:chOff x="0" y="0"/>
+          <a:chExt cx="0" cy="0"/>
+        </a:xfrm>
+      </p:grpSpPr>
+      <p:sp>
+        <p:nvSpPr>
+          <p:cNvPr id="4" name="Rectangle 3">
+            <a:extLst>
+              <a:ext uri="{FF2B5EF4-FFF2-40B4-BE49-F238E27FC236}">
+                <a16:creationId xmlns:a16="http://schemas.microsoft.com/office/drawing/2014/main" id="{5BFDD4A4-7B23-5CD9-3503-56ACF5251725}"/>
+              </a:ext>
+            </a:extLst>
+          </p:cNvPr>
+          <p:cNvSpPr/>
+          <p:nvPr/>
+        </p:nvSpPr>
+        <p:spPr>
+          <a:xfrm>
+            <a:off x="5152103" y="1740310"/>
+            <a:ext cx="2694039" cy="1688690"/>
+          </a:xfrm>
+          <a:prstGeom prst="rect">
+            <a:avLst/>
+          </a:prstGeom>
+          <a:solidFill>
+            <a:schemeClr val="accent1">
+              <a:lumMod val="60000"/>
+              <a:lumOff val="40000"/>
+            </a:schemeClr>
+          </a:solidFill>
+        </p:spPr>
+        <p:style>
+          <a:lnRef idx="2">
+            <a:schemeClr val="accent1">
+              <a:shade val="15000"/>
+            </a:schemeClr>
+          </a:lnRef>
+          <a:fillRef idx="1">
+            <a:schemeClr val="accent1"/>
+          </a:fillRef>
+          <a:effectRef idx="0">
+            <a:schemeClr val="accent1"/>
+          </a:effectRef>
+          <a:fontRef idx="minor">
+            <a:schemeClr val="lt1"/>
+          </a:fontRef>
+        </p:style>
+        <p:txBody>
+          <a:bodyPr rtlCol="0" anchor="ctr"/>
+          <a:lstStyle/>
+          <a:p>
+            <a:pPr algn="ctr"/>
+            <a:endParaRPr lang="en-ZA"/>
+          </a:p>
+        </p:txBody>
+      </p:sp>
+      <p:sp>
+        <p:nvSpPr>
+          <p:cNvPr id="5" name="TextBox 4">
+            <a:extLst>
+              <a:ext uri="{FF2B5EF4-FFF2-40B4-BE49-F238E27FC236}">
+                <a16:creationId xmlns:a16="http://schemas.microsoft.com/office/drawing/2014/main" id="{D90042BD-0644-D3EF-5F31-9CA6C34B6605}"/>
+              </a:ext>
+            </a:extLst>
+          </p:cNvPr>
+          <p:cNvSpPr txBox="1"/>
+          <p:nvPr/>
+        </p:nvSpPr>
+        <p:spPr>
+          <a:xfrm>
+            <a:off x="5320241" y="2399989"/>
+            <a:ext cx="2357761" cy="369332"/>
+          </a:xfrm>
+          <a:prstGeom prst="rect">
+            <a:avLst/>
+          </a:prstGeom>
+          <a:noFill/>
+        </p:spPr>
+        <p:txBody>
+          <a:bodyPr wrap="none" rtlCol="0">
+            <a:spAutoFit/>
+          </a:bodyPr>
+          <a:lstStyle/>
+          <a:p>
+            <a:r>
+              <a:rPr lang="en-ZA" dirty="0"/>
+              <a:t>Main Processing MCU</a:t>
+            </a:r>
+          </a:p>
+        </p:txBody>
+      </p:sp>
+      <p:sp>
+        <p:nvSpPr>
+          <p:cNvPr id="6" name="TextBox 5">
+            <a:extLst>
+              <a:ext uri="{FF2B5EF4-FFF2-40B4-BE49-F238E27FC236}">
+                <a16:creationId xmlns:a16="http://schemas.microsoft.com/office/drawing/2014/main" id="{23E2A5BE-D6ED-A5C9-8F87-930B7E960847}"/>
+              </a:ext>
+            </a:extLst>
+          </p:cNvPr>
+          <p:cNvSpPr txBox="1"/>
+          <p:nvPr/>
+        </p:nvSpPr>
+        <p:spPr>
+          <a:xfrm>
+            <a:off x="1177414" y="578563"/>
+            <a:ext cx="1606594" cy="369332"/>
+          </a:xfrm>
+          <a:prstGeom prst="rect">
+            <a:avLst/>
+          </a:prstGeom>
+          <a:noFill/>
+        </p:spPr>
+        <p:txBody>
+          <a:bodyPr wrap="none" rtlCol="0">
+            <a:spAutoFit/>
+          </a:bodyPr>
+          <a:lstStyle/>
+          <a:p>
+            <a:r>
+              <a:rPr lang="en-ZA" dirty="0"/>
+              <a:t>Sense Board 1</a:t>
+            </a:r>
+          </a:p>
+        </p:txBody>
+      </p:sp>
+      <p:sp>
+        <p:nvSpPr>
+          <p:cNvPr id="7" name="TextBox 6">
+            <a:extLst>
+              <a:ext uri="{FF2B5EF4-FFF2-40B4-BE49-F238E27FC236}">
+                <a16:creationId xmlns:a16="http://schemas.microsoft.com/office/drawing/2014/main" id="{8F3D3396-1765-46A8-3944-D00EC70D5C15}"/>
+              </a:ext>
+            </a:extLst>
+          </p:cNvPr>
+          <p:cNvSpPr txBox="1"/>
+          <p:nvPr/>
+        </p:nvSpPr>
+        <p:spPr>
+          <a:xfrm>
+            <a:off x="1177414" y="1164952"/>
+            <a:ext cx="1606594" cy="369332"/>
+          </a:xfrm>
+          <a:prstGeom prst="rect">
+            <a:avLst/>
+          </a:prstGeom>
+          <a:noFill/>
+        </p:spPr>
+        <p:txBody>
+          <a:bodyPr wrap="none" rtlCol="0">
+            <a:spAutoFit/>
+          </a:bodyPr>
+          <a:lstStyle/>
+          <a:p>
+            <a:r>
+              <a:rPr lang="en-ZA" dirty="0"/>
+              <a:t>Sense Board 3</a:t>
+            </a:r>
+          </a:p>
+        </p:txBody>
+      </p:sp>
+      <p:sp>
+        <p:nvSpPr>
+          <p:cNvPr id="8" name="TextBox 7">
+            <a:extLst>
+              <a:ext uri="{FF2B5EF4-FFF2-40B4-BE49-F238E27FC236}">
+                <a16:creationId xmlns:a16="http://schemas.microsoft.com/office/drawing/2014/main" id="{B2E9D549-6119-C5A4-F0F4-64E27E606D13}"/>
+              </a:ext>
+            </a:extLst>
+          </p:cNvPr>
+          <p:cNvSpPr txBox="1"/>
+          <p:nvPr/>
+        </p:nvSpPr>
+        <p:spPr>
+          <a:xfrm>
+            <a:off x="1177414" y="864772"/>
+            <a:ext cx="1606594" cy="369332"/>
+          </a:xfrm>
+          <a:prstGeom prst="rect">
+            <a:avLst/>
+          </a:prstGeom>
+          <a:noFill/>
+        </p:spPr>
+        <p:txBody>
+          <a:bodyPr wrap="none" rtlCol="0">
+            <a:spAutoFit/>
+          </a:bodyPr>
+          <a:lstStyle/>
+          <a:p>
+            <a:r>
+              <a:rPr lang="en-ZA" dirty="0"/>
+              <a:t>Sense Board 2</a:t>
+            </a:r>
+          </a:p>
+        </p:txBody>
+      </p:sp>
+      <p:sp>
+        <p:nvSpPr>
+          <p:cNvPr id="9" name="TextBox 8">
+            <a:extLst>
+              <a:ext uri="{FF2B5EF4-FFF2-40B4-BE49-F238E27FC236}">
+                <a16:creationId xmlns:a16="http://schemas.microsoft.com/office/drawing/2014/main" id="{A221101C-363F-43CB-0CDC-9991498C6218}"/>
+              </a:ext>
+            </a:extLst>
+          </p:cNvPr>
+          <p:cNvSpPr txBox="1"/>
+          <p:nvPr/>
+        </p:nvSpPr>
+        <p:spPr>
+          <a:xfrm>
+            <a:off x="1169548" y="1458239"/>
+            <a:ext cx="1606594" cy="369332"/>
+          </a:xfrm>
+          <a:prstGeom prst="rect">
+            <a:avLst/>
+          </a:prstGeom>
+          <a:noFill/>
+        </p:spPr>
+        <p:txBody>
+          <a:bodyPr wrap="none" rtlCol="0">
+            <a:spAutoFit/>
+          </a:bodyPr>
+          <a:lstStyle/>
+          <a:p>
+            <a:r>
+              <a:rPr lang="en-ZA" dirty="0"/>
+              <a:t>Sense Board 4</a:t>
+            </a:r>
+          </a:p>
+        </p:txBody>
+      </p:sp>
+      <p:sp>
+        <p:nvSpPr>
+          <p:cNvPr id="10" name="TextBox 9">
+            <a:extLst>
+              <a:ext uri="{FF2B5EF4-FFF2-40B4-BE49-F238E27FC236}">
+                <a16:creationId xmlns:a16="http://schemas.microsoft.com/office/drawing/2014/main" id="{148CC8CB-A36F-BF01-F84B-5DF0C37E51BF}"/>
+              </a:ext>
+            </a:extLst>
+          </p:cNvPr>
+          <p:cNvSpPr txBox="1"/>
+          <p:nvPr/>
+        </p:nvSpPr>
+        <p:spPr>
+          <a:xfrm>
+            <a:off x="1169059" y="1758123"/>
+            <a:ext cx="1606594" cy="369332"/>
+          </a:xfrm>
+          <a:prstGeom prst="rect">
+            <a:avLst/>
+          </a:prstGeom>
+          <a:noFill/>
+        </p:spPr>
+        <p:txBody>
+          <a:bodyPr wrap="none" rtlCol="0">
+            <a:spAutoFit/>
+          </a:bodyPr>
+          <a:lstStyle/>
+          <a:p>
+            <a:r>
+              <a:rPr lang="en-ZA" dirty="0"/>
+              <a:t>Sense Board 5</a:t>
+            </a:r>
+          </a:p>
+        </p:txBody>
+      </p:sp>
+      <p:sp>
+        <p:nvSpPr>
+          <p:cNvPr id="11" name="TextBox 10">
+            <a:extLst>
+              <a:ext uri="{FF2B5EF4-FFF2-40B4-BE49-F238E27FC236}">
+                <a16:creationId xmlns:a16="http://schemas.microsoft.com/office/drawing/2014/main" id="{A621190D-E952-D326-7BFD-AB2219EFFA05}"/>
+              </a:ext>
+            </a:extLst>
+          </p:cNvPr>
+          <p:cNvSpPr txBox="1"/>
+          <p:nvPr/>
+        </p:nvSpPr>
+        <p:spPr>
+          <a:xfrm>
+            <a:off x="1170039" y="2030657"/>
+            <a:ext cx="1606594" cy="369332"/>
+          </a:xfrm>
+          <a:prstGeom prst="rect">
+            <a:avLst/>
+          </a:prstGeom>
+          <a:noFill/>
+        </p:spPr>
+        <p:txBody>
+          <a:bodyPr wrap="none" rtlCol="0">
+            <a:spAutoFit/>
+          </a:bodyPr>
+          <a:lstStyle/>
+          <a:p>
+            <a:r>
+              <a:rPr lang="en-ZA" dirty="0"/>
+              <a:t>Sense Board 6</a:t>
+            </a:r>
+          </a:p>
+        </p:txBody>
+      </p:sp>
+      <p:cxnSp>
+        <p:nvCxnSpPr>
+          <p:cNvPr id="13" name="Straight Arrow Connector 12">
+            <a:extLst>
+              <a:ext uri="{FF2B5EF4-FFF2-40B4-BE49-F238E27FC236}">
+                <a16:creationId xmlns:a16="http://schemas.microsoft.com/office/drawing/2014/main" id="{553380A8-6B54-24C3-B248-60D1627BB194}"/>
+              </a:ext>
+            </a:extLst>
+          </p:cNvPr>
+          <p:cNvCxnSpPr/>
+          <p:nvPr/>
+        </p:nvCxnSpPr>
+        <p:spPr>
+          <a:xfrm>
+            <a:off x="3008671" y="1356852"/>
+            <a:ext cx="1917290" cy="924232"/>
+          </a:xfrm>
+          <a:prstGeom prst="straightConnector1">
+            <a:avLst/>
+          </a:prstGeom>
+          <a:ln>
+            <a:tailEnd type="triangle"/>
+          </a:ln>
+        </p:spPr>
+        <p:style>
+          <a:lnRef idx="2">
+            <a:schemeClr val="accent1"/>
+          </a:lnRef>
+          <a:fillRef idx="0">
+            <a:schemeClr val="accent1"/>
+          </a:fillRef>
+          <a:effectRef idx="1">
+            <a:schemeClr val="accent1"/>
+          </a:effectRef>
+          <a:fontRef idx="minor">
+            <a:schemeClr val="tx1"/>
+          </a:fontRef>
+        </p:style>
+      </p:cxnSp>
+      <p:sp>
+        <p:nvSpPr>
+          <p:cNvPr id="14" name="TextBox 13">
+            <a:extLst>
+              <a:ext uri="{FF2B5EF4-FFF2-40B4-BE49-F238E27FC236}">
+                <a16:creationId xmlns:a16="http://schemas.microsoft.com/office/drawing/2014/main" id="{F4EE8291-9506-66D5-0290-E1DBB24BD29D}"/>
+              </a:ext>
+            </a:extLst>
+          </p:cNvPr>
+          <p:cNvSpPr txBox="1"/>
+          <p:nvPr/>
+        </p:nvSpPr>
+        <p:spPr>
+          <a:xfrm>
+            <a:off x="737214" y="2543847"/>
+            <a:ext cx="3197607" cy="369332"/>
+          </a:xfrm>
+          <a:prstGeom prst="rect">
+            <a:avLst/>
+          </a:prstGeom>
+          <a:noFill/>
+        </p:spPr>
+        <p:txBody>
+          <a:bodyPr wrap="none" rtlCol="0">
+            <a:spAutoFit/>
+          </a:bodyPr>
+          <a:lstStyle/>
+          <a:p>
+            <a:r>
+              <a:rPr lang="en-ZA" dirty="0"/>
+              <a:t>(6x ADC Temperature Sensors)</a:t>
+            </a:r>
+          </a:p>
+        </p:txBody>
+      </p:sp>
+      <p:sp>
+        <p:nvSpPr>
+          <p:cNvPr id="15" name="TextBox 14">
+            <a:extLst>
+              <a:ext uri="{FF2B5EF4-FFF2-40B4-BE49-F238E27FC236}">
+                <a16:creationId xmlns:a16="http://schemas.microsoft.com/office/drawing/2014/main" id="{C32C9F89-3BC2-0B38-4E7C-B48DAE68E62C}"/>
+              </a:ext>
+            </a:extLst>
+          </p:cNvPr>
+          <p:cNvSpPr txBox="1"/>
+          <p:nvPr/>
+        </p:nvSpPr>
+        <p:spPr>
+          <a:xfrm>
+            <a:off x="737214" y="2967052"/>
+            <a:ext cx="3177601" cy="369332"/>
+          </a:xfrm>
+          <a:prstGeom prst="rect">
+            <a:avLst/>
+          </a:prstGeom>
+          <a:noFill/>
+        </p:spPr>
+        <p:txBody>
+          <a:bodyPr wrap="none" rtlCol="0">
+            <a:spAutoFit/>
+          </a:bodyPr>
+          <a:lstStyle/>
+          <a:p>
+            <a:r>
+              <a:rPr lang="en-ZA" dirty="0"/>
+              <a:t>(6x Counter Moisture Sensors)</a:t>
+            </a:r>
+          </a:p>
+        </p:txBody>
+      </p:sp>
+      <p:cxnSp>
+        <p:nvCxnSpPr>
+          <p:cNvPr id="17" name="Straight Arrow Connector 16">
+            <a:extLst>
+              <a:ext uri="{FF2B5EF4-FFF2-40B4-BE49-F238E27FC236}">
+                <a16:creationId xmlns:a16="http://schemas.microsoft.com/office/drawing/2014/main" id="{049CB967-C64D-4663-607D-408E061824A7}"/>
+              </a:ext>
+            </a:extLst>
+          </p:cNvPr>
+          <p:cNvCxnSpPr/>
+          <p:nvPr/>
+        </p:nvCxnSpPr>
+        <p:spPr>
+          <a:xfrm>
+            <a:off x="3934821" y="3151718"/>
+            <a:ext cx="1042219" cy="0"/>
+          </a:xfrm>
+          <a:prstGeom prst="straightConnector1">
+            <a:avLst/>
+          </a:prstGeom>
+          <a:ln>
+            <a:tailEnd type="triangle"/>
+          </a:ln>
+        </p:spPr>
+        <p:style>
+          <a:lnRef idx="2">
+            <a:schemeClr val="accent1"/>
+          </a:lnRef>
+          <a:fillRef idx="0">
+            <a:schemeClr val="accent1"/>
+          </a:fillRef>
+          <a:effectRef idx="1">
+            <a:schemeClr val="accent1"/>
+          </a:effectRef>
+          <a:fontRef idx="minor">
+            <a:schemeClr val="tx1"/>
+          </a:fontRef>
+        </p:style>
+      </p:cxnSp>
+      <p:cxnSp>
+        <p:nvCxnSpPr>
+          <p:cNvPr id="18" name="Straight Arrow Connector 17">
+            <a:extLst>
+              <a:ext uri="{FF2B5EF4-FFF2-40B4-BE49-F238E27FC236}">
+                <a16:creationId xmlns:a16="http://schemas.microsoft.com/office/drawing/2014/main" id="{091B9EA0-8CDB-DCD8-B151-E7D4C2413D21}"/>
+              </a:ext>
+            </a:extLst>
+          </p:cNvPr>
+          <p:cNvCxnSpPr/>
+          <p:nvPr/>
+        </p:nvCxnSpPr>
+        <p:spPr>
+          <a:xfrm>
+            <a:off x="3914815" y="2728513"/>
+            <a:ext cx="1042219" cy="0"/>
+          </a:xfrm>
+          <a:prstGeom prst="straightConnector1">
+            <a:avLst/>
+          </a:prstGeom>
+          <a:ln>
+            <a:tailEnd type="triangle"/>
+          </a:ln>
+        </p:spPr>
+        <p:style>
+          <a:lnRef idx="2">
+            <a:schemeClr val="accent1"/>
+          </a:lnRef>
+          <a:fillRef idx="0">
+            <a:schemeClr val="accent1"/>
+          </a:fillRef>
+          <a:effectRef idx="1">
+            <a:schemeClr val="accent1"/>
+          </a:effectRef>
+          <a:fontRef idx="minor">
+            <a:schemeClr val="tx1"/>
+          </a:fontRef>
+        </p:style>
+      </p:cxnSp>
+      <p:sp>
+        <p:nvSpPr>
+          <p:cNvPr id="19" name="TextBox 18">
+            <a:extLst>
+              <a:ext uri="{FF2B5EF4-FFF2-40B4-BE49-F238E27FC236}">
+                <a16:creationId xmlns:a16="http://schemas.microsoft.com/office/drawing/2014/main" id="{A5803EA9-F115-9950-D67E-9B4C56918E19}"/>
+              </a:ext>
+            </a:extLst>
+          </p:cNvPr>
+          <p:cNvSpPr txBox="1"/>
+          <p:nvPr/>
+        </p:nvSpPr>
+        <p:spPr>
+          <a:xfrm>
+            <a:off x="4150803" y="3750799"/>
+            <a:ext cx="1001300" cy="369332"/>
+          </a:xfrm>
+          <a:prstGeom prst="rect">
+            <a:avLst/>
+          </a:prstGeom>
+          <a:noFill/>
+        </p:spPr>
+        <p:txBody>
+          <a:bodyPr wrap="none" rtlCol="0">
+            <a:spAutoFit/>
+          </a:bodyPr>
+          <a:lstStyle/>
+          <a:p>
+            <a:r>
+              <a:rPr lang="en-ZA" dirty="0"/>
+              <a:t>Outputs</a:t>
+            </a:r>
+          </a:p>
+        </p:txBody>
+      </p:sp>
+      <p:sp>
+        <p:nvSpPr>
+          <p:cNvPr id="20" name="TextBox 19">
+            <a:extLst>
+              <a:ext uri="{FF2B5EF4-FFF2-40B4-BE49-F238E27FC236}">
+                <a16:creationId xmlns:a16="http://schemas.microsoft.com/office/drawing/2014/main" id="{62217FB1-B021-3F9D-81DE-0F87461457B0}"/>
+              </a:ext>
+            </a:extLst>
+          </p:cNvPr>
+          <p:cNvSpPr txBox="1"/>
+          <p:nvPr/>
+        </p:nvSpPr>
+        <p:spPr>
+          <a:xfrm>
+            <a:off x="5100185" y="4173776"/>
+            <a:ext cx="870751" cy="646331"/>
+          </a:xfrm>
+          <a:prstGeom prst="rect">
+            <a:avLst/>
+          </a:prstGeom>
+          <a:noFill/>
+        </p:spPr>
+        <p:txBody>
+          <a:bodyPr wrap="none" rtlCol="0">
+            <a:spAutoFit/>
+          </a:bodyPr>
+          <a:lstStyle/>
+          <a:p>
+            <a:pPr algn="ctr"/>
+            <a:r>
+              <a:rPr lang="en-ZA" dirty="0"/>
+              <a:t>RS485 </a:t>
+            </a:r>
+          </a:p>
+          <a:p>
+            <a:pPr algn="ctr"/>
+            <a:r>
+              <a:rPr lang="en-ZA" dirty="0"/>
+              <a:t>String</a:t>
+            </a:r>
+          </a:p>
+        </p:txBody>
+      </p:sp>
+      <p:sp>
+        <p:nvSpPr>
+          <p:cNvPr id="21" name="TextBox 20">
+            <a:extLst>
+              <a:ext uri="{FF2B5EF4-FFF2-40B4-BE49-F238E27FC236}">
+                <a16:creationId xmlns:a16="http://schemas.microsoft.com/office/drawing/2014/main" id="{F5A48489-9475-C4DE-FC60-CE3739ADC810}"/>
+              </a:ext>
+            </a:extLst>
+          </p:cNvPr>
+          <p:cNvSpPr txBox="1"/>
+          <p:nvPr/>
+        </p:nvSpPr>
+        <p:spPr>
+          <a:xfrm>
+            <a:off x="5775682" y="4801586"/>
+            <a:ext cx="1286634" cy="646331"/>
+          </a:xfrm>
+          <a:prstGeom prst="rect">
+            <a:avLst/>
+          </a:prstGeom>
+          <a:noFill/>
+        </p:spPr>
+        <p:txBody>
+          <a:bodyPr wrap="none" rtlCol="0">
+            <a:spAutoFit/>
+          </a:bodyPr>
+          <a:lstStyle/>
+          <a:p>
+            <a:pPr algn="ctr"/>
+            <a:r>
+              <a:rPr lang="en-ZA" dirty="0"/>
+              <a:t>BLE </a:t>
+            </a:r>
+          </a:p>
+          <a:p>
+            <a:pPr algn="ctr"/>
+            <a:r>
+              <a:rPr lang="en-ZA" dirty="0"/>
+              <a:t>Calibration</a:t>
+            </a:r>
+          </a:p>
+        </p:txBody>
+      </p:sp>
+      <p:sp>
+        <p:nvSpPr>
+          <p:cNvPr id="22" name="TextBox 21">
+            <a:extLst>
+              <a:ext uri="{FF2B5EF4-FFF2-40B4-BE49-F238E27FC236}">
+                <a16:creationId xmlns:a16="http://schemas.microsoft.com/office/drawing/2014/main" id="{B315C629-C02B-5170-997B-5EBE2D36930C}"/>
+              </a:ext>
+            </a:extLst>
+          </p:cNvPr>
+          <p:cNvSpPr txBox="1"/>
+          <p:nvPr/>
+        </p:nvSpPr>
+        <p:spPr>
+          <a:xfrm>
+            <a:off x="6656440" y="4168714"/>
+            <a:ext cx="1591590" cy="646331"/>
+          </a:xfrm>
+          <a:prstGeom prst="rect">
+            <a:avLst/>
+          </a:prstGeom>
+          <a:noFill/>
+        </p:spPr>
+        <p:txBody>
+          <a:bodyPr wrap="none" rtlCol="0">
+            <a:spAutoFit/>
+          </a:bodyPr>
+          <a:lstStyle/>
+          <a:p>
+            <a:pPr algn="ctr"/>
+            <a:r>
+              <a:rPr lang="en-ZA" dirty="0"/>
+              <a:t>BLE Firmware </a:t>
+            </a:r>
+          </a:p>
+          <a:p>
+            <a:pPr algn="ctr"/>
+            <a:r>
+              <a:rPr lang="en-ZA" dirty="0"/>
+              <a:t>Update</a:t>
+            </a:r>
+          </a:p>
+        </p:txBody>
+      </p:sp>
+      <p:cxnSp>
+        <p:nvCxnSpPr>
+          <p:cNvPr id="24" name="Straight Arrow Connector 23">
+            <a:extLst>
+              <a:ext uri="{FF2B5EF4-FFF2-40B4-BE49-F238E27FC236}">
+                <a16:creationId xmlns:a16="http://schemas.microsoft.com/office/drawing/2014/main" id="{38A305E5-F465-D915-9A5C-041D88C1C5C1}"/>
+              </a:ext>
+            </a:extLst>
+          </p:cNvPr>
+          <p:cNvCxnSpPr/>
+          <p:nvPr/>
+        </p:nvCxnSpPr>
+        <p:spPr>
+          <a:xfrm>
+            <a:off x="5535561" y="3639312"/>
+            <a:ext cx="0" cy="529402"/>
+          </a:xfrm>
+          <a:prstGeom prst="straightConnector1">
+            <a:avLst/>
+          </a:prstGeom>
+          <a:ln>
+            <a:tailEnd type="triangle"/>
+          </a:ln>
+        </p:spPr>
+        <p:style>
+          <a:lnRef idx="2">
+            <a:schemeClr val="accent1"/>
+          </a:lnRef>
+          <a:fillRef idx="0">
+            <a:schemeClr val="accent1"/>
+          </a:fillRef>
+          <a:effectRef idx="1">
+            <a:schemeClr val="accent1"/>
+          </a:effectRef>
+          <a:fontRef idx="minor">
+            <a:schemeClr val="tx1"/>
+          </a:fontRef>
+        </p:style>
+      </p:cxnSp>
+      <p:cxnSp>
+        <p:nvCxnSpPr>
+          <p:cNvPr id="25" name="Straight Arrow Connector 24">
+            <a:extLst>
+              <a:ext uri="{FF2B5EF4-FFF2-40B4-BE49-F238E27FC236}">
+                <a16:creationId xmlns:a16="http://schemas.microsoft.com/office/drawing/2014/main" id="{D34B096A-4AF5-662A-E961-99D01A0EF265}"/>
+              </a:ext>
+            </a:extLst>
+          </p:cNvPr>
+          <p:cNvCxnSpPr/>
+          <p:nvPr/>
+        </p:nvCxnSpPr>
+        <p:spPr>
+          <a:xfrm>
+            <a:off x="7452235" y="3590729"/>
+            <a:ext cx="0" cy="529402"/>
+          </a:xfrm>
+          <a:prstGeom prst="straightConnector1">
+            <a:avLst/>
+          </a:prstGeom>
+          <a:ln>
+            <a:tailEnd type="triangle"/>
+          </a:ln>
+        </p:spPr>
+        <p:style>
+          <a:lnRef idx="2">
+            <a:schemeClr val="accent1"/>
+          </a:lnRef>
+          <a:fillRef idx="0">
+            <a:schemeClr val="accent1"/>
+          </a:fillRef>
+          <a:effectRef idx="1">
+            <a:schemeClr val="accent1"/>
+          </a:effectRef>
+          <a:fontRef idx="minor">
+            <a:schemeClr val="tx1"/>
+          </a:fontRef>
+        </p:style>
+      </p:cxnSp>
+      <p:cxnSp>
+        <p:nvCxnSpPr>
+          <p:cNvPr id="26" name="Straight Arrow Connector 25">
+            <a:extLst>
+              <a:ext uri="{FF2B5EF4-FFF2-40B4-BE49-F238E27FC236}">
+                <a16:creationId xmlns:a16="http://schemas.microsoft.com/office/drawing/2014/main" id="{6F4127D9-B45A-700A-AD98-AA2DF2735CC2}"/>
+              </a:ext>
+            </a:extLst>
+          </p:cNvPr>
+          <p:cNvCxnSpPr>
+            <a:cxnSpLocks/>
+            <a:endCxn id="21" idx="0"/>
+          </p:cNvCxnSpPr>
+          <p:nvPr/>
+        </p:nvCxnSpPr>
+        <p:spPr>
+          <a:xfrm>
+            <a:off x="6418999" y="3639312"/>
+            <a:ext cx="0" cy="1162274"/>
+          </a:xfrm>
+          <a:prstGeom prst="straightConnector1">
+            <a:avLst/>
+          </a:prstGeom>
+          <a:ln>
+            <a:tailEnd type="triangle"/>
+          </a:ln>
+        </p:spPr>
+        <p:style>
+          <a:lnRef idx="2">
+            <a:schemeClr val="accent1"/>
+          </a:lnRef>
+          <a:fillRef idx="0">
+            <a:schemeClr val="accent1"/>
+          </a:fillRef>
+          <a:effectRef idx="1">
+            <a:schemeClr val="accent1"/>
+          </a:effectRef>
+          <a:fontRef idx="minor">
+            <a:schemeClr val="tx1"/>
+          </a:fontRef>
+        </p:style>
+      </p:cxnSp>
+    </p:spTree>
+    <p:extLst>
+      <p:ext uri="{BB962C8B-B14F-4D97-AF65-F5344CB8AC3E}">
+        <p14:creationId xmlns:p14="http://schemas.microsoft.com/office/powerpoint/2010/main" val="1512570055"/>
+      </p:ext>
+    </p:extLst>
+  </p:cSld>
+  <p:clrMapOvr>
+    <a:masterClrMapping/>
+  </p:clrMapOvr>
+</p:sld>
+</file>
+
+<file path=ppt/slides/slide5.xml><?xml version="1.0" encoding="utf-8"?>
+<p:sld xmlns:a="http://schemas.openxmlformats.org/drawingml/2006/main" xmlns:r="http://schemas.openxmlformats.org/officeDocument/2006/relationships" xmlns:p="http://schemas.openxmlformats.org/presentationml/2006/main">
+  <p:cSld>
+    <p:spTree>
+      <p:nvGrpSpPr>
+        <p:cNvPr id="1" name=""/>
+        <p:cNvGrpSpPr/>
+        <p:nvPr/>
+      </p:nvGrpSpPr>
+      <p:grpSpPr>
+        <a:xfrm>
+          <a:off x="0" y="0"/>
+          <a:ext cx="0" cy="0"/>
+          <a:chOff x="0" y="0"/>
+          <a:chExt cx="0" cy="0"/>
+        </a:xfrm>
+      </p:grpSpPr>
+      <p:sp>
+        <p:nvSpPr>
+          <p:cNvPr id="4" name="Rectangle: Rounded Corners 3">
+            <a:extLst>
+              <a:ext uri="{FF2B5EF4-FFF2-40B4-BE49-F238E27FC236}">
+                <a16:creationId xmlns:a16="http://schemas.microsoft.com/office/drawing/2014/main" id="{7A4BE37A-4AEA-DAB1-294A-49A261276892}"/>
+              </a:ext>
+            </a:extLst>
+          </p:cNvPr>
+          <p:cNvSpPr/>
+          <p:nvPr/>
+        </p:nvSpPr>
+        <p:spPr>
+          <a:xfrm>
+            <a:off x="2871018" y="2138515"/>
+            <a:ext cx="1307691" cy="1012723"/>
+          </a:xfrm>
+          <a:prstGeom prst="roundRect">
+            <a:avLst/>
+          </a:prstGeom>
+          <a:solidFill>
+            <a:schemeClr val="accent1">
+              <a:lumMod val="60000"/>
+              <a:lumOff val="40000"/>
+            </a:schemeClr>
+          </a:solidFill>
+        </p:spPr>
+        <p:style>
+          <a:lnRef idx="2">
+            <a:schemeClr val="accent1">
+              <a:shade val="15000"/>
+            </a:schemeClr>
+          </a:lnRef>
+          <a:fillRef idx="1">
+            <a:schemeClr val="accent1"/>
+          </a:fillRef>
+          <a:effectRef idx="0">
+            <a:schemeClr val="accent1"/>
+          </a:effectRef>
+          <a:fontRef idx="minor">
+            <a:schemeClr val="lt1"/>
+          </a:fontRef>
+        </p:style>
+        <p:txBody>
+          <a:bodyPr rtlCol="0" anchor="ctr"/>
+          <a:lstStyle/>
+          <a:p>
+            <a:pPr algn="ctr"/>
+            <a:endParaRPr lang="en-ZA"/>
+          </a:p>
+        </p:txBody>
+      </p:sp>
+      <p:sp>
+        <p:nvSpPr>
+          <p:cNvPr id="6" name="Rectangle 5">
+            <a:extLst>
+              <a:ext uri="{FF2B5EF4-FFF2-40B4-BE49-F238E27FC236}">
+                <a16:creationId xmlns:a16="http://schemas.microsoft.com/office/drawing/2014/main" id="{D6997C35-0C4C-C45E-C0C7-00A35B27B136}"/>
+              </a:ext>
+            </a:extLst>
+          </p:cNvPr>
+          <p:cNvSpPr/>
+          <p:nvPr/>
+        </p:nvSpPr>
+        <p:spPr>
+          <a:xfrm>
+            <a:off x="5464281" y="1568242"/>
+            <a:ext cx="688258" cy="324465"/>
+          </a:xfrm>
+          <a:prstGeom prst="rect">
+            <a:avLst/>
+          </a:prstGeom>
+          <a:solidFill>
+            <a:schemeClr val="tx1"/>
+          </a:solidFill>
+        </p:spPr>
+        <p:style>
+          <a:lnRef idx="2">
+            <a:schemeClr val="accent1">
+              <a:shade val="15000"/>
+            </a:schemeClr>
+          </a:lnRef>
+          <a:fillRef idx="1">
+            <a:schemeClr val="accent1"/>
+          </a:fillRef>
+          <a:effectRef idx="0">
+            <a:schemeClr val="accent1"/>
+          </a:effectRef>
+          <a:fontRef idx="minor">
+            <a:schemeClr val="lt1"/>
+          </a:fontRef>
+        </p:style>
+        <p:txBody>
+          <a:bodyPr rtlCol="0" anchor="ctr"/>
+          <a:lstStyle/>
+          <a:p>
+            <a:pPr algn="ctr"/>
+            <a:endParaRPr lang="en-ZA"/>
+          </a:p>
+        </p:txBody>
+      </p:sp>
+      <p:sp>
+        <p:nvSpPr>
+          <p:cNvPr id="7" name="Rectangle: Rounded Corners 6">
+            <a:extLst>
+              <a:ext uri="{FF2B5EF4-FFF2-40B4-BE49-F238E27FC236}">
+                <a16:creationId xmlns:a16="http://schemas.microsoft.com/office/drawing/2014/main" id="{3100DC62-2CA0-699D-DA3B-76FE52D0E711}"/>
+              </a:ext>
+            </a:extLst>
+          </p:cNvPr>
+          <p:cNvSpPr/>
+          <p:nvPr/>
+        </p:nvSpPr>
+        <p:spPr>
+          <a:xfrm>
+            <a:off x="7123469" y="1434277"/>
+            <a:ext cx="1415845" cy="324465"/>
+          </a:xfrm>
+          <a:prstGeom prst="roundRect">
+            <a:avLst/>
+          </a:prstGeom>
+          <a:solidFill>
+            <a:schemeClr val="accent4">
+              <a:lumMod val="20000"/>
+              <a:lumOff val="80000"/>
+            </a:schemeClr>
+          </a:solidFill>
+        </p:spPr>
+        <p:style>
+          <a:lnRef idx="2">
+            <a:schemeClr val="accent1">
+              <a:shade val="15000"/>
+            </a:schemeClr>
+          </a:lnRef>
+          <a:fillRef idx="1">
+            <a:schemeClr val="accent1"/>
+          </a:fillRef>
+          <a:effectRef idx="0">
+            <a:schemeClr val="accent1"/>
+          </a:effectRef>
+          <a:fontRef idx="minor">
+            <a:schemeClr val="lt1"/>
+          </a:fontRef>
+        </p:style>
+        <p:txBody>
+          <a:bodyPr rtlCol="0" anchor="ctr"/>
+          <a:lstStyle/>
+          <a:p>
+            <a:pPr algn="ctr"/>
+            <a:endParaRPr lang="en-ZA"/>
+          </a:p>
+        </p:txBody>
+      </p:sp>
+      <p:sp>
+        <p:nvSpPr>
+          <p:cNvPr id="11" name="Rectangle: Rounded Corners 10">
+            <a:extLst>
+              <a:ext uri="{FF2B5EF4-FFF2-40B4-BE49-F238E27FC236}">
+                <a16:creationId xmlns:a16="http://schemas.microsoft.com/office/drawing/2014/main" id="{039F71CD-CFC5-8F5D-3F5E-2104FCAC77A6}"/>
+              </a:ext>
+            </a:extLst>
+          </p:cNvPr>
+          <p:cNvSpPr/>
+          <p:nvPr/>
+        </p:nvSpPr>
+        <p:spPr>
+          <a:xfrm>
+            <a:off x="7108724" y="1886562"/>
+            <a:ext cx="1415845" cy="324465"/>
+          </a:xfrm>
+          <a:prstGeom prst="roundRect">
+            <a:avLst/>
+          </a:prstGeom>
+          <a:solidFill>
+            <a:schemeClr val="accent4">
+              <a:lumMod val="20000"/>
+              <a:lumOff val="80000"/>
+            </a:schemeClr>
+          </a:solidFill>
+        </p:spPr>
+        <p:style>
+          <a:lnRef idx="2">
+            <a:schemeClr val="accent1">
+              <a:shade val="15000"/>
+            </a:schemeClr>
+          </a:lnRef>
+          <a:fillRef idx="1">
+            <a:schemeClr val="accent1"/>
+          </a:fillRef>
+          <a:effectRef idx="0">
+            <a:schemeClr val="accent1"/>
+          </a:effectRef>
+          <a:fontRef idx="minor">
+            <a:schemeClr val="lt1"/>
+          </a:fontRef>
+        </p:style>
+        <p:txBody>
+          <a:bodyPr rtlCol="0" anchor="ctr"/>
+          <a:lstStyle/>
+          <a:p>
+            <a:pPr algn="ctr"/>
+            <a:endParaRPr lang="en-ZA"/>
+          </a:p>
+        </p:txBody>
+      </p:sp>
+      <p:sp>
+        <p:nvSpPr>
+          <p:cNvPr id="12" name="Rectangle: Rounded Corners 11">
+            <a:extLst>
+              <a:ext uri="{FF2B5EF4-FFF2-40B4-BE49-F238E27FC236}">
+                <a16:creationId xmlns:a16="http://schemas.microsoft.com/office/drawing/2014/main" id="{337D2B07-4AE1-D98E-280A-B44D712B0C16}"/>
+              </a:ext>
+            </a:extLst>
+          </p:cNvPr>
+          <p:cNvSpPr/>
+          <p:nvPr/>
+        </p:nvSpPr>
+        <p:spPr>
+          <a:xfrm>
+            <a:off x="7123469" y="2308121"/>
+            <a:ext cx="1415845" cy="324465"/>
+          </a:xfrm>
+          <a:prstGeom prst="roundRect">
+            <a:avLst/>
+          </a:prstGeom>
+          <a:solidFill>
+            <a:schemeClr val="accent4">
+              <a:lumMod val="20000"/>
+              <a:lumOff val="80000"/>
+            </a:schemeClr>
+          </a:solidFill>
+        </p:spPr>
+        <p:style>
+          <a:lnRef idx="2">
+            <a:schemeClr val="accent1">
+              <a:shade val="15000"/>
+            </a:schemeClr>
+          </a:lnRef>
+          <a:fillRef idx="1">
+            <a:schemeClr val="accent1"/>
+          </a:fillRef>
+          <a:effectRef idx="0">
+            <a:schemeClr val="accent1"/>
+          </a:effectRef>
+          <a:fontRef idx="minor">
+            <a:schemeClr val="lt1"/>
+          </a:fontRef>
+        </p:style>
+        <p:txBody>
+          <a:bodyPr rtlCol="0" anchor="ctr"/>
+          <a:lstStyle/>
+          <a:p>
+            <a:pPr algn="ctr"/>
+            <a:endParaRPr lang="en-ZA"/>
+          </a:p>
+        </p:txBody>
+      </p:sp>
+      <p:sp>
+        <p:nvSpPr>
+          <p:cNvPr id="13" name="Rectangle: Rounded Corners 12">
+            <a:extLst>
+              <a:ext uri="{FF2B5EF4-FFF2-40B4-BE49-F238E27FC236}">
+                <a16:creationId xmlns:a16="http://schemas.microsoft.com/office/drawing/2014/main" id="{3C125C5C-9E8E-9F5D-DBEC-2C282E2D0EDF}"/>
+              </a:ext>
+            </a:extLst>
+          </p:cNvPr>
+          <p:cNvSpPr/>
+          <p:nvPr/>
+        </p:nvSpPr>
+        <p:spPr>
+          <a:xfrm>
+            <a:off x="7108725" y="2711244"/>
+            <a:ext cx="1415845" cy="324465"/>
+          </a:xfrm>
+          <a:prstGeom prst="roundRect">
+            <a:avLst/>
+          </a:prstGeom>
+          <a:solidFill>
+            <a:schemeClr val="accent4">
+              <a:lumMod val="20000"/>
+              <a:lumOff val="80000"/>
+            </a:schemeClr>
+          </a:solidFill>
+        </p:spPr>
+        <p:style>
+          <a:lnRef idx="2">
+            <a:schemeClr val="accent1">
+              <a:shade val="15000"/>
+            </a:schemeClr>
+          </a:lnRef>
+          <a:fillRef idx="1">
+            <a:schemeClr val="accent1"/>
+          </a:fillRef>
+          <a:effectRef idx="0">
+            <a:schemeClr val="accent1"/>
+          </a:effectRef>
+          <a:fontRef idx="minor">
+            <a:schemeClr val="lt1"/>
+          </a:fontRef>
+        </p:style>
+        <p:txBody>
+          <a:bodyPr rtlCol="0" anchor="ctr"/>
+          <a:lstStyle/>
+          <a:p>
+            <a:pPr algn="ctr"/>
+            <a:endParaRPr lang="en-ZA"/>
+          </a:p>
+        </p:txBody>
+      </p:sp>
+      <p:sp>
+        <p:nvSpPr>
+          <p:cNvPr id="14" name="Rectangle: Rounded Corners 13">
+            <a:extLst>
+              <a:ext uri="{FF2B5EF4-FFF2-40B4-BE49-F238E27FC236}">
+                <a16:creationId xmlns:a16="http://schemas.microsoft.com/office/drawing/2014/main" id="{7021B03C-207F-15F4-6228-3C0ABB5E0760}"/>
+              </a:ext>
+            </a:extLst>
+          </p:cNvPr>
+          <p:cNvSpPr/>
+          <p:nvPr/>
+        </p:nvSpPr>
+        <p:spPr>
+          <a:xfrm>
+            <a:off x="7108725" y="3151238"/>
+            <a:ext cx="1415845" cy="324465"/>
+          </a:xfrm>
+          <a:prstGeom prst="roundRect">
+            <a:avLst/>
+          </a:prstGeom>
+          <a:solidFill>
+            <a:schemeClr val="accent4">
+              <a:lumMod val="20000"/>
+              <a:lumOff val="80000"/>
+            </a:schemeClr>
+          </a:solidFill>
+        </p:spPr>
+        <p:style>
+          <a:lnRef idx="2">
+            <a:schemeClr val="accent1">
+              <a:shade val="15000"/>
+            </a:schemeClr>
+          </a:lnRef>
+          <a:fillRef idx="1">
+            <a:schemeClr val="accent1"/>
+          </a:fillRef>
+          <a:effectRef idx="0">
+            <a:schemeClr val="accent1"/>
+          </a:effectRef>
+          <a:fontRef idx="minor">
+            <a:schemeClr val="lt1"/>
+          </a:fontRef>
+        </p:style>
+        <p:txBody>
+          <a:bodyPr rtlCol="0" anchor="ctr"/>
+          <a:lstStyle/>
+          <a:p>
+            <a:pPr algn="ctr"/>
+            <a:endParaRPr lang="en-ZA"/>
+          </a:p>
+        </p:txBody>
+      </p:sp>
+      <p:sp>
+        <p:nvSpPr>
+          <p:cNvPr id="15" name="Rectangle: Rounded Corners 14">
+            <a:extLst>
+              <a:ext uri="{FF2B5EF4-FFF2-40B4-BE49-F238E27FC236}">
+                <a16:creationId xmlns:a16="http://schemas.microsoft.com/office/drawing/2014/main" id="{FC929ED5-FB2D-F680-9B80-4CBA6F79D078}"/>
+              </a:ext>
+            </a:extLst>
+          </p:cNvPr>
+          <p:cNvSpPr/>
+          <p:nvPr/>
+        </p:nvSpPr>
+        <p:spPr>
+          <a:xfrm>
+            <a:off x="7108724" y="3583860"/>
+            <a:ext cx="1415845" cy="324465"/>
+          </a:xfrm>
+          <a:prstGeom prst="roundRect">
+            <a:avLst/>
+          </a:prstGeom>
+          <a:solidFill>
+            <a:schemeClr val="accent4">
+              <a:lumMod val="20000"/>
+              <a:lumOff val="80000"/>
+            </a:schemeClr>
+          </a:solidFill>
+        </p:spPr>
+        <p:style>
+          <a:lnRef idx="2">
+            <a:schemeClr val="accent1">
+              <a:shade val="15000"/>
+            </a:schemeClr>
+          </a:lnRef>
+          <a:fillRef idx="1">
+            <a:schemeClr val="accent1"/>
+          </a:fillRef>
+          <a:effectRef idx="0">
+            <a:schemeClr val="accent1"/>
+          </a:effectRef>
+          <a:fontRef idx="minor">
+            <a:schemeClr val="lt1"/>
+          </a:fontRef>
+        </p:style>
+        <p:txBody>
+          <a:bodyPr rtlCol="0" anchor="ctr"/>
+          <a:lstStyle/>
+          <a:p>
+            <a:pPr algn="ctr"/>
+            <a:endParaRPr lang="en-ZA"/>
+          </a:p>
+        </p:txBody>
+      </p:sp>
+      <p:sp>
+        <p:nvSpPr>
+          <p:cNvPr id="16" name="Rectangle 15">
+            <a:extLst>
+              <a:ext uri="{FF2B5EF4-FFF2-40B4-BE49-F238E27FC236}">
+                <a16:creationId xmlns:a16="http://schemas.microsoft.com/office/drawing/2014/main" id="{724950FB-B428-6630-E45C-DA127FCD5221}"/>
+              </a:ext>
+            </a:extLst>
+          </p:cNvPr>
+          <p:cNvSpPr/>
+          <p:nvPr/>
+        </p:nvSpPr>
+        <p:spPr>
+          <a:xfrm>
+            <a:off x="5471651" y="1976275"/>
+            <a:ext cx="688258" cy="324465"/>
+          </a:xfrm>
+          <a:prstGeom prst="rect">
+            <a:avLst/>
+          </a:prstGeom>
+          <a:solidFill>
+            <a:schemeClr val="tx1"/>
+          </a:solidFill>
+        </p:spPr>
+        <p:style>
+          <a:lnRef idx="2">
+            <a:schemeClr val="accent1">
+              <a:shade val="15000"/>
+            </a:schemeClr>
+          </a:lnRef>
+          <a:fillRef idx="1">
+            <a:schemeClr val="accent1"/>
+          </a:fillRef>
+          <a:effectRef idx="0">
+            <a:schemeClr val="accent1"/>
+          </a:effectRef>
+          <a:fontRef idx="minor">
+            <a:schemeClr val="lt1"/>
+          </a:fontRef>
+        </p:style>
+        <p:txBody>
+          <a:bodyPr rtlCol="0" anchor="ctr"/>
+          <a:lstStyle/>
+          <a:p>
+            <a:pPr algn="ctr"/>
+            <a:endParaRPr lang="en-ZA"/>
+          </a:p>
+        </p:txBody>
+      </p:sp>
+      <p:sp>
+        <p:nvSpPr>
+          <p:cNvPr id="17" name="Rectangle 16">
+            <a:extLst>
+              <a:ext uri="{FF2B5EF4-FFF2-40B4-BE49-F238E27FC236}">
+                <a16:creationId xmlns:a16="http://schemas.microsoft.com/office/drawing/2014/main" id="{330D678B-3C3A-E4D2-A1D9-DE9635554C0F}"/>
+              </a:ext>
+            </a:extLst>
+          </p:cNvPr>
+          <p:cNvSpPr/>
+          <p:nvPr/>
+        </p:nvSpPr>
+        <p:spPr>
+          <a:xfrm>
+            <a:off x="5464281" y="2389232"/>
+            <a:ext cx="688258" cy="324465"/>
+          </a:xfrm>
+          <a:prstGeom prst="rect">
+            <a:avLst/>
+          </a:prstGeom>
+          <a:solidFill>
+            <a:schemeClr val="tx1"/>
+          </a:solidFill>
+        </p:spPr>
+        <p:style>
+          <a:lnRef idx="2">
+            <a:schemeClr val="accent1">
+              <a:shade val="15000"/>
+            </a:schemeClr>
+          </a:lnRef>
+          <a:fillRef idx="1">
+            <a:schemeClr val="accent1"/>
+          </a:fillRef>
+          <a:effectRef idx="0">
+            <a:schemeClr val="accent1"/>
+          </a:effectRef>
+          <a:fontRef idx="minor">
+            <a:schemeClr val="lt1"/>
+          </a:fontRef>
+        </p:style>
+        <p:txBody>
+          <a:bodyPr rtlCol="0" anchor="ctr"/>
+          <a:lstStyle/>
+          <a:p>
+            <a:pPr algn="ctr"/>
+            <a:endParaRPr lang="en-ZA"/>
+          </a:p>
+        </p:txBody>
+      </p:sp>
+      <p:sp>
+        <p:nvSpPr>
+          <p:cNvPr id="18" name="Rectangle 17">
+            <a:extLst>
+              <a:ext uri="{FF2B5EF4-FFF2-40B4-BE49-F238E27FC236}">
+                <a16:creationId xmlns:a16="http://schemas.microsoft.com/office/drawing/2014/main" id="{FEFE6341-CBDA-0BD4-422F-339F8A1DFCFD}"/>
+              </a:ext>
+            </a:extLst>
+          </p:cNvPr>
+          <p:cNvSpPr/>
+          <p:nvPr/>
+        </p:nvSpPr>
+        <p:spPr>
+          <a:xfrm>
+            <a:off x="5464281" y="2797265"/>
+            <a:ext cx="688258" cy="324465"/>
+          </a:xfrm>
+          <a:prstGeom prst="rect">
+            <a:avLst/>
+          </a:prstGeom>
+          <a:solidFill>
+            <a:schemeClr val="tx1"/>
+          </a:solidFill>
+        </p:spPr>
+        <p:style>
+          <a:lnRef idx="2">
+            <a:schemeClr val="accent1">
+              <a:shade val="15000"/>
+            </a:schemeClr>
+          </a:lnRef>
+          <a:fillRef idx="1">
+            <a:schemeClr val="accent1"/>
+          </a:fillRef>
+          <a:effectRef idx="0">
+            <a:schemeClr val="accent1"/>
+          </a:effectRef>
+          <a:fontRef idx="minor">
+            <a:schemeClr val="lt1"/>
+          </a:fontRef>
+        </p:style>
+        <p:txBody>
+          <a:bodyPr rtlCol="0" anchor="ctr"/>
+          <a:lstStyle/>
+          <a:p>
+            <a:pPr algn="ctr"/>
+            <a:endParaRPr lang="en-ZA"/>
+          </a:p>
+        </p:txBody>
+      </p:sp>
+      <p:sp>
+        <p:nvSpPr>
+          <p:cNvPr id="19" name="Rectangle 18">
+            <a:extLst>
+              <a:ext uri="{FF2B5EF4-FFF2-40B4-BE49-F238E27FC236}">
+                <a16:creationId xmlns:a16="http://schemas.microsoft.com/office/drawing/2014/main" id="{880635A8-1455-9805-3252-643F52C3FDE5}"/>
+              </a:ext>
+            </a:extLst>
+          </p:cNvPr>
+          <p:cNvSpPr/>
+          <p:nvPr/>
+        </p:nvSpPr>
+        <p:spPr>
+          <a:xfrm>
+            <a:off x="5469197" y="3215148"/>
+            <a:ext cx="688258" cy="324465"/>
+          </a:xfrm>
+          <a:prstGeom prst="rect">
+            <a:avLst/>
+          </a:prstGeom>
+          <a:solidFill>
+            <a:schemeClr val="tx1"/>
+          </a:solidFill>
+        </p:spPr>
+        <p:style>
+          <a:lnRef idx="2">
+            <a:schemeClr val="accent1">
+              <a:shade val="15000"/>
+            </a:schemeClr>
+          </a:lnRef>
+          <a:fillRef idx="1">
+            <a:schemeClr val="accent1"/>
+          </a:fillRef>
+          <a:effectRef idx="0">
+            <a:schemeClr val="accent1"/>
+          </a:effectRef>
+          <a:fontRef idx="minor">
+            <a:schemeClr val="lt1"/>
+          </a:fontRef>
+        </p:style>
+        <p:txBody>
+          <a:bodyPr rtlCol="0" anchor="ctr"/>
+          <a:lstStyle/>
+          <a:p>
+            <a:pPr algn="ctr"/>
+            <a:endParaRPr lang="en-ZA"/>
+          </a:p>
+        </p:txBody>
+      </p:sp>
+      <p:sp>
+        <p:nvSpPr>
+          <p:cNvPr id="20" name="Rectangle 19">
+            <a:extLst>
+              <a:ext uri="{FF2B5EF4-FFF2-40B4-BE49-F238E27FC236}">
+                <a16:creationId xmlns:a16="http://schemas.microsoft.com/office/drawing/2014/main" id="{ABFF8EEA-AD76-25F2-1AC2-07996AF5B0DC}"/>
+              </a:ext>
+            </a:extLst>
+          </p:cNvPr>
+          <p:cNvSpPr/>
+          <p:nvPr/>
+        </p:nvSpPr>
+        <p:spPr>
+          <a:xfrm>
+            <a:off x="5464281" y="3647771"/>
+            <a:ext cx="688258" cy="324465"/>
+          </a:xfrm>
+          <a:prstGeom prst="rect">
+            <a:avLst/>
+          </a:prstGeom>
+          <a:solidFill>
+            <a:schemeClr val="tx1"/>
+          </a:solidFill>
+        </p:spPr>
+        <p:style>
+          <a:lnRef idx="2">
+            <a:schemeClr val="accent1">
+              <a:shade val="15000"/>
+            </a:schemeClr>
+          </a:lnRef>
+          <a:fillRef idx="1">
+            <a:schemeClr val="accent1"/>
+          </a:fillRef>
+          <a:effectRef idx="0">
+            <a:schemeClr val="accent1"/>
+          </a:effectRef>
+          <a:fontRef idx="minor">
+            <a:schemeClr val="lt1"/>
+          </a:fontRef>
+        </p:style>
+        <p:txBody>
+          <a:bodyPr rtlCol="0" anchor="ctr"/>
+          <a:lstStyle/>
+          <a:p>
+            <a:pPr algn="ctr"/>
+            <a:endParaRPr lang="en-ZA"/>
+          </a:p>
+        </p:txBody>
+      </p:sp>
+      <p:cxnSp>
+        <p:nvCxnSpPr>
+          <p:cNvPr id="22" name="Straight Connector 21">
+            <a:extLst>
+              <a:ext uri="{FF2B5EF4-FFF2-40B4-BE49-F238E27FC236}">
+                <a16:creationId xmlns:a16="http://schemas.microsoft.com/office/drawing/2014/main" id="{B98AEA18-8BC0-49C6-05C4-19FCEF366A05}"/>
+              </a:ext>
+            </a:extLst>
+          </p:cNvPr>
+          <p:cNvCxnSpPr>
+            <a:cxnSpLocks/>
+            <a:stCxn id="6" idx="3"/>
+            <a:endCxn id="7" idx="1"/>
+          </p:cNvCxnSpPr>
+          <p:nvPr/>
+        </p:nvCxnSpPr>
+        <p:spPr>
+          <a:xfrm flipV="1">
+            <a:off x="6152539" y="1596510"/>
+            <a:ext cx="970930" cy="133965"/>
+          </a:xfrm>
+          <a:prstGeom prst="line">
+            <a:avLst/>
+          </a:prstGeom>
+        </p:spPr>
+        <p:style>
+          <a:lnRef idx="2">
+            <a:schemeClr val="dk1"/>
+          </a:lnRef>
+          <a:fillRef idx="0">
+            <a:schemeClr val="dk1"/>
+          </a:fillRef>
+          <a:effectRef idx="1">
+            <a:schemeClr val="dk1"/>
+          </a:effectRef>
+          <a:fontRef idx="minor">
+            <a:schemeClr val="tx1"/>
+          </a:fontRef>
+        </p:style>
+      </p:cxnSp>
+      <p:cxnSp>
+        <p:nvCxnSpPr>
+          <p:cNvPr id="23" name="Straight Connector 22">
+            <a:extLst>
+              <a:ext uri="{FF2B5EF4-FFF2-40B4-BE49-F238E27FC236}">
+                <a16:creationId xmlns:a16="http://schemas.microsoft.com/office/drawing/2014/main" id="{06A39EB7-4557-56A7-C163-44FF27B93F3F}"/>
+              </a:ext>
+            </a:extLst>
+          </p:cNvPr>
+          <p:cNvCxnSpPr>
+            <a:cxnSpLocks/>
+            <a:endCxn id="81" idx="1"/>
+          </p:cNvCxnSpPr>
+          <p:nvPr/>
+        </p:nvCxnSpPr>
+        <p:spPr>
+          <a:xfrm flipV="1">
+            <a:off x="4178709" y="1714234"/>
+            <a:ext cx="1309311" cy="593887"/>
+          </a:xfrm>
+          <a:prstGeom prst="line">
+            <a:avLst/>
+          </a:prstGeom>
+        </p:spPr>
+        <p:style>
+          <a:lnRef idx="2">
+            <a:schemeClr val="dk1"/>
+          </a:lnRef>
+          <a:fillRef idx="0">
+            <a:schemeClr val="dk1"/>
+          </a:fillRef>
+          <a:effectRef idx="1">
+            <a:schemeClr val="dk1"/>
+          </a:effectRef>
+          <a:fontRef idx="minor">
+            <a:schemeClr val="tx1"/>
+          </a:fontRef>
+        </p:style>
+      </p:cxnSp>
+      <p:cxnSp>
+        <p:nvCxnSpPr>
+          <p:cNvPr id="24" name="Straight Connector 23">
+            <a:extLst>
+              <a:ext uri="{FF2B5EF4-FFF2-40B4-BE49-F238E27FC236}">
+                <a16:creationId xmlns:a16="http://schemas.microsoft.com/office/drawing/2014/main" id="{7CB438E5-CAEF-9DC9-97F7-3EE94F547333}"/>
+              </a:ext>
+            </a:extLst>
+          </p:cNvPr>
+          <p:cNvCxnSpPr>
+            <a:cxnSpLocks/>
+            <a:endCxn id="82" idx="1"/>
+          </p:cNvCxnSpPr>
+          <p:nvPr/>
+        </p:nvCxnSpPr>
+        <p:spPr>
+          <a:xfrm flipV="1">
+            <a:off x="4176365" y="2112035"/>
+            <a:ext cx="1287916" cy="374094"/>
+          </a:xfrm>
+          <a:prstGeom prst="line">
+            <a:avLst/>
+          </a:prstGeom>
+        </p:spPr>
+        <p:style>
+          <a:lnRef idx="2">
+            <a:schemeClr val="dk1"/>
+          </a:lnRef>
+          <a:fillRef idx="0">
+            <a:schemeClr val="dk1"/>
+          </a:fillRef>
+          <a:effectRef idx="1">
+            <a:schemeClr val="dk1"/>
+          </a:effectRef>
+          <a:fontRef idx="minor">
+            <a:schemeClr val="tx1"/>
+          </a:fontRef>
+        </p:style>
+      </p:cxnSp>
+      <p:cxnSp>
+        <p:nvCxnSpPr>
+          <p:cNvPr id="25" name="Straight Connector 24">
+            <a:extLst>
+              <a:ext uri="{FF2B5EF4-FFF2-40B4-BE49-F238E27FC236}">
+                <a16:creationId xmlns:a16="http://schemas.microsoft.com/office/drawing/2014/main" id="{4114E960-50C9-059E-E2F4-6ED592E653C8}"/>
+              </a:ext>
+            </a:extLst>
+          </p:cNvPr>
+          <p:cNvCxnSpPr>
+            <a:cxnSpLocks/>
+            <a:stCxn id="4" idx="3"/>
+            <a:endCxn id="83" idx="1"/>
+          </p:cNvCxnSpPr>
+          <p:nvPr/>
+        </p:nvCxnSpPr>
+        <p:spPr>
+          <a:xfrm flipV="1">
+            <a:off x="4178709" y="2539805"/>
+            <a:ext cx="1306167" cy="105072"/>
+          </a:xfrm>
+          <a:prstGeom prst="line">
+            <a:avLst/>
+          </a:prstGeom>
+        </p:spPr>
+        <p:style>
+          <a:lnRef idx="2">
+            <a:schemeClr val="dk1"/>
+          </a:lnRef>
+          <a:fillRef idx="0">
+            <a:schemeClr val="dk1"/>
+          </a:fillRef>
+          <a:effectRef idx="1">
+            <a:schemeClr val="dk1"/>
+          </a:effectRef>
+          <a:fontRef idx="minor">
+            <a:schemeClr val="tx1"/>
+          </a:fontRef>
+        </p:style>
+      </p:cxnSp>
+      <p:cxnSp>
+        <p:nvCxnSpPr>
+          <p:cNvPr id="26" name="Straight Connector 25">
+            <a:extLst>
+              <a:ext uri="{FF2B5EF4-FFF2-40B4-BE49-F238E27FC236}">
+                <a16:creationId xmlns:a16="http://schemas.microsoft.com/office/drawing/2014/main" id="{CDFB3AF1-CFE9-4A99-FB2B-E58E8F78ACE7}"/>
+              </a:ext>
+            </a:extLst>
+          </p:cNvPr>
+          <p:cNvCxnSpPr>
+            <a:cxnSpLocks/>
+            <a:endCxn id="84" idx="1"/>
+          </p:cNvCxnSpPr>
+          <p:nvPr/>
+        </p:nvCxnSpPr>
+        <p:spPr>
+          <a:xfrm>
+            <a:off x="4178709" y="2784974"/>
+            <a:ext cx="1290597" cy="143730"/>
+          </a:xfrm>
+          <a:prstGeom prst="line">
+            <a:avLst/>
+          </a:prstGeom>
+        </p:spPr>
+        <p:style>
+          <a:lnRef idx="2">
+            <a:schemeClr val="dk1"/>
+          </a:lnRef>
+          <a:fillRef idx="0">
+            <a:schemeClr val="dk1"/>
+          </a:fillRef>
+          <a:effectRef idx="1">
+            <a:schemeClr val="dk1"/>
+          </a:effectRef>
+          <a:fontRef idx="minor">
+            <a:schemeClr val="tx1"/>
+          </a:fontRef>
+        </p:style>
+      </p:cxnSp>
+      <p:cxnSp>
+        <p:nvCxnSpPr>
+          <p:cNvPr id="27" name="Straight Connector 26">
+            <a:extLst>
+              <a:ext uri="{FF2B5EF4-FFF2-40B4-BE49-F238E27FC236}">
+                <a16:creationId xmlns:a16="http://schemas.microsoft.com/office/drawing/2014/main" id="{55FF670C-03ED-C8D3-BC7B-368BE38267DD}"/>
+              </a:ext>
+            </a:extLst>
+          </p:cNvPr>
+          <p:cNvCxnSpPr>
+            <a:cxnSpLocks/>
+            <a:endCxn id="85" idx="1"/>
+          </p:cNvCxnSpPr>
+          <p:nvPr/>
+        </p:nvCxnSpPr>
+        <p:spPr>
+          <a:xfrm>
+            <a:off x="4189044" y="2892771"/>
+            <a:ext cx="1295831" cy="464429"/>
+          </a:xfrm>
+          <a:prstGeom prst="line">
+            <a:avLst/>
+          </a:prstGeom>
+        </p:spPr>
+        <p:style>
+          <a:lnRef idx="2">
+            <a:schemeClr val="dk1"/>
+          </a:lnRef>
+          <a:fillRef idx="0">
+            <a:schemeClr val="dk1"/>
+          </a:fillRef>
+          <a:effectRef idx="1">
+            <a:schemeClr val="dk1"/>
+          </a:effectRef>
+          <a:fontRef idx="minor">
+            <a:schemeClr val="tx1"/>
+          </a:fontRef>
+        </p:style>
+      </p:cxnSp>
+      <p:cxnSp>
+        <p:nvCxnSpPr>
+          <p:cNvPr id="28" name="Straight Connector 27">
+            <a:extLst>
+              <a:ext uri="{FF2B5EF4-FFF2-40B4-BE49-F238E27FC236}">
+                <a16:creationId xmlns:a16="http://schemas.microsoft.com/office/drawing/2014/main" id="{3B864561-7752-C1A8-DA56-BB7DC6E03AB4}"/>
+              </a:ext>
+            </a:extLst>
+          </p:cNvPr>
+          <p:cNvCxnSpPr>
+            <a:cxnSpLocks/>
+            <a:endCxn id="86" idx="1"/>
+          </p:cNvCxnSpPr>
+          <p:nvPr/>
+        </p:nvCxnSpPr>
+        <p:spPr>
+          <a:xfrm>
+            <a:off x="4189044" y="2999981"/>
+            <a:ext cx="1290207" cy="806471"/>
+          </a:xfrm>
+          <a:prstGeom prst="line">
+            <a:avLst/>
+          </a:prstGeom>
+        </p:spPr>
+        <p:style>
+          <a:lnRef idx="2">
+            <a:schemeClr val="dk1"/>
+          </a:lnRef>
+          <a:fillRef idx="0">
+            <a:schemeClr val="dk1"/>
+          </a:fillRef>
+          <a:effectRef idx="1">
+            <a:schemeClr val="dk1"/>
+          </a:effectRef>
+          <a:fontRef idx="minor">
+            <a:schemeClr val="tx1"/>
+          </a:fontRef>
+        </p:style>
+      </p:cxnSp>
+      <p:cxnSp>
+        <p:nvCxnSpPr>
+          <p:cNvPr id="41" name="Straight Connector 40">
+            <a:extLst>
+              <a:ext uri="{FF2B5EF4-FFF2-40B4-BE49-F238E27FC236}">
+                <a16:creationId xmlns:a16="http://schemas.microsoft.com/office/drawing/2014/main" id="{C25CBF0A-8C85-0666-2AE7-1A480B441F53}"/>
+              </a:ext>
+            </a:extLst>
+          </p:cNvPr>
+          <p:cNvCxnSpPr>
+            <a:cxnSpLocks/>
+            <a:stCxn id="16" idx="3"/>
+            <a:endCxn id="11" idx="1"/>
+          </p:cNvCxnSpPr>
+          <p:nvPr/>
+        </p:nvCxnSpPr>
+        <p:spPr>
+          <a:xfrm flipV="1">
+            <a:off x="6159909" y="2048795"/>
+            <a:ext cx="948815" cy="89713"/>
+          </a:xfrm>
+          <a:prstGeom prst="line">
+            <a:avLst/>
+          </a:prstGeom>
+        </p:spPr>
+        <p:style>
+          <a:lnRef idx="2">
+            <a:schemeClr val="dk1"/>
+          </a:lnRef>
+          <a:fillRef idx="0">
+            <a:schemeClr val="dk1"/>
+          </a:fillRef>
+          <a:effectRef idx="1">
+            <a:schemeClr val="dk1"/>
+          </a:effectRef>
+          <a:fontRef idx="minor">
+            <a:schemeClr val="tx1"/>
+          </a:fontRef>
+        </p:style>
+      </p:cxnSp>
+      <p:cxnSp>
+        <p:nvCxnSpPr>
+          <p:cNvPr id="42" name="Straight Connector 41">
+            <a:extLst>
+              <a:ext uri="{FF2B5EF4-FFF2-40B4-BE49-F238E27FC236}">
+                <a16:creationId xmlns:a16="http://schemas.microsoft.com/office/drawing/2014/main" id="{DAAD0345-88B1-2F69-4F1F-0350147F78FD}"/>
+              </a:ext>
+            </a:extLst>
+          </p:cNvPr>
+          <p:cNvCxnSpPr>
+            <a:cxnSpLocks/>
+            <a:stCxn id="17" idx="3"/>
+            <a:endCxn id="12" idx="1"/>
+          </p:cNvCxnSpPr>
+          <p:nvPr/>
+        </p:nvCxnSpPr>
+        <p:spPr>
+          <a:xfrm flipV="1">
+            <a:off x="6152539" y="2470354"/>
+            <a:ext cx="970930" cy="81111"/>
+          </a:xfrm>
+          <a:prstGeom prst="line">
+            <a:avLst/>
+          </a:prstGeom>
+        </p:spPr>
+        <p:style>
+          <a:lnRef idx="2">
+            <a:schemeClr val="dk1"/>
+          </a:lnRef>
+          <a:fillRef idx="0">
+            <a:schemeClr val="dk1"/>
+          </a:fillRef>
+          <a:effectRef idx="1">
+            <a:schemeClr val="dk1"/>
+          </a:effectRef>
+          <a:fontRef idx="minor">
+            <a:schemeClr val="tx1"/>
+          </a:fontRef>
+        </p:style>
+      </p:cxnSp>
+      <p:cxnSp>
+        <p:nvCxnSpPr>
+          <p:cNvPr id="43" name="Straight Connector 42">
+            <a:extLst>
+              <a:ext uri="{FF2B5EF4-FFF2-40B4-BE49-F238E27FC236}">
+                <a16:creationId xmlns:a16="http://schemas.microsoft.com/office/drawing/2014/main" id="{2EDEEAAA-EA72-5054-3989-A40D3C84BAA5}"/>
+              </a:ext>
+            </a:extLst>
+          </p:cNvPr>
+          <p:cNvCxnSpPr>
+            <a:cxnSpLocks/>
+            <a:stCxn id="18" idx="3"/>
+            <a:endCxn id="13" idx="1"/>
+          </p:cNvCxnSpPr>
+          <p:nvPr/>
+        </p:nvCxnSpPr>
+        <p:spPr>
+          <a:xfrm flipV="1">
+            <a:off x="6152539" y="2873477"/>
+            <a:ext cx="956186" cy="86021"/>
+          </a:xfrm>
+          <a:prstGeom prst="line">
+            <a:avLst/>
+          </a:prstGeom>
+        </p:spPr>
+        <p:style>
+          <a:lnRef idx="2">
+            <a:schemeClr val="dk1"/>
+          </a:lnRef>
+          <a:fillRef idx="0">
+            <a:schemeClr val="dk1"/>
+          </a:fillRef>
+          <a:effectRef idx="1">
+            <a:schemeClr val="dk1"/>
+          </a:effectRef>
+          <a:fontRef idx="minor">
+            <a:schemeClr val="tx1"/>
+          </a:fontRef>
+        </p:style>
+      </p:cxnSp>
+      <p:cxnSp>
+        <p:nvCxnSpPr>
+          <p:cNvPr id="44" name="Straight Connector 43">
+            <a:extLst>
+              <a:ext uri="{FF2B5EF4-FFF2-40B4-BE49-F238E27FC236}">
+                <a16:creationId xmlns:a16="http://schemas.microsoft.com/office/drawing/2014/main" id="{CC045745-1AE8-C975-B8D3-433BD9CDF0CA}"/>
+              </a:ext>
+            </a:extLst>
+          </p:cNvPr>
+          <p:cNvCxnSpPr>
+            <a:cxnSpLocks/>
+            <a:stCxn id="19" idx="3"/>
+            <a:endCxn id="14" idx="1"/>
+          </p:cNvCxnSpPr>
+          <p:nvPr/>
+        </p:nvCxnSpPr>
+        <p:spPr>
+          <a:xfrm flipV="1">
+            <a:off x="6157455" y="3313471"/>
+            <a:ext cx="951270" cy="63910"/>
+          </a:xfrm>
+          <a:prstGeom prst="line">
+            <a:avLst/>
+          </a:prstGeom>
+        </p:spPr>
+        <p:style>
+          <a:lnRef idx="2">
+            <a:schemeClr val="dk1"/>
+          </a:lnRef>
+          <a:fillRef idx="0">
+            <a:schemeClr val="dk1"/>
+          </a:fillRef>
+          <a:effectRef idx="1">
+            <a:schemeClr val="dk1"/>
+          </a:effectRef>
+          <a:fontRef idx="minor">
+            <a:schemeClr val="tx1"/>
+          </a:fontRef>
+        </p:style>
+      </p:cxnSp>
+      <p:cxnSp>
+        <p:nvCxnSpPr>
+          <p:cNvPr id="45" name="Straight Connector 44">
+            <a:extLst>
+              <a:ext uri="{FF2B5EF4-FFF2-40B4-BE49-F238E27FC236}">
+                <a16:creationId xmlns:a16="http://schemas.microsoft.com/office/drawing/2014/main" id="{CE45776E-18EF-0B9B-1358-BA6E16D55B8E}"/>
+              </a:ext>
+            </a:extLst>
+          </p:cNvPr>
+          <p:cNvCxnSpPr>
+            <a:cxnSpLocks/>
+            <a:stCxn id="20" idx="3"/>
+            <a:endCxn id="15" idx="1"/>
+          </p:cNvCxnSpPr>
+          <p:nvPr/>
+        </p:nvCxnSpPr>
+        <p:spPr>
+          <a:xfrm flipV="1">
+            <a:off x="6152539" y="3746093"/>
+            <a:ext cx="956185" cy="63911"/>
+          </a:xfrm>
+          <a:prstGeom prst="line">
+            <a:avLst/>
+          </a:prstGeom>
+        </p:spPr>
+        <p:style>
+          <a:lnRef idx="2">
+            <a:schemeClr val="dk1"/>
+          </a:lnRef>
+          <a:fillRef idx="0">
+            <a:schemeClr val="dk1"/>
+          </a:fillRef>
+          <a:effectRef idx="1">
+            <a:schemeClr val="dk1"/>
+          </a:effectRef>
+          <a:fontRef idx="minor">
+            <a:schemeClr val="tx1"/>
+          </a:fontRef>
+        </p:style>
+      </p:cxnSp>
+      <p:grpSp>
+        <p:nvGrpSpPr>
+          <p:cNvPr id="47" name="Group 46">
+            <a:extLst>
+              <a:ext uri="{FF2B5EF4-FFF2-40B4-BE49-F238E27FC236}">
+                <a16:creationId xmlns:a16="http://schemas.microsoft.com/office/drawing/2014/main" id="{740587DF-77F6-EF4F-1261-BC6A72FA23BE}"/>
+              </a:ext>
+            </a:extLst>
+          </p:cNvPr>
+          <p:cNvGrpSpPr/>
+          <p:nvPr/>
+        </p:nvGrpSpPr>
+        <p:grpSpPr>
+          <a:xfrm>
+            <a:off x="4487202" y="324464"/>
+            <a:ext cx="983226" cy="452284"/>
+            <a:chOff x="4734231" y="538314"/>
+            <a:chExt cx="983226" cy="452284"/>
+          </a:xfrm>
+        </p:grpSpPr>
+        <p:sp>
+          <p:nvSpPr>
+            <p:cNvPr id="5" name="Rectangle 4">
+              <a:extLst>
+                <a:ext uri="{FF2B5EF4-FFF2-40B4-BE49-F238E27FC236}">
+                  <a16:creationId xmlns:a16="http://schemas.microsoft.com/office/drawing/2014/main" id="{3A444701-D918-FDB8-23B5-8703AF8FB2D9}"/>
+                </a:ext>
+              </a:extLst>
+            </p:cNvPr>
+            <p:cNvSpPr/>
+            <p:nvPr/>
+          </p:nvSpPr>
+          <p:spPr>
+            <a:xfrm>
+              <a:off x="4734231" y="538314"/>
+              <a:ext cx="983226" cy="452284"/>
+            </a:xfrm>
+            <a:prstGeom prst="rect">
+              <a:avLst/>
+            </a:prstGeom>
+            <a:solidFill>
+              <a:srgbClr val="FF0000"/>
+            </a:solidFill>
+          </p:spPr>
+          <p:style>
+            <a:lnRef idx="2">
+              <a:schemeClr val="accent1">
+                <a:shade val="15000"/>
+              </a:schemeClr>
+            </a:lnRef>
+            <a:fillRef idx="1">
+              <a:schemeClr val="accent1"/>
+            </a:fillRef>
+            <a:effectRef idx="0">
+              <a:schemeClr val="accent1"/>
+            </a:effectRef>
+            <a:fontRef idx="minor">
+              <a:schemeClr val="lt1"/>
+            </a:fontRef>
+          </p:style>
+          <p:txBody>
+            <a:bodyPr rtlCol="0" anchor="ctr"/>
+            <a:lstStyle/>
+            <a:p>
+              <a:pPr algn="ctr"/>
+              <a:endParaRPr lang="en-ZA"/>
+            </a:p>
+          </p:txBody>
+        </p:sp>
+        <p:sp>
+          <p:nvSpPr>
+            <p:cNvPr id="46" name="TextBox 45">
+              <a:extLst>
+                <a:ext uri="{FF2B5EF4-FFF2-40B4-BE49-F238E27FC236}">
+                  <a16:creationId xmlns:a16="http://schemas.microsoft.com/office/drawing/2014/main" id="{CB1EEDB1-F34B-8CB8-3767-E17BA55A3AA7}"/>
+                </a:ext>
+              </a:extLst>
+            </p:cNvPr>
+            <p:cNvSpPr txBox="1"/>
+            <p:nvPr/>
+          </p:nvSpPr>
+          <p:spPr>
+            <a:xfrm>
+              <a:off x="4935927" y="579790"/>
+              <a:ext cx="535724" cy="369332"/>
+            </a:xfrm>
+            <a:prstGeom prst="rect">
+              <a:avLst/>
+            </a:prstGeom>
+            <a:noFill/>
+          </p:spPr>
+          <p:txBody>
+            <a:bodyPr wrap="none" rtlCol="0">
+              <a:spAutoFit/>
+            </a:bodyPr>
+            <a:lstStyle/>
+            <a:p>
+              <a:r>
+                <a:rPr lang="en-ZA" dirty="0"/>
+                <a:t>3v3</a:t>
+              </a:r>
+            </a:p>
+          </p:txBody>
+        </p:sp>
+      </p:grpSp>
+      <p:grpSp>
+        <p:nvGrpSpPr>
+          <p:cNvPr id="49" name="Group 48">
+            <a:extLst>
+              <a:ext uri="{FF2B5EF4-FFF2-40B4-BE49-F238E27FC236}">
+                <a16:creationId xmlns:a16="http://schemas.microsoft.com/office/drawing/2014/main" id="{18931535-2609-6CC3-3300-5C152D03FF56}"/>
+              </a:ext>
+            </a:extLst>
+          </p:cNvPr>
+          <p:cNvGrpSpPr/>
+          <p:nvPr/>
+        </p:nvGrpSpPr>
+        <p:grpSpPr>
+          <a:xfrm>
+            <a:off x="2477728" y="604681"/>
+            <a:ext cx="393290" cy="963561"/>
+            <a:chOff x="1600528" y="550606"/>
+            <a:chExt cx="393290" cy="963561"/>
+          </a:xfrm>
+        </p:grpSpPr>
+        <p:grpSp>
+          <p:nvGrpSpPr>
+            <p:cNvPr id="10" name="Group 9">
+              <a:extLst>
+                <a:ext uri="{FF2B5EF4-FFF2-40B4-BE49-F238E27FC236}">
+                  <a16:creationId xmlns:a16="http://schemas.microsoft.com/office/drawing/2014/main" id="{18AC40CD-D766-2685-DC2D-7D69D79FFA2E}"/>
+                </a:ext>
+              </a:extLst>
+            </p:cNvPr>
+            <p:cNvGrpSpPr/>
+            <p:nvPr/>
+          </p:nvGrpSpPr>
+          <p:grpSpPr>
+            <a:xfrm>
+              <a:off x="1600528" y="550606"/>
+              <a:ext cx="393290" cy="963561"/>
+              <a:chOff x="599768" y="1032387"/>
+              <a:chExt cx="393290" cy="963561"/>
+            </a:xfrm>
+          </p:grpSpPr>
+          <p:sp>
+            <p:nvSpPr>
+              <p:cNvPr id="8" name="Rectangle 7">
+                <a:extLst>
+                  <a:ext uri="{FF2B5EF4-FFF2-40B4-BE49-F238E27FC236}">
+                    <a16:creationId xmlns:a16="http://schemas.microsoft.com/office/drawing/2014/main" id="{74833EE0-460C-3716-1DB3-38A3389A4115}"/>
+                  </a:ext>
+                </a:extLst>
+              </p:cNvPr>
+              <p:cNvSpPr/>
+              <p:nvPr/>
+            </p:nvSpPr>
+            <p:spPr>
+              <a:xfrm>
+                <a:off x="599768" y="1032387"/>
+                <a:ext cx="393290" cy="275303"/>
+              </a:xfrm>
+              <a:prstGeom prst="rect">
+                <a:avLst/>
+              </a:prstGeom>
+              <a:solidFill>
+                <a:schemeClr val="bg1">
+                  <a:lumMod val="65000"/>
+                </a:schemeClr>
+              </a:solidFill>
+            </p:spPr>
+            <p:style>
+              <a:lnRef idx="2">
+                <a:schemeClr val="accent1">
+                  <a:shade val="15000"/>
+                </a:schemeClr>
+              </a:lnRef>
+              <a:fillRef idx="1">
+                <a:schemeClr val="accent1"/>
+              </a:fillRef>
+              <a:effectRef idx="0">
+                <a:schemeClr val="accent1"/>
+              </a:effectRef>
+              <a:fontRef idx="minor">
+                <a:schemeClr val="lt1"/>
+              </a:fontRef>
+            </p:style>
+            <p:txBody>
+              <a:bodyPr rtlCol="0" anchor="ctr"/>
+              <a:lstStyle/>
+              <a:p>
+                <a:pPr algn="ctr"/>
+                <a:endParaRPr lang="en-ZA"/>
+              </a:p>
+            </p:txBody>
+          </p:sp>
+          <p:sp>
+            <p:nvSpPr>
+              <p:cNvPr id="9" name="Rectangle 8">
+                <a:extLst>
+                  <a:ext uri="{FF2B5EF4-FFF2-40B4-BE49-F238E27FC236}">
+                    <a16:creationId xmlns:a16="http://schemas.microsoft.com/office/drawing/2014/main" id="{BB85455C-B858-C322-5709-384AB58F4F65}"/>
+                  </a:ext>
+                </a:extLst>
+              </p:cNvPr>
+              <p:cNvSpPr/>
+              <p:nvPr/>
+            </p:nvSpPr>
+            <p:spPr>
+              <a:xfrm>
+                <a:off x="599768" y="1307690"/>
+                <a:ext cx="393290" cy="688258"/>
+              </a:xfrm>
+              <a:prstGeom prst="rect">
+                <a:avLst/>
+              </a:prstGeom>
+              <a:solidFill>
+                <a:srgbClr val="996633"/>
+              </a:solidFill>
+            </p:spPr>
+            <p:style>
+              <a:lnRef idx="2">
+                <a:schemeClr val="accent1">
+                  <a:shade val="15000"/>
+                </a:schemeClr>
+              </a:lnRef>
+              <a:fillRef idx="1">
+                <a:schemeClr val="accent1"/>
+              </a:fillRef>
+              <a:effectRef idx="0">
+                <a:schemeClr val="accent1"/>
+              </a:effectRef>
+              <a:fontRef idx="minor">
+                <a:schemeClr val="lt1"/>
+              </a:fontRef>
+            </p:style>
+            <p:txBody>
+              <a:bodyPr rtlCol="0" anchor="ctr"/>
+              <a:lstStyle/>
+              <a:p>
+                <a:pPr algn="ctr"/>
+                <a:endParaRPr lang="en-ZA" dirty="0"/>
+              </a:p>
+            </p:txBody>
+          </p:sp>
+        </p:grpSp>
+        <p:sp>
+          <p:nvSpPr>
+            <p:cNvPr id="48" name="TextBox 47">
+              <a:extLst>
+                <a:ext uri="{FF2B5EF4-FFF2-40B4-BE49-F238E27FC236}">
+                  <a16:creationId xmlns:a16="http://schemas.microsoft.com/office/drawing/2014/main" id="{1A58E378-D8E1-EEBD-B12C-A3A2CA7A0670}"/>
+                </a:ext>
+              </a:extLst>
+            </p:cNvPr>
+            <p:cNvSpPr txBox="1"/>
+            <p:nvPr/>
+          </p:nvSpPr>
+          <p:spPr>
+            <a:xfrm rot="16200000">
+              <a:off x="1346441" y="849271"/>
+              <a:ext cx="901465" cy="369332"/>
+            </a:xfrm>
+            <a:prstGeom prst="rect">
+              <a:avLst/>
+            </a:prstGeom>
+            <a:noFill/>
+          </p:spPr>
+          <p:txBody>
+            <a:bodyPr wrap="none" rtlCol="0">
+              <a:spAutoFit/>
+            </a:bodyPr>
+            <a:lstStyle/>
+            <a:p>
+              <a:r>
+                <a:rPr lang="en-ZA" dirty="0"/>
+                <a:t>Battery</a:t>
+              </a:r>
+            </a:p>
+          </p:txBody>
+        </p:sp>
+      </p:grpSp>
+      <p:sp>
+        <p:nvSpPr>
+          <p:cNvPr id="50" name="Freeform: Shape 49">
+            <a:extLst>
+              <a:ext uri="{FF2B5EF4-FFF2-40B4-BE49-F238E27FC236}">
+                <a16:creationId xmlns:a16="http://schemas.microsoft.com/office/drawing/2014/main" id="{B2F9F6B0-0F8B-7BB5-E78C-8EB1540DF951}"/>
+              </a:ext>
+            </a:extLst>
+          </p:cNvPr>
+          <p:cNvSpPr/>
+          <p:nvPr/>
+        </p:nvSpPr>
+        <p:spPr>
+          <a:xfrm>
+            <a:off x="2871018" y="525327"/>
+            <a:ext cx="1612491" cy="251421"/>
+          </a:xfrm>
+          <a:custGeom>
+            <a:avLst/>
+            <a:gdLst>
+              <a:gd name="connsiteX0" fmla="*/ 0 w 1612491"/>
+              <a:gd name="connsiteY0" fmla="*/ 251421 h 251421"/>
+              <a:gd name="connsiteX1" fmla="*/ 835742 w 1612491"/>
+              <a:gd name="connsiteY1" fmla="*/ 153098 h 251421"/>
+              <a:gd name="connsiteX2" fmla="*/ 1238865 w 1612491"/>
+              <a:gd name="connsiteY2" fmla="*/ 5614 h 251421"/>
+              <a:gd name="connsiteX3" fmla="*/ 1612491 w 1612491"/>
+              <a:gd name="connsiteY3" fmla="*/ 44943 h 251421"/>
+            </a:gdLst>
+            <a:ahLst/>
+            <a:cxnLst>
+              <a:cxn ang="0">
+                <a:pos x="connsiteX0" y="connsiteY0"/>
+              </a:cxn>
+              <a:cxn ang="0">
+                <a:pos x="connsiteX1" y="connsiteY1"/>
+              </a:cxn>
+              <a:cxn ang="0">
+                <a:pos x="connsiteX2" y="connsiteY2"/>
+              </a:cxn>
+              <a:cxn ang="0">
+                <a:pos x="connsiteX3" y="connsiteY3"/>
+              </a:cxn>
+            </a:cxnLst>
+            <a:rect l="l" t="t" r="r" b="b"/>
+            <a:pathLst>
+              <a:path w="1612491" h="251421">
+                <a:moveTo>
+                  <a:pt x="0" y="251421"/>
+                </a:moveTo>
+                <a:cubicBezTo>
+                  <a:pt x="314632" y="222743"/>
+                  <a:pt x="629265" y="194066"/>
+                  <a:pt x="835742" y="153098"/>
+                </a:cubicBezTo>
+                <a:cubicBezTo>
+                  <a:pt x="1042220" y="112130"/>
+                  <a:pt x="1109407" y="23640"/>
+                  <a:pt x="1238865" y="5614"/>
+                </a:cubicBezTo>
+                <a:cubicBezTo>
+                  <a:pt x="1368323" y="-12412"/>
+                  <a:pt x="1490407" y="16265"/>
+                  <a:pt x="1612491" y="44943"/>
+                </a:cubicBezTo>
+              </a:path>
+            </a:pathLst>
+          </a:custGeom>
+          <a:noFill/>
+        </p:spPr>
+        <p:style>
+          <a:lnRef idx="2">
+            <a:schemeClr val="accent1">
+              <a:shade val="15000"/>
+            </a:schemeClr>
+          </a:lnRef>
+          <a:fillRef idx="1">
+            <a:schemeClr val="accent1"/>
+          </a:fillRef>
+          <a:effectRef idx="0">
+            <a:schemeClr val="accent1"/>
+          </a:effectRef>
+          <a:fontRef idx="minor">
+            <a:schemeClr val="lt1"/>
+          </a:fontRef>
+        </p:style>
+        <p:txBody>
+          <a:bodyPr rtlCol="0" anchor="ctr"/>
+          <a:lstStyle/>
+          <a:p>
+            <a:pPr algn="ctr"/>
+            <a:endParaRPr lang="en-ZA"/>
+          </a:p>
+        </p:txBody>
+      </p:sp>
+      <p:sp>
+        <p:nvSpPr>
+          <p:cNvPr id="51" name="TextBox 50">
+            <a:extLst>
+              <a:ext uri="{FF2B5EF4-FFF2-40B4-BE49-F238E27FC236}">
+                <a16:creationId xmlns:a16="http://schemas.microsoft.com/office/drawing/2014/main" id="{8DCC1628-1C10-C99D-76D3-CEE426F3A9ED}"/>
+              </a:ext>
+            </a:extLst>
+          </p:cNvPr>
+          <p:cNvSpPr txBox="1"/>
+          <p:nvPr/>
+        </p:nvSpPr>
+        <p:spPr>
+          <a:xfrm>
+            <a:off x="3474051" y="314631"/>
+            <a:ext cx="308098" cy="369332"/>
+          </a:xfrm>
+          <a:prstGeom prst="rect">
+            <a:avLst/>
+          </a:prstGeom>
+          <a:noFill/>
+        </p:spPr>
+        <p:txBody>
+          <a:bodyPr wrap="none" rtlCol="0">
+            <a:spAutoFit/>
+          </a:bodyPr>
+          <a:lstStyle/>
+          <a:p>
+            <a:r>
+              <a:rPr lang="en-ZA" dirty="0"/>
+              <a:t>+</a:t>
+            </a:r>
+          </a:p>
+        </p:txBody>
+      </p:sp>
+      <p:sp>
+        <p:nvSpPr>
+          <p:cNvPr id="53" name="TextBox 52">
+            <a:extLst>
+              <a:ext uri="{FF2B5EF4-FFF2-40B4-BE49-F238E27FC236}">
+                <a16:creationId xmlns:a16="http://schemas.microsoft.com/office/drawing/2014/main" id="{8FFE0BAF-4A8C-B5E4-2F3F-94FA244392F6}"/>
+              </a:ext>
+            </a:extLst>
+          </p:cNvPr>
+          <p:cNvSpPr txBox="1"/>
+          <p:nvPr/>
+        </p:nvSpPr>
+        <p:spPr>
+          <a:xfrm>
+            <a:off x="3545656" y="776748"/>
+            <a:ext cx="263214" cy="369332"/>
+          </a:xfrm>
+          <a:prstGeom prst="rect">
+            <a:avLst/>
+          </a:prstGeom>
+          <a:noFill/>
+        </p:spPr>
+        <p:txBody>
+          <a:bodyPr wrap="none" rtlCol="0">
+            <a:spAutoFit/>
+          </a:bodyPr>
+          <a:lstStyle/>
+          <a:p>
+            <a:r>
+              <a:rPr lang="en-ZA" dirty="0"/>
+              <a:t>-</a:t>
+            </a:r>
+          </a:p>
+        </p:txBody>
+      </p:sp>
+      <p:sp>
+        <p:nvSpPr>
+          <p:cNvPr id="54" name="Freeform: Shape 53">
+            <a:extLst>
+              <a:ext uri="{FF2B5EF4-FFF2-40B4-BE49-F238E27FC236}">
+                <a16:creationId xmlns:a16="http://schemas.microsoft.com/office/drawing/2014/main" id="{326342FC-6455-6C51-362D-13681CB5C877}"/>
+              </a:ext>
+            </a:extLst>
+          </p:cNvPr>
+          <p:cNvSpPr/>
+          <p:nvPr/>
+        </p:nvSpPr>
+        <p:spPr>
+          <a:xfrm>
+            <a:off x="2861187" y="786581"/>
+            <a:ext cx="1750142" cy="481780"/>
+          </a:xfrm>
+          <a:custGeom>
+            <a:avLst/>
+            <a:gdLst>
+              <a:gd name="connsiteX0" fmla="*/ 0 w 1750142"/>
+              <a:gd name="connsiteY0" fmla="*/ 481780 h 481780"/>
+              <a:gd name="connsiteX1" fmla="*/ 1042219 w 1750142"/>
+              <a:gd name="connsiteY1" fmla="*/ 226142 h 481780"/>
+              <a:gd name="connsiteX2" fmla="*/ 1582994 w 1750142"/>
+              <a:gd name="connsiteY2" fmla="*/ 157316 h 481780"/>
+              <a:gd name="connsiteX3" fmla="*/ 1750142 w 1750142"/>
+              <a:gd name="connsiteY3" fmla="*/ 0 h 481780"/>
+            </a:gdLst>
+            <a:ahLst/>
+            <a:cxnLst>
+              <a:cxn ang="0">
+                <a:pos x="connsiteX0" y="connsiteY0"/>
+              </a:cxn>
+              <a:cxn ang="0">
+                <a:pos x="connsiteX1" y="connsiteY1"/>
+              </a:cxn>
+              <a:cxn ang="0">
+                <a:pos x="connsiteX2" y="connsiteY2"/>
+              </a:cxn>
+              <a:cxn ang="0">
+                <a:pos x="connsiteX3" y="connsiteY3"/>
+              </a:cxn>
+            </a:cxnLst>
+            <a:rect l="l" t="t" r="r" b="b"/>
+            <a:pathLst>
+              <a:path w="1750142" h="481780">
+                <a:moveTo>
+                  <a:pt x="0" y="481780"/>
+                </a:moveTo>
+                <a:cubicBezTo>
+                  <a:pt x="389193" y="380999"/>
+                  <a:pt x="778387" y="280219"/>
+                  <a:pt x="1042219" y="226142"/>
+                </a:cubicBezTo>
+                <a:cubicBezTo>
+                  <a:pt x="1306051" y="172065"/>
+                  <a:pt x="1465007" y="195006"/>
+                  <a:pt x="1582994" y="157316"/>
+                </a:cubicBezTo>
+                <a:cubicBezTo>
+                  <a:pt x="1700981" y="119626"/>
+                  <a:pt x="1725561" y="59813"/>
+                  <a:pt x="1750142" y="0"/>
+                </a:cubicBezTo>
+              </a:path>
+            </a:pathLst>
+          </a:custGeom>
+          <a:noFill/>
+        </p:spPr>
+        <p:style>
+          <a:lnRef idx="2">
+            <a:schemeClr val="accent1">
+              <a:shade val="15000"/>
+            </a:schemeClr>
+          </a:lnRef>
+          <a:fillRef idx="1">
+            <a:schemeClr val="accent1"/>
+          </a:fillRef>
+          <a:effectRef idx="0">
+            <a:schemeClr val="accent1"/>
+          </a:effectRef>
+          <a:fontRef idx="minor">
+            <a:schemeClr val="lt1"/>
+          </a:fontRef>
+        </p:style>
+        <p:txBody>
+          <a:bodyPr rtlCol="0" anchor="ctr"/>
+          <a:lstStyle/>
+          <a:p>
+            <a:pPr algn="ctr"/>
+            <a:endParaRPr lang="en-ZA"/>
+          </a:p>
+        </p:txBody>
+      </p:sp>
+      <p:sp>
+        <p:nvSpPr>
+          <p:cNvPr id="55" name="Freeform: Shape 54">
+            <a:extLst>
+              <a:ext uri="{FF2B5EF4-FFF2-40B4-BE49-F238E27FC236}">
+                <a16:creationId xmlns:a16="http://schemas.microsoft.com/office/drawing/2014/main" id="{13DBDBD3-6703-1202-C3F6-E20603D384D7}"/>
+              </a:ext>
+            </a:extLst>
+          </p:cNvPr>
+          <p:cNvSpPr/>
+          <p:nvPr/>
+        </p:nvSpPr>
+        <p:spPr>
+          <a:xfrm>
+            <a:off x="5456903" y="422984"/>
+            <a:ext cx="550607" cy="1160010"/>
+          </a:xfrm>
+          <a:custGeom>
+            <a:avLst/>
+            <a:gdLst>
+              <a:gd name="connsiteX0" fmla="*/ 0 w 550607"/>
+              <a:gd name="connsiteY0" fmla="*/ 68629 h 1160010"/>
+              <a:gd name="connsiteX1" fmla="*/ 452284 w 550607"/>
+              <a:gd name="connsiteY1" fmla="*/ 117790 h 1160010"/>
+              <a:gd name="connsiteX2" fmla="*/ 550607 w 550607"/>
+              <a:gd name="connsiteY2" fmla="*/ 1160010 h 1160010"/>
+            </a:gdLst>
+            <a:ahLst/>
+            <a:cxnLst>
+              <a:cxn ang="0">
+                <a:pos x="connsiteX0" y="connsiteY0"/>
+              </a:cxn>
+              <a:cxn ang="0">
+                <a:pos x="connsiteX1" y="connsiteY1"/>
+              </a:cxn>
+              <a:cxn ang="0">
+                <a:pos x="connsiteX2" y="connsiteY2"/>
+              </a:cxn>
+            </a:cxnLst>
+            <a:rect l="l" t="t" r="r" b="b"/>
+            <a:pathLst>
+              <a:path w="550607" h="1160010">
+                <a:moveTo>
+                  <a:pt x="0" y="68629"/>
+                </a:moveTo>
+                <a:cubicBezTo>
+                  <a:pt x="180258" y="2261"/>
+                  <a:pt x="360516" y="-64107"/>
+                  <a:pt x="452284" y="117790"/>
+                </a:cubicBezTo>
+                <a:cubicBezTo>
+                  <a:pt x="544052" y="299687"/>
+                  <a:pt x="547329" y="729848"/>
+                  <a:pt x="550607" y="1160010"/>
+                </a:cubicBezTo>
+              </a:path>
+            </a:pathLst>
+          </a:custGeom>
+          <a:noFill/>
+        </p:spPr>
+        <p:style>
+          <a:lnRef idx="2">
+            <a:schemeClr val="accent1">
+              <a:shade val="15000"/>
+            </a:schemeClr>
+          </a:lnRef>
+          <a:fillRef idx="1">
+            <a:schemeClr val="accent1"/>
+          </a:fillRef>
+          <a:effectRef idx="0">
+            <a:schemeClr val="accent1"/>
+          </a:effectRef>
+          <a:fontRef idx="minor">
+            <a:schemeClr val="lt1"/>
+          </a:fontRef>
+        </p:style>
+        <p:txBody>
+          <a:bodyPr rtlCol="0" anchor="ctr"/>
+          <a:lstStyle/>
+          <a:p>
+            <a:pPr algn="ctr"/>
+            <a:endParaRPr lang="en-ZA"/>
+          </a:p>
+        </p:txBody>
+      </p:sp>
+      <p:sp>
+        <p:nvSpPr>
+          <p:cNvPr id="56" name="TextBox 55">
+            <a:extLst>
+              <a:ext uri="{FF2B5EF4-FFF2-40B4-BE49-F238E27FC236}">
+                <a16:creationId xmlns:a16="http://schemas.microsoft.com/office/drawing/2014/main" id="{21D73BC7-F33A-8D28-BD95-A8864695F853}"/>
+              </a:ext>
+            </a:extLst>
+          </p:cNvPr>
+          <p:cNvSpPr txBox="1"/>
+          <p:nvPr/>
+        </p:nvSpPr>
+        <p:spPr>
+          <a:xfrm>
+            <a:off x="5977493" y="723599"/>
+            <a:ext cx="308098" cy="369332"/>
+          </a:xfrm>
+          <a:prstGeom prst="rect">
+            <a:avLst/>
+          </a:prstGeom>
+          <a:noFill/>
+        </p:spPr>
+        <p:txBody>
+          <a:bodyPr wrap="none" rtlCol="0">
+            <a:spAutoFit/>
+          </a:bodyPr>
+          <a:lstStyle/>
+          <a:p>
+            <a:r>
+              <a:rPr lang="en-ZA" dirty="0"/>
+              <a:t>+</a:t>
+            </a:r>
+          </a:p>
+        </p:txBody>
+      </p:sp>
+      <p:sp>
+        <p:nvSpPr>
+          <p:cNvPr id="57" name="Freeform: Shape 56">
+            <a:extLst>
+              <a:ext uri="{FF2B5EF4-FFF2-40B4-BE49-F238E27FC236}">
+                <a16:creationId xmlns:a16="http://schemas.microsoft.com/office/drawing/2014/main" id="{12F2BEE0-A550-D904-1BC4-4F2897042AB2}"/>
+              </a:ext>
+            </a:extLst>
+          </p:cNvPr>
+          <p:cNvSpPr/>
+          <p:nvPr/>
+        </p:nvSpPr>
+        <p:spPr>
+          <a:xfrm>
+            <a:off x="2871019" y="1399922"/>
+            <a:ext cx="798614" cy="723846"/>
+          </a:xfrm>
+          <a:custGeom>
+            <a:avLst/>
+            <a:gdLst>
+              <a:gd name="connsiteX0" fmla="*/ 0 w 798614"/>
+              <a:gd name="connsiteY0" fmla="*/ 6091 h 723846"/>
+              <a:gd name="connsiteX1" fmla="*/ 707923 w 798614"/>
+              <a:gd name="connsiteY1" fmla="*/ 104413 h 723846"/>
+              <a:gd name="connsiteX2" fmla="*/ 766916 w 798614"/>
+              <a:gd name="connsiteY2" fmla="*/ 723846 h 723846"/>
+            </a:gdLst>
+            <a:ahLst/>
+            <a:cxnLst>
+              <a:cxn ang="0">
+                <a:pos x="connsiteX0" y="connsiteY0"/>
+              </a:cxn>
+              <a:cxn ang="0">
+                <a:pos x="connsiteX1" y="connsiteY1"/>
+              </a:cxn>
+              <a:cxn ang="0">
+                <a:pos x="connsiteX2" y="connsiteY2"/>
+              </a:cxn>
+            </a:cxnLst>
+            <a:rect l="l" t="t" r="r" b="b"/>
+            <a:pathLst>
+              <a:path w="798614" h="723846">
+                <a:moveTo>
+                  <a:pt x="0" y="6091"/>
+                </a:moveTo>
+                <a:cubicBezTo>
+                  <a:pt x="290052" y="-4561"/>
+                  <a:pt x="580104" y="-15213"/>
+                  <a:pt x="707923" y="104413"/>
+                </a:cubicBezTo>
+                <a:cubicBezTo>
+                  <a:pt x="835742" y="224039"/>
+                  <a:pt x="801329" y="473942"/>
+                  <a:pt x="766916" y="723846"/>
+                </a:cubicBezTo>
+              </a:path>
+            </a:pathLst>
+          </a:custGeom>
+          <a:noFill/>
+        </p:spPr>
+        <p:style>
+          <a:lnRef idx="2">
+            <a:schemeClr val="accent1">
+              <a:shade val="15000"/>
+            </a:schemeClr>
+          </a:lnRef>
+          <a:fillRef idx="1">
+            <a:schemeClr val="accent1"/>
+          </a:fillRef>
+          <a:effectRef idx="0">
+            <a:schemeClr val="accent1"/>
+          </a:effectRef>
+          <a:fontRef idx="minor">
+            <a:schemeClr val="lt1"/>
+          </a:fontRef>
+        </p:style>
+        <p:txBody>
+          <a:bodyPr rtlCol="0" anchor="ctr"/>
+          <a:lstStyle/>
+          <a:p>
+            <a:pPr algn="ctr"/>
+            <a:endParaRPr lang="en-ZA"/>
+          </a:p>
+        </p:txBody>
+      </p:sp>
+      <p:sp>
+        <p:nvSpPr>
+          <p:cNvPr id="58" name="Freeform: Shape 57">
+            <a:extLst>
+              <a:ext uri="{FF2B5EF4-FFF2-40B4-BE49-F238E27FC236}">
+                <a16:creationId xmlns:a16="http://schemas.microsoft.com/office/drawing/2014/main" id="{49D91D4A-8137-0D64-2849-ADB6650C6240}"/>
+              </a:ext>
+            </a:extLst>
+          </p:cNvPr>
+          <p:cNvSpPr/>
+          <p:nvPr/>
+        </p:nvSpPr>
+        <p:spPr>
+          <a:xfrm>
+            <a:off x="4001729" y="776748"/>
+            <a:ext cx="1160206" cy="1356852"/>
+          </a:xfrm>
+          <a:custGeom>
+            <a:avLst/>
+            <a:gdLst>
+              <a:gd name="connsiteX0" fmla="*/ 1160206 w 1160206"/>
+              <a:gd name="connsiteY0" fmla="*/ 0 h 1356852"/>
+              <a:gd name="connsiteX1" fmla="*/ 993058 w 1160206"/>
+              <a:gd name="connsiteY1" fmla="*/ 521110 h 1356852"/>
+              <a:gd name="connsiteX2" fmla="*/ 216310 w 1160206"/>
+              <a:gd name="connsiteY2" fmla="*/ 737420 h 1356852"/>
+              <a:gd name="connsiteX3" fmla="*/ 0 w 1160206"/>
+              <a:gd name="connsiteY3" fmla="*/ 1356852 h 1356852"/>
+            </a:gdLst>
+            <a:ahLst/>
+            <a:cxnLst>
+              <a:cxn ang="0">
+                <a:pos x="connsiteX0" y="connsiteY0"/>
+              </a:cxn>
+              <a:cxn ang="0">
+                <a:pos x="connsiteX1" y="connsiteY1"/>
+              </a:cxn>
+              <a:cxn ang="0">
+                <a:pos x="connsiteX2" y="connsiteY2"/>
+              </a:cxn>
+              <a:cxn ang="0">
+                <a:pos x="connsiteX3" y="connsiteY3"/>
+              </a:cxn>
+            </a:cxnLst>
+            <a:rect l="l" t="t" r="r" b="b"/>
+            <a:pathLst>
+              <a:path w="1160206" h="1356852">
+                <a:moveTo>
+                  <a:pt x="1160206" y="0"/>
+                </a:moveTo>
+                <a:cubicBezTo>
+                  <a:pt x="1155290" y="199103"/>
+                  <a:pt x="1150374" y="398207"/>
+                  <a:pt x="993058" y="521110"/>
+                </a:cubicBezTo>
+                <a:cubicBezTo>
+                  <a:pt x="835742" y="644013"/>
+                  <a:pt x="381820" y="598130"/>
+                  <a:pt x="216310" y="737420"/>
+                </a:cubicBezTo>
+                <a:cubicBezTo>
+                  <a:pt x="50800" y="876710"/>
+                  <a:pt x="25400" y="1116781"/>
+                  <a:pt x="0" y="1356852"/>
+                </a:cubicBezTo>
+              </a:path>
+            </a:pathLst>
+          </a:custGeom>
+          <a:noFill/>
+        </p:spPr>
+        <p:style>
+          <a:lnRef idx="2">
+            <a:schemeClr val="accent1">
+              <a:shade val="15000"/>
+            </a:schemeClr>
+          </a:lnRef>
+          <a:fillRef idx="1">
+            <a:schemeClr val="accent1"/>
+          </a:fillRef>
+          <a:effectRef idx="0">
+            <a:schemeClr val="accent1"/>
+          </a:effectRef>
+          <a:fontRef idx="minor">
+            <a:schemeClr val="lt1"/>
+          </a:fontRef>
+        </p:style>
+        <p:txBody>
+          <a:bodyPr rtlCol="0" anchor="ctr"/>
+          <a:lstStyle/>
+          <a:p>
+            <a:pPr algn="ctr"/>
+            <a:endParaRPr lang="en-ZA"/>
+          </a:p>
+        </p:txBody>
+      </p:sp>
+      <p:sp>
+        <p:nvSpPr>
+          <p:cNvPr id="59" name="TextBox 58">
+            <a:extLst>
+              <a:ext uri="{FF2B5EF4-FFF2-40B4-BE49-F238E27FC236}">
+                <a16:creationId xmlns:a16="http://schemas.microsoft.com/office/drawing/2014/main" id="{5D506552-E8BD-0500-CA72-89239033C87E}"/>
+              </a:ext>
+            </a:extLst>
+          </p:cNvPr>
+          <p:cNvSpPr txBox="1"/>
+          <p:nvPr/>
+        </p:nvSpPr>
+        <p:spPr>
+          <a:xfrm>
+            <a:off x="4389688" y="1086149"/>
+            <a:ext cx="308098" cy="369332"/>
+          </a:xfrm>
+          <a:prstGeom prst="rect">
+            <a:avLst/>
+          </a:prstGeom>
+          <a:noFill/>
+        </p:spPr>
+        <p:txBody>
+          <a:bodyPr wrap="none" rtlCol="0">
+            <a:spAutoFit/>
+          </a:bodyPr>
+          <a:lstStyle/>
+          <a:p>
+            <a:r>
+              <a:rPr lang="en-ZA" dirty="0"/>
+              <a:t>+</a:t>
+            </a:r>
+          </a:p>
+        </p:txBody>
+      </p:sp>
+      <p:sp>
+        <p:nvSpPr>
+          <p:cNvPr id="60" name="TextBox 59">
+            <a:extLst>
+              <a:ext uri="{FF2B5EF4-FFF2-40B4-BE49-F238E27FC236}">
+                <a16:creationId xmlns:a16="http://schemas.microsoft.com/office/drawing/2014/main" id="{F0FC22C8-0CB7-7174-D1CA-C9EAF17FD999}"/>
+              </a:ext>
+            </a:extLst>
+          </p:cNvPr>
+          <p:cNvSpPr txBox="1"/>
+          <p:nvPr/>
+        </p:nvSpPr>
+        <p:spPr>
+          <a:xfrm>
+            <a:off x="3177865" y="1331648"/>
+            <a:ext cx="263214" cy="369332"/>
+          </a:xfrm>
+          <a:prstGeom prst="rect">
+            <a:avLst/>
+          </a:prstGeom>
+          <a:noFill/>
+        </p:spPr>
+        <p:txBody>
+          <a:bodyPr wrap="none" rtlCol="0">
+            <a:spAutoFit/>
+          </a:bodyPr>
+          <a:lstStyle/>
+          <a:p>
+            <a:r>
+              <a:rPr lang="en-ZA" dirty="0"/>
+              <a:t>-</a:t>
+            </a:r>
+          </a:p>
+        </p:txBody>
+      </p:sp>
+      <p:sp>
+        <p:nvSpPr>
+          <p:cNvPr id="74" name="TextBox 73">
+            <a:extLst>
+              <a:ext uri="{FF2B5EF4-FFF2-40B4-BE49-F238E27FC236}">
+                <a16:creationId xmlns:a16="http://schemas.microsoft.com/office/drawing/2014/main" id="{5CEC5682-6962-26E0-0CD7-A94518266B93}"/>
+              </a:ext>
+            </a:extLst>
+          </p:cNvPr>
+          <p:cNvSpPr txBox="1"/>
+          <p:nvPr/>
+        </p:nvSpPr>
+        <p:spPr>
+          <a:xfrm>
+            <a:off x="6413419" y="1319671"/>
+            <a:ext cx="308098" cy="369332"/>
+          </a:xfrm>
+          <a:prstGeom prst="rect">
+            <a:avLst/>
+          </a:prstGeom>
+          <a:noFill/>
+        </p:spPr>
+        <p:txBody>
+          <a:bodyPr wrap="none" rtlCol="0">
+            <a:spAutoFit/>
+          </a:bodyPr>
+          <a:lstStyle/>
+          <a:p>
+            <a:r>
+              <a:rPr lang="en-ZA" dirty="0"/>
+              <a:t>+</a:t>
+            </a:r>
+          </a:p>
+        </p:txBody>
+      </p:sp>
+      <p:sp>
+        <p:nvSpPr>
+          <p:cNvPr id="75" name="TextBox 74">
+            <a:extLst>
+              <a:ext uri="{FF2B5EF4-FFF2-40B4-BE49-F238E27FC236}">
+                <a16:creationId xmlns:a16="http://schemas.microsoft.com/office/drawing/2014/main" id="{06F76620-6112-A835-A3F8-DCB9903C034C}"/>
+              </a:ext>
+            </a:extLst>
+          </p:cNvPr>
+          <p:cNvSpPr txBox="1"/>
+          <p:nvPr/>
+        </p:nvSpPr>
+        <p:spPr>
+          <a:xfrm>
+            <a:off x="6414231" y="1767028"/>
+            <a:ext cx="308098" cy="369332"/>
+          </a:xfrm>
+          <a:prstGeom prst="rect">
+            <a:avLst/>
+          </a:prstGeom>
+          <a:noFill/>
+        </p:spPr>
+        <p:txBody>
+          <a:bodyPr wrap="none" rtlCol="0">
+            <a:spAutoFit/>
+          </a:bodyPr>
+          <a:lstStyle/>
+          <a:p>
+            <a:r>
+              <a:rPr lang="en-ZA" dirty="0"/>
+              <a:t>+</a:t>
+            </a:r>
+          </a:p>
+        </p:txBody>
+      </p:sp>
+      <p:sp>
+        <p:nvSpPr>
+          <p:cNvPr id="76" name="TextBox 75">
+            <a:extLst>
+              <a:ext uri="{FF2B5EF4-FFF2-40B4-BE49-F238E27FC236}">
+                <a16:creationId xmlns:a16="http://schemas.microsoft.com/office/drawing/2014/main" id="{FE1B165E-D515-E004-374E-E77A54F61634}"/>
+              </a:ext>
+            </a:extLst>
+          </p:cNvPr>
+          <p:cNvSpPr txBox="1"/>
+          <p:nvPr/>
+        </p:nvSpPr>
+        <p:spPr>
+          <a:xfrm>
+            <a:off x="6428651" y="2182130"/>
+            <a:ext cx="308098" cy="369332"/>
+          </a:xfrm>
+          <a:prstGeom prst="rect">
+            <a:avLst/>
+          </a:prstGeom>
+          <a:noFill/>
+        </p:spPr>
+        <p:txBody>
+          <a:bodyPr wrap="none" rtlCol="0">
+            <a:spAutoFit/>
+          </a:bodyPr>
+          <a:lstStyle/>
+          <a:p>
+            <a:r>
+              <a:rPr lang="en-ZA" dirty="0"/>
+              <a:t>+</a:t>
+            </a:r>
+          </a:p>
+        </p:txBody>
+      </p:sp>
+      <p:sp>
+        <p:nvSpPr>
+          <p:cNvPr id="77" name="TextBox 76">
+            <a:extLst>
+              <a:ext uri="{FF2B5EF4-FFF2-40B4-BE49-F238E27FC236}">
+                <a16:creationId xmlns:a16="http://schemas.microsoft.com/office/drawing/2014/main" id="{F7BD81CC-B157-15BE-C9B5-CF58F91279A7}"/>
+              </a:ext>
+            </a:extLst>
+          </p:cNvPr>
+          <p:cNvSpPr txBox="1"/>
+          <p:nvPr/>
+        </p:nvSpPr>
+        <p:spPr>
+          <a:xfrm>
+            <a:off x="6446247" y="2558524"/>
+            <a:ext cx="308098" cy="369332"/>
+          </a:xfrm>
+          <a:prstGeom prst="rect">
+            <a:avLst/>
+          </a:prstGeom>
+          <a:noFill/>
+        </p:spPr>
+        <p:txBody>
+          <a:bodyPr wrap="none" rtlCol="0">
+            <a:spAutoFit/>
+          </a:bodyPr>
+          <a:lstStyle/>
+          <a:p>
+            <a:r>
+              <a:rPr lang="en-ZA" dirty="0"/>
+              <a:t>+</a:t>
+            </a:r>
+          </a:p>
+        </p:txBody>
+      </p:sp>
+      <p:sp>
+        <p:nvSpPr>
+          <p:cNvPr id="78" name="TextBox 77">
+            <a:extLst>
+              <a:ext uri="{FF2B5EF4-FFF2-40B4-BE49-F238E27FC236}">
+                <a16:creationId xmlns:a16="http://schemas.microsoft.com/office/drawing/2014/main" id="{7CBDC4EE-E5CB-F17A-C493-A41F4A18B7A7}"/>
+              </a:ext>
+            </a:extLst>
+          </p:cNvPr>
+          <p:cNvSpPr txBox="1"/>
+          <p:nvPr/>
+        </p:nvSpPr>
+        <p:spPr>
+          <a:xfrm>
+            <a:off x="6456498" y="3026178"/>
+            <a:ext cx="308098" cy="369332"/>
+          </a:xfrm>
+          <a:prstGeom prst="rect">
+            <a:avLst/>
+          </a:prstGeom>
+          <a:noFill/>
+        </p:spPr>
+        <p:txBody>
+          <a:bodyPr wrap="none" rtlCol="0">
+            <a:spAutoFit/>
+          </a:bodyPr>
+          <a:lstStyle/>
+          <a:p>
+            <a:r>
+              <a:rPr lang="en-ZA" dirty="0"/>
+              <a:t>+</a:t>
+            </a:r>
+          </a:p>
+        </p:txBody>
+      </p:sp>
+      <p:sp>
+        <p:nvSpPr>
+          <p:cNvPr id="79" name="TextBox 78">
+            <a:extLst>
+              <a:ext uri="{FF2B5EF4-FFF2-40B4-BE49-F238E27FC236}">
+                <a16:creationId xmlns:a16="http://schemas.microsoft.com/office/drawing/2014/main" id="{4469163A-F83A-7DD0-298E-5056BAF06407}"/>
+              </a:ext>
+            </a:extLst>
+          </p:cNvPr>
+          <p:cNvSpPr txBox="1"/>
+          <p:nvPr/>
+        </p:nvSpPr>
+        <p:spPr>
+          <a:xfrm>
+            <a:off x="6456498" y="3442492"/>
+            <a:ext cx="308098" cy="369332"/>
+          </a:xfrm>
+          <a:prstGeom prst="rect">
+            <a:avLst/>
+          </a:prstGeom>
+          <a:noFill/>
+        </p:spPr>
+        <p:txBody>
+          <a:bodyPr wrap="none" rtlCol="0">
+            <a:spAutoFit/>
+          </a:bodyPr>
+          <a:lstStyle/>
+          <a:p>
+            <a:r>
+              <a:rPr lang="en-ZA" dirty="0"/>
+              <a:t>+</a:t>
+            </a:r>
+          </a:p>
+        </p:txBody>
+      </p:sp>
+      <p:sp>
+        <p:nvSpPr>
+          <p:cNvPr id="81" name="TextBox 80">
+            <a:extLst>
+              <a:ext uri="{FF2B5EF4-FFF2-40B4-BE49-F238E27FC236}">
+                <a16:creationId xmlns:a16="http://schemas.microsoft.com/office/drawing/2014/main" id="{E68E903E-09B0-D7EE-CAF3-EA0DBB079F7F}"/>
+              </a:ext>
+            </a:extLst>
+          </p:cNvPr>
+          <p:cNvSpPr txBox="1"/>
+          <p:nvPr/>
+        </p:nvSpPr>
+        <p:spPr>
+          <a:xfrm>
+            <a:off x="5488020" y="1560345"/>
+            <a:ext cx="692947" cy="307777"/>
+          </a:xfrm>
+          <a:prstGeom prst="rect">
+            <a:avLst/>
+          </a:prstGeom>
+          <a:noFill/>
+        </p:spPr>
+        <p:txBody>
+          <a:bodyPr wrap="none" rtlCol="0">
+            <a:spAutoFit/>
+          </a:bodyPr>
+          <a:lstStyle/>
+          <a:p>
+            <a:r>
+              <a:rPr lang="en-ZA" sz="1400" dirty="0">
+                <a:solidFill>
+                  <a:schemeClr val="bg1"/>
+                </a:solidFill>
+              </a:rPr>
+              <a:t>switch</a:t>
+            </a:r>
+          </a:p>
+        </p:txBody>
+      </p:sp>
+      <p:sp>
+        <p:nvSpPr>
+          <p:cNvPr id="82" name="TextBox 81">
+            <a:extLst>
+              <a:ext uri="{FF2B5EF4-FFF2-40B4-BE49-F238E27FC236}">
+                <a16:creationId xmlns:a16="http://schemas.microsoft.com/office/drawing/2014/main" id="{FFE0AF43-88FC-B914-9B3D-B23818B4E123}"/>
+              </a:ext>
+            </a:extLst>
+          </p:cNvPr>
+          <p:cNvSpPr txBox="1"/>
+          <p:nvPr/>
+        </p:nvSpPr>
+        <p:spPr>
+          <a:xfrm>
+            <a:off x="5464281" y="1958146"/>
+            <a:ext cx="692947" cy="307777"/>
+          </a:xfrm>
+          <a:prstGeom prst="rect">
+            <a:avLst/>
+          </a:prstGeom>
+          <a:noFill/>
+        </p:spPr>
+        <p:txBody>
+          <a:bodyPr wrap="none" rtlCol="0">
+            <a:spAutoFit/>
+          </a:bodyPr>
+          <a:lstStyle/>
+          <a:p>
+            <a:r>
+              <a:rPr lang="en-ZA" sz="1400" dirty="0">
+                <a:solidFill>
+                  <a:schemeClr val="bg1"/>
+                </a:solidFill>
+              </a:rPr>
+              <a:t>switch</a:t>
+            </a:r>
+          </a:p>
+        </p:txBody>
+      </p:sp>
+      <p:sp>
+        <p:nvSpPr>
+          <p:cNvPr id="83" name="TextBox 82">
+            <a:extLst>
+              <a:ext uri="{FF2B5EF4-FFF2-40B4-BE49-F238E27FC236}">
+                <a16:creationId xmlns:a16="http://schemas.microsoft.com/office/drawing/2014/main" id="{7EDCE23F-608C-7F86-44C1-FB3DEE9A9B69}"/>
+              </a:ext>
+            </a:extLst>
+          </p:cNvPr>
+          <p:cNvSpPr txBox="1"/>
+          <p:nvPr/>
+        </p:nvSpPr>
+        <p:spPr>
+          <a:xfrm>
+            <a:off x="5484876" y="2385916"/>
+            <a:ext cx="692947" cy="307777"/>
+          </a:xfrm>
+          <a:prstGeom prst="rect">
+            <a:avLst/>
+          </a:prstGeom>
+          <a:noFill/>
+        </p:spPr>
+        <p:txBody>
+          <a:bodyPr wrap="none" rtlCol="0">
+            <a:spAutoFit/>
+          </a:bodyPr>
+          <a:lstStyle/>
+          <a:p>
+            <a:r>
+              <a:rPr lang="en-ZA" sz="1400" dirty="0">
+                <a:solidFill>
+                  <a:schemeClr val="bg1"/>
+                </a:solidFill>
+              </a:rPr>
+              <a:t>switch</a:t>
+            </a:r>
+          </a:p>
+        </p:txBody>
+      </p:sp>
+      <p:sp>
+        <p:nvSpPr>
+          <p:cNvPr id="84" name="TextBox 83">
+            <a:extLst>
+              <a:ext uri="{FF2B5EF4-FFF2-40B4-BE49-F238E27FC236}">
+                <a16:creationId xmlns:a16="http://schemas.microsoft.com/office/drawing/2014/main" id="{F86F424B-0625-EB5A-6213-FAC40281513D}"/>
+              </a:ext>
+            </a:extLst>
+          </p:cNvPr>
+          <p:cNvSpPr txBox="1"/>
+          <p:nvPr/>
+        </p:nvSpPr>
+        <p:spPr>
+          <a:xfrm>
+            <a:off x="5469306" y="2774815"/>
+            <a:ext cx="692947" cy="307777"/>
+          </a:xfrm>
+          <a:prstGeom prst="rect">
+            <a:avLst/>
+          </a:prstGeom>
+          <a:noFill/>
+        </p:spPr>
+        <p:txBody>
+          <a:bodyPr wrap="none" rtlCol="0">
+            <a:spAutoFit/>
+          </a:bodyPr>
+          <a:lstStyle/>
+          <a:p>
+            <a:r>
+              <a:rPr lang="en-ZA" sz="1400" dirty="0">
+                <a:solidFill>
+                  <a:schemeClr val="bg1"/>
+                </a:solidFill>
+              </a:rPr>
+              <a:t>switch</a:t>
+            </a:r>
+          </a:p>
+        </p:txBody>
+      </p:sp>
+      <p:sp>
+        <p:nvSpPr>
+          <p:cNvPr id="85" name="TextBox 84">
+            <a:extLst>
+              <a:ext uri="{FF2B5EF4-FFF2-40B4-BE49-F238E27FC236}">
+                <a16:creationId xmlns:a16="http://schemas.microsoft.com/office/drawing/2014/main" id="{CBD7DEA6-3F7A-B4EB-D4B1-B4214E26B0D7}"/>
+              </a:ext>
+            </a:extLst>
+          </p:cNvPr>
+          <p:cNvSpPr txBox="1"/>
+          <p:nvPr/>
+        </p:nvSpPr>
+        <p:spPr>
+          <a:xfrm>
+            <a:off x="5484875" y="3203311"/>
+            <a:ext cx="692947" cy="307777"/>
+          </a:xfrm>
+          <a:prstGeom prst="rect">
+            <a:avLst/>
+          </a:prstGeom>
+          <a:noFill/>
+        </p:spPr>
+        <p:txBody>
+          <a:bodyPr wrap="none" rtlCol="0">
+            <a:spAutoFit/>
+          </a:bodyPr>
+          <a:lstStyle/>
+          <a:p>
+            <a:r>
+              <a:rPr lang="en-ZA" sz="1400" dirty="0">
+                <a:solidFill>
+                  <a:schemeClr val="bg1"/>
+                </a:solidFill>
+              </a:rPr>
+              <a:t>switch</a:t>
+            </a:r>
+          </a:p>
+        </p:txBody>
+      </p:sp>
+      <p:sp>
+        <p:nvSpPr>
+          <p:cNvPr id="86" name="TextBox 85">
+            <a:extLst>
+              <a:ext uri="{FF2B5EF4-FFF2-40B4-BE49-F238E27FC236}">
+                <a16:creationId xmlns:a16="http://schemas.microsoft.com/office/drawing/2014/main" id="{6491D455-AA62-740C-15EF-C19E5C1E5353}"/>
+              </a:ext>
+            </a:extLst>
+          </p:cNvPr>
+          <p:cNvSpPr txBox="1"/>
+          <p:nvPr/>
+        </p:nvSpPr>
+        <p:spPr>
+          <a:xfrm>
+            <a:off x="5479251" y="3652563"/>
+            <a:ext cx="692947" cy="307777"/>
+          </a:xfrm>
+          <a:prstGeom prst="rect">
+            <a:avLst/>
+          </a:prstGeom>
+          <a:noFill/>
+        </p:spPr>
+        <p:txBody>
+          <a:bodyPr wrap="none" rtlCol="0">
+            <a:spAutoFit/>
+          </a:bodyPr>
+          <a:lstStyle/>
+          <a:p>
+            <a:r>
+              <a:rPr lang="en-ZA" sz="1400" dirty="0">
+                <a:solidFill>
+                  <a:schemeClr val="bg1"/>
+                </a:solidFill>
+              </a:rPr>
+              <a:t>switch</a:t>
+            </a:r>
+          </a:p>
+        </p:txBody>
+      </p:sp>
+      <p:sp>
+        <p:nvSpPr>
+          <p:cNvPr id="101" name="TextBox 100">
+            <a:extLst>
+              <a:ext uri="{FF2B5EF4-FFF2-40B4-BE49-F238E27FC236}">
+                <a16:creationId xmlns:a16="http://schemas.microsoft.com/office/drawing/2014/main" id="{189A79CF-142A-C13C-9F7D-40A5A4C83D1A}"/>
+              </a:ext>
+            </a:extLst>
+          </p:cNvPr>
+          <p:cNvSpPr txBox="1"/>
+          <p:nvPr/>
+        </p:nvSpPr>
+        <p:spPr>
+          <a:xfrm rot="20149846">
+            <a:off x="4160588" y="1662783"/>
+            <a:ext cx="1233799" cy="307777"/>
+          </a:xfrm>
+          <a:prstGeom prst="rect">
+            <a:avLst/>
+          </a:prstGeom>
+          <a:noFill/>
+        </p:spPr>
+        <p:txBody>
+          <a:bodyPr wrap="none" rtlCol="0">
+            <a:spAutoFit/>
+          </a:bodyPr>
+          <a:lstStyle/>
+          <a:p>
+            <a:r>
+              <a:rPr lang="en-ZA" sz="1400" dirty="0"/>
+              <a:t>control signal</a:t>
+            </a:r>
+          </a:p>
+        </p:txBody>
+      </p:sp>
+      <p:sp>
+        <p:nvSpPr>
+          <p:cNvPr id="102" name="TextBox 101">
+            <a:extLst>
+              <a:ext uri="{FF2B5EF4-FFF2-40B4-BE49-F238E27FC236}">
+                <a16:creationId xmlns:a16="http://schemas.microsoft.com/office/drawing/2014/main" id="{57CE0A65-4FB5-3879-44C7-9D1F86C41F15}"/>
+              </a:ext>
+            </a:extLst>
+          </p:cNvPr>
+          <p:cNvSpPr txBox="1"/>
+          <p:nvPr/>
+        </p:nvSpPr>
+        <p:spPr>
+          <a:xfrm rot="20701506">
+            <a:off x="4253694" y="2002949"/>
+            <a:ext cx="1233799" cy="307777"/>
+          </a:xfrm>
+          <a:prstGeom prst="rect">
+            <a:avLst/>
+          </a:prstGeom>
+          <a:noFill/>
+        </p:spPr>
+        <p:txBody>
+          <a:bodyPr wrap="none" rtlCol="0">
+            <a:spAutoFit/>
+          </a:bodyPr>
+          <a:lstStyle/>
+          <a:p>
+            <a:r>
+              <a:rPr lang="en-ZA" sz="1400" dirty="0"/>
+              <a:t>control signal</a:t>
+            </a:r>
+          </a:p>
+        </p:txBody>
+      </p:sp>
+      <p:sp>
+        <p:nvSpPr>
+          <p:cNvPr id="103" name="TextBox 102">
+            <a:extLst>
+              <a:ext uri="{FF2B5EF4-FFF2-40B4-BE49-F238E27FC236}">
+                <a16:creationId xmlns:a16="http://schemas.microsoft.com/office/drawing/2014/main" id="{C85F003E-5F75-3B71-D43C-52620482EDB3}"/>
+              </a:ext>
+            </a:extLst>
+          </p:cNvPr>
+          <p:cNvSpPr txBox="1"/>
+          <p:nvPr/>
+        </p:nvSpPr>
+        <p:spPr>
+          <a:xfrm rot="21306097">
+            <a:off x="4250704" y="2321228"/>
+            <a:ext cx="1233799" cy="307777"/>
+          </a:xfrm>
+          <a:prstGeom prst="rect">
+            <a:avLst/>
+          </a:prstGeom>
+          <a:noFill/>
+        </p:spPr>
+        <p:txBody>
+          <a:bodyPr wrap="none" rtlCol="0">
+            <a:spAutoFit/>
+          </a:bodyPr>
+          <a:lstStyle/>
+          <a:p>
+            <a:r>
+              <a:rPr lang="en-ZA" sz="1400" dirty="0"/>
+              <a:t>control signal</a:t>
+            </a:r>
+          </a:p>
+        </p:txBody>
+      </p:sp>
+      <p:sp>
+        <p:nvSpPr>
+          <p:cNvPr id="104" name="TextBox 103">
+            <a:extLst>
+              <a:ext uri="{FF2B5EF4-FFF2-40B4-BE49-F238E27FC236}">
+                <a16:creationId xmlns:a16="http://schemas.microsoft.com/office/drawing/2014/main" id="{07C8AF9A-5CE2-376C-2832-0D5BAB378C7A}"/>
+              </a:ext>
+            </a:extLst>
+          </p:cNvPr>
+          <p:cNvSpPr txBox="1"/>
+          <p:nvPr/>
+        </p:nvSpPr>
+        <p:spPr>
+          <a:xfrm rot="387966">
+            <a:off x="4288945" y="2611339"/>
+            <a:ext cx="1233799" cy="307777"/>
+          </a:xfrm>
+          <a:prstGeom prst="rect">
+            <a:avLst/>
+          </a:prstGeom>
+          <a:noFill/>
+        </p:spPr>
+        <p:txBody>
+          <a:bodyPr wrap="none" rtlCol="0">
+            <a:spAutoFit/>
+          </a:bodyPr>
+          <a:lstStyle/>
+          <a:p>
+            <a:r>
+              <a:rPr lang="en-ZA" sz="1400" dirty="0"/>
+              <a:t>control signal</a:t>
+            </a:r>
+          </a:p>
+        </p:txBody>
+      </p:sp>
+      <p:sp>
+        <p:nvSpPr>
+          <p:cNvPr id="105" name="TextBox 104">
+            <a:extLst>
+              <a:ext uri="{FF2B5EF4-FFF2-40B4-BE49-F238E27FC236}">
+                <a16:creationId xmlns:a16="http://schemas.microsoft.com/office/drawing/2014/main" id="{78FCD4A9-9CCC-EA36-C04F-98E586C3AECD}"/>
+              </a:ext>
+            </a:extLst>
+          </p:cNvPr>
+          <p:cNvSpPr txBox="1"/>
+          <p:nvPr/>
+        </p:nvSpPr>
+        <p:spPr>
+          <a:xfrm rot="1172800">
+            <a:off x="4312903" y="2891984"/>
+            <a:ext cx="1233799" cy="307777"/>
+          </a:xfrm>
+          <a:prstGeom prst="rect">
+            <a:avLst/>
+          </a:prstGeom>
+          <a:noFill/>
+        </p:spPr>
+        <p:txBody>
+          <a:bodyPr wrap="none" rtlCol="0">
+            <a:spAutoFit/>
+          </a:bodyPr>
+          <a:lstStyle/>
+          <a:p>
+            <a:r>
+              <a:rPr lang="en-ZA" sz="1400" dirty="0"/>
+              <a:t>control signal</a:t>
+            </a:r>
+          </a:p>
+        </p:txBody>
+      </p:sp>
+      <p:sp>
+        <p:nvSpPr>
+          <p:cNvPr id="106" name="TextBox 105">
+            <a:extLst>
+              <a:ext uri="{FF2B5EF4-FFF2-40B4-BE49-F238E27FC236}">
+                <a16:creationId xmlns:a16="http://schemas.microsoft.com/office/drawing/2014/main" id="{C399E624-AFFD-B3FA-0488-5FDE0CC66C1B}"/>
+              </a:ext>
+            </a:extLst>
+          </p:cNvPr>
+          <p:cNvSpPr txBox="1"/>
+          <p:nvPr/>
+        </p:nvSpPr>
+        <p:spPr>
+          <a:xfrm rot="1909636">
+            <a:off x="4357088" y="3209259"/>
+            <a:ext cx="1233799" cy="307777"/>
+          </a:xfrm>
+          <a:prstGeom prst="rect">
+            <a:avLst/>
+          </a:prstGeom>
+          <a:noFill/>
+        </p:spPr>
+        <p:txBody>
+          <a:bodyPr wrap="none" rtlCol="0">
+            <a:spAutoFit/>
+          </a:bodyPr>
+          <a:lstStyle/>
+          <a:p>
+            <a:r>
+              <a:rPr lang="en-ZA" sz="1400" dirty="0"/>
+              <a:t>control signal</a:t>
+            </a:r>
+          </a:p>
+        </p:txBody>
+      </p:sp>
+      <p:sp>
+        <p:nvSpPr>
+          <p:cNvPr id="107" name="TextBox 106">
+            <a:extLst>
+              <a:ext uri="{FF2B5EF4-FFF2-40B4-BE49-F238E27FC236}">
+                <a16:creationId xmlns:a16="http://schemas.microsoft.com/office/drawing/2014/main" id="{75AC7882-A7DB-10BD-4EBC-6F396D619927}"/>
+              </a:ext>
+            </a:extLst>
+          </p:cNvPr>
+          <p:cNvSpPr txBox="1"/>
+          <p:nvPr/>
+        </p:nvSpPr>
+        <p:spPr>
+          <a:xfrm>
+            <a:off x="3177865" y="2464905"/>
+            <a:ext cx="684803" cy="369332"/>
+          </a:xfrm>
+          <a:prstGeom prst="rect">
+            <a:avLst/>
+          </a:prstGeom>
+          <a:noFill/>
+        </p:spPr>
+        <p:txBody>
+          <a:bodyPr wrap="none" rtlCol="0">
+            <a:spAutoFit/>
+          </a:bodyPr>
+          <a:lstStyle/>
+          <a:p>
+            <a:r>
+              <a:rPr lang="en-ZA" dirty="0"/>
+              <a:t>MCU</a:t>
+            </a:r>
+          </a:p>
+        </p:txBody>
+      </p:sp>
+      <p:cxnSp>
+        <p:nvCxnSpPr>
+          <p:cNvPr id="120" name="Straight Connector 119">
+            <a:extLst>
+              <a:ext uri="{FF2B5EF4-FFF2-40B4-BE49-F238E27FC236}">
+                <a16:creationId xmlns:a16="http://schemas.microsoft.com/office/drawing/2014/main" id="{A7E77C67-F1B7-8292-D6C0-AAF6B9ED4E86}"/>
+              </a:ext>
+            </a:extLst>
+          </p:cNvPr>
+          <p:cNvCxnSpPr>
+            <a:cxnSpLocks/>
+          </p:cNvCxnSpPr>
+          <p:nvPr/>
+        </p:nvCxnSpPr>
+        <p:spPr>
+          <a:xfrm flipV="1">
+            <a:off x="796412" y="1951694"/>
+            <a:ext cx="2381453" cy="6452"/>
+          </a:xfrm>
+          <a:prstGeom prst="line">
+            <a:avLst/>
+          </a:prstGeom>
+        </p:spPr>
+        <p:style>
+          <a:lnRef idx="2">
+            <a:schemeClr val="accent1"/>
+          </a:lnRef>
+          <a:fillRef idx="0">
+            <a:schemeClr val="accent1"/>
+          </a:fillRef>
+          <a:effectRef idx="1">
+            <a:schemeClr val="accent1"/>
+          </a:effectRef>
+          <a:fontRef idx="minor">
+            <a:schemeClr val="tx1"/>
+          </a:fontRef>
+        </p:style>
+      </p:cxnSp>
+      <p:cxnSp>
+        <p:nvCxnSpPr>
+          <p:cNvPr id="121" name="Straight Connector 120">
+            <a:extLst>
+              <a:ext uri="{FF2B5EF4-FFF2-40B4-BE49-F238E27FC236}">
+                <a16:creationId xmlns:a16="http://schemas.microsoft.com/office/drawing/2014/main" id="{239E7FCD-0586-F08E-A08C-61CD4AA32590}"/>
+              </a:ext>
+            </a:extLst>
+          </p:cNvPr>
+          <p:cNvCxnSpPr>
+            <a:cxnSpLocks/>
+          </p:cNvCxnSpPr>
+          <p:nvPr/>
+        </p:nvCxnSpPr>
+        <p:spPr>
+          <a:xfrm>
+            <a:off x="644012" y="6513871"/>
+            <a:ext cx="11390670" cy="0"/>
+          </a:xfrm>
+          <a:prstGeom prst="line">
+            <a:avLst/>
+          </a:prstGeom>
+        </p:spPr>
+        <p:style>
+          <a:lnRef idx="2">
+            <a:schemeClr val="accent1"/>
+          </a:lnRef>
+          <a:fillRef idx="0">
+            <a:schemeClr val="accent1"/>
+          </a:fillRef>
+          <a:effectRef idx="1">
+            <a:schemeClr val="accent1"/>
+          </a:effectRef>
+          <a:fontRef idx="minor">
+            <a:schemeClr val="tx1"/>
+          </a:fontRef>
+        </p:style>
+      </p:cxnSp>
+      <p:cxnSp>
+        <p:nvCxnSpPr>
+          <p:cNvPr id="123" name="Straight Connector 122">
+            <a:extLst>
+              <a:ext uri="{FF2B5EF4-FFF2-40B4-BE49-F238E27FC236}">
+                <a16:creationId xmlns:a16="http://schemas.microsoft.com/office/drawing/2014/main" id="{3AC83DE9-F19A-2339-6A2F-9AFDDCEF49CF}"/>
+              </a:ext>
+            </a:extLst>
+          </p:cNvPr>
+          <p:cNvCxnSpPr>
+            <a:cxnSpLocks/>
+          </p:cNvCxnSpPr>
+          <p:nvPr/>
+        </p:nvCxnSpPr>
+        <p:spPr>
+          <a:xfrm>
+            <a:off x="644012" y="1976275"/>
+            <a:ext cx="0" cy="4093609"/>
+          </a:xfrm>
+          <a:prstGeom prst="line">
+            <a:avLst/>
+          </a:prstGeom>
+        </p:spPr>
+        <p:style>
+          <a:lnRef idx="2">
+            <a:schemeClr val="accent1"/>
+          </a:lnRef>
+          <a:fillRef idx="0">
+            <a:schemeClr val="accent1"/>
+          </a:fillRef>
+          <a:effectRef idx="1">
+            <a:schemeClr val="accent1"/>
+          </a:effectRef>
+          <a:fontRef idx="minor">
+            <a:schemeClr val="tx1"/>
+          </a:fontRef>
+        </p:style>
+      </p:cxnSp>
+      <p:cxnSp>
+        <p:nvCxnSpPr>
+          <p:cNvPr id="125" name="Straight Connector 124">
+            <a:extLst>
+              <a:ext uri="{FF2B5EF4-FFF2-40B4-BE49-F238E27FC236}">
+                <a16:creationId xmlns:a16="http://schemas.microsoft.com/office/drawing/2014/main" id="{F5E953C3-94BD-DD9C-230E-A3112CBD800D}"/>
+              </a:ext>
+            </a:extLst>
+          </p:cNvPr>
+          <p:cNvCxnSpPr>
+            <a:cxnSpLocks/>
+          </p:cNvCxnSpPr>
+          <p:nvPr/>
+        </p:nvCxnSpPr>
+        <p:spPr>
+          <a:xfrm>
+            <a:off x="12034682" y="1406319"/>
+            <a:ext cx="0" cy="4904051"/>
+          </a:xfrm>
+          <a:prstGeom prst="line">
+            <a:avLst/>
+          </a:prstGeom>
+        </p:spPr>
+        <p:style>
+          <a:lnRef idx="2">
+            <a:schemeClr val="accent1"/>
+          </a:lnRef>
+          <a:fillRef idx="0">
+            <a:schemeClr val="accent1"/>
+          </a:fillRef>
+          <a:effectRef idx="1">
+            <a:schemeClr val="accent1"/>
+          </a:effectRef>
+          <a:fontRef idx="minor">
+            <a:schemeClr val="tx1"/>
+          </a:fontRef>
+        </p:style>
+      </p:cxnSp>
+      <p:cxnSp>
+        <p:nvCxnSpPr>
+          <p:cNvPr id="127" name="Straight Connector 126">
+            <a:extLst>
+              <a:ext uri="{FF2B5EF4-FFF2-40B4-BE49-F238E27FC236}">
+                <a16:creationId xmlns:a16="http://schemas.microsoft.com/office/drawing/2014/main" id="{F3492A42-A0B0-EE56-D41E-105CF4D958F5}"/>
+              </a:ext>
+            </a:extLst>
+          </p:cNvPr>
+          <p:cNvCxnSpPr>
+            <a:cxnSpLocks/>
+          </p:cNvCxnSpPr>
+          <p:nvPr/>
+        </p:nvCxnSpPr>
+        <p:spPr>
+          <a:xfrm>
+            <a:off x="8647470" y="1455481"/>
+            <a:ext cx="3244644" cy="0"/>
+          </a:xfrm>
+          <a:prstGeom prst="line">
+            <a:avLst/>
+          </a:prstGeom>
+        </p:spPr>
+        <p:style>
+          <a:lnRef idx="2">
+            <a:schemeClr val="accent1"/>
+          </a:lnRef>
+          <a:fillRef idx="0">
+            <a:schemeClr val="accent1"/>
+          </a:fillRef>
+          <a:effectRef idx="1">
+            <a:schemeClr val="accent1"/>
+          </a:effectRef>
+          <a:fontRef idx="minor">
+            <a:schemeClr val="tx1"/>
+          </a:fontRef>
+        </p:style>
+      </p:cxnSp>
+      <p:cxnSp>
+        <p:nvCxnSpPr>
+          <p:cNvPr id="128" name="Straight Connector 127">
+            <a:extLst>
+              <a:ext uri="{FF2B5EF4-FFF2-40B4-BE49-F238E27FC236}">
+                <a16:creationId xmlns:a16="http://schemas.microsoft.com/office/drawing/2014/main" id="{F31EEB2B-38E3-C0B1-99FA-C7F30BD2330B}"/>
+              </a:ext>
+            </a:extLst>
+          </p:cNvPr>
+          <p:cNvCxnSpPr>
+            <a:cxnSpLocks/>
+          </p:cNvCxnSpPr>
+          <p:nvPr/>
+        </p:nvCxnSpPr>
+        <p:spPr>
+          <a:xfrm>
+            <a:off x="8647470" y="1689003"/>
+            <a:ext cx="3170904" cy="0"/>
+          </a:xfrm>
+          <a:prstGeom prst="line">
+            <a:avLst/>
+          </a:prstGeom>
+        </p:spPr>
+        <p:style>
+          <a:lnRef idx="2">
+            <a:schemeClr val="accent1"/>
+          </a:lnRef>
+          <a:fillRef idx="0">
+            <a:schemeClr val="accent1"/>
+          </a:fillRef>
+          <a:effectRef idx="1">
+            <a:schemeClr val="accent1"/>
+          </a:effectRef>
+          <a:fontRef idx="minor">
+            <a:schemeClr val="tx1"/>
+          </a:fontRef>
+        </p:style>
+      </p:cxnSp>
+      <p:cxnSp>
+        <p:nvCxnSpPr>
+          <p:cNvPr id="131" name="Straight Connector 130">
+            <a:extLst>
+              <a:ext uri="{FF2B5EF4-FFF2-40B4-BE49-F238E27FC236}">
+                <a16:creationId xmlns:a16="http://schemas.microsoft.com/office/drawing/2014/main" id="{D289636E-D8B5-0AF2-8C6E-869DB4FC62EF}"/>
+              </a:ext>
+            </a:extLst>
+          </p:cNvPr>
+          <p:cNvCxnSpPr/>
+          <p:nvPr/>
+        </p:nvCxnSpPr>
+        <p:spPr>
+          <a:xfrm>
+            <a:off x="8647470" y="1941546"/>
+            <a:ext cx="1238865" cy="0"/>
+          </a:xfrm>
+          <a:prstGeom prst="line">
+            <a:avLst/>
+          </a:prstGeom>
+        </p:spPr>
+        <p:style>
+          <a:lnRef idx="2">
+            <a:schemeClr val="accent1"/>
+          </a:lnRef>
+          <a:fillRef idx="0">
+            <a:schemeClr val="accent1"/>
+          </a:fillRef>
+          <a:effectRef idx="1">
+            <a:schemeClr val="accent1"/>
+          </a:effectRef>
+          <a:fontRef idx="minor">
+            <a:schemeClr val="tx1"/>
+          </a:fontRef>
+        </p:style>
+      </p:cxnSp>
+      <p:cxnSp>
+        <p:nvCxnSpPr>
+          <p:cNvPr id="132" name="Straight Connector 131">
+            <a:extLst>
+              <a:ext uri="{FF2B5EF4-FFF2-40B4-BE49-F238E27FC236}">
+                <a16:creationId xmlns:a16="http://schemas.microsoft.com/office/drawing/2014/main" id="{C05AE4DA-29D1-8B90-0A0D-DD188BE6B8ED}"/>
+              </a:ext>
+            </a:extLst>
+          </p:cNvPr>
+          <p:cNvCxnSpPr/>
+          <p:nvPr/>
+        </p:nvCxnSpPr>
+        <p:spPr>
+          <a:xfrm>
+            <a:off x="8647470" y="2175068"/>
+            <a:ext cx="1238865" cy="0"/>
+          </a:xfrm>
+          <a:prstGeom prst="line">
+            <a:avLst/>
+          </a:prstGeom>
+        </p:spPr>
+        <p:style>
+          <a:lnRef idx="2">
+            <a:schemeClr val="accent1"/>
+          </a:lnRef>
+          <a:fillRef idx="0">
+            <a:schemeClr val="accent1"/>
+          </a:fillRef>
+          <a:effectRef idx="1">
+            <a:schemeClr val="accent1"/>
+          </a:effectRef>
+          <a:fontRef idx="minor">
+            <a:schemeClr val="tx1"/>
+          </a:fontRef>
+        </p:style>
+      </p:cxnSp>
+      <p:cxnSp>
+        <p:nvCxnSpPr>
+          <p:cNvPr id="133" name="Straight Connector 132">
+            <a:extLst>
+              <a:ext uri="{FF2B5EF4-FFF2-40B4-BE49-F238E27FC236}">
+                <a16:creationId xmlns:a16="http://schemas.microsoft.com/office/drawing/2014/main" id="{0A3497D8-EF9C-35AF-7C23-A2B3F1BE9782}"/>
+              </a:ext>
+            </a:extLst>
+          </p:cNvPr>
+          <p:cNvCxnSpPr/>
+          <p:nvPr/>
+        </p:nvCxnSpPr>
+        <p:spPr>
+          <a:xfrm>
+            <a:off x="8647470" y="2359417"/>
+            <a:ext cx="1238865" cy="0"/>
+          </a:xfrm>
+          <a:prstGeom prst="line">
+            <a:avLst/>
+          </a:prstGeom>
+        </p:spPr>
+        <p:style>
+          <a:lnRef idx="2">
+            <a:schemeClr val="accent1"/>
+          </a:lnRef>
+          <a:fillRef idx="0">
+            <a:schemeClr val="accent1"/>
+          </a:fillRef>
+          <a:effectRef idx="1">
+            <a:schemeClr val="accent1"/>
+          </a:effectRef>
+          <a:fontRef idx="minor">
+            <a:schemeClr val="tx1"/>
+          </a:fontRef>
+        </p:style>
+      </p:cxnSp>
+      <p:cxnSp>
+        <p:nvCxnSpPr>
+          <p:cNvPr id="134" name="Straight Connector 133">
+            <a:extLst>
+              <a:ext uri="{FF2B5EF4-FFF2-40B4-BE49-F238E27FC236}">
+                <a16:creationId xmlns:a16="http://schemas.microsoft.com/office/drawing/2014/main" id="{CA2EAF88-E99A-4CBD-2864-89C314B7EC0B}"/>
+              </a:ext>
+            </a:extLst>
+          </p:cNvPr>
+          <p:cNvCxnSpPr/>
+          <p:nvPr/>
+        </p:nvCxnSpPr>
+        <p:spPr>
+          <a:xfrm>
+            <a:off x="8647470" y="2592939"/>
+            <a:ext cx="1238865" cy="0"/>
+          </a:xfrm>
+          <a:prstGeom prst="line">
+            <a:avLst/>
+          </a:prstGeom>
+        </p:spPr>
+        <p:style>
+          <a:lnRef idx="2">
+            <a:schemeClr val="accent1"/>
+          </a:lnRef>
+          <a:fillRef idx="0">
+            <a:schemeClr val="accent1"/>
+          </a:fillRef>
+          <a:effectRef idx="1">
+            <a:schemeClr val="accent1"/>
+          </a:effectRef>
+          <a:fontRef idx="minor">
+            <a:schemeClr val="tx1"/>
+          </a:fontRef>
+        </p:style>
+      </p:cxnSp>
+      <p:cxnSp>
+        <p:nvCxnSpPr>
+          <p:cNvPr id="135" name="Straight Connector 134">
+            <a:extLst>
+              <a:ext uri="{FF2B5EF4-FFF2-40B4-BE49-F238E27FC236}">
+                <a16:creationId xmlns:a16="http://schemas.microsoft.com/office/drawing/2014/main" id="{F20D84FB-6C9B-1317-6681-1697DA428BB4}"/>
+              </a:ext>
+            </a:extLst>
+          </p:cNvPr>
+          <p:cNvCxnSpPr/>
+          <p:nvPr/>
+        </p:nvCxnSpPr>
+        <p:spPr>
+          <a:xfrm>
+            <a:off x="8647470" y="2754088"/>
+            <a:ext cx="1238865" cy="0"/>
+          </a:xfrm>
+          <a:prstGeom prst="line">
+            <a:avLst/>
+          </a:prstGeom>
+        </p:spPr>
+        <p:style>
+          <a:lnRef idx="2">
+            <a:schemeClr val="accent1"/>
+          </a:lnRef>
+          <a:fillRef idx="0">
+            <a:schemeClr val="accent1"/>
+          </a:fillRef>
+          <a:effectRef idx="1">
+            <a:schemeClr val="accent1"/>
+          </a:effectRef>
+          <a:fontRef idx="minor">
+            <a:schemeClr val="tx1"/>
+          </a:fontRef>
+        </p:style>
+      </p:cxnSp>
+      <p:cxnSp>
+        <p:nvCxnSpPr>
+          <p:cNvPr id="136" name="Straight Connector 135">
+            <a:extLst>
+              <a:ext uri="{FF2B5EF4-FFF2-40B4-BE49-F238E27FC236}">
+                <a16:creationId xmlns:a16="http://schemas.microsoft.com/office/drawing/2014/main" id="{F59BDC99-34D7-B058-8075-220050F42E30}"/>
+              </a:ext>
+            </a:extLst>
+          </p:cNvPr>
+          <p:cNvCxnSpPr/>
+          <p:nvPr/>
+        </p:nvCxnSpPr>
+        <p:spPr>
+          <a:xfrm>
+            <a:off x="8647470" y="2987610"/>
+            <a:ext cx="1238865" cy="0"/>
+          </a:xfrm>
+          <a:prstGeom prst="line">
+            <a:avLst/>
+          </a:prstGeom>
+        </p:spPr>
+        <p:style>
+          <a:lnRef idx="2">
+            <a:schemeClr val="accent1"/>
+          </a:lnRef>
+          <a:fillRef idx="0">
+            <a:schemeClr val="accent1"/>
+          </a:fillRef>
+          <a:effectRef idx="1">
+            <a:schemeClr val="accent1"/>
+          </a:effectRef>
+          <a:fontRef idx="minor">
+            <a:schemeClr val="tx1"/>
+          </a:fontRef>
+        </p:style>
+      </p:cxnSp>
+      <p:cxnSp>
+        <p:nvCxnSpPr>
+          <p:cNvPr id="137" name="Straight Connector 136">
+            <a:extLst>
+              <a:ext uri="{FF2B5EF4-FFF2-40B4-BE49-F238E27FC236}">
+                <a16:creationId xmlns:a16="http://schemas.microsoft.com/office/drawing/2014/main" id="{DC7A99B2-2B31-9DD9-DE69-F0DB1F1B8835}"/>
+              </a:ext>
+            </a:extLst>
+          </p:cNvPr>
+          <p:cNvCxnSpPr/>
+          <p:nvPr/>
+        </p:nvCxnSpPr>
+        <p:spPr>
+          <a:xfrm>
+            <a:off x="8647470" y="3161988"/>
+            <a:ext cx="1238865" cy="0"/>
+          </a:xfrm>
+          <a:prstGeom prst="line">
+            <a:avLst/>
+          </a:prstGeom>
+        </p:spPr>
+        <p:style>
+          <a:lnRef idx="2">
+            <a:schemeClr val="accent1"/>
+          </a:lnRef>
+          <a:fillRef idx="0">
+            <a:schemeClr val="accent1"/>
+          </a:fillRef>
+          <a:effectRef idx="1">
+            <a:schemeClr val="accent1"/>
+          </a:effectRef>
+          <a:fontRef idx="minor">
+            <a:schemeClr val="tx1"/>
+          </a:fontRef>
+        </p:style>
+      </p:cxnSp>
+      <p:cxnSp>
+        <p:nvCxnSpPr>
+          <p:cNvPr id="138" name="Straight Connector 137">
+            <a:extLst>
+              <a:ext uri="{FF2B5EF4-FFF2-40B4-BE49-F238E27FC236}">
+                <a16:creationId xmlns:a16="http://schemas.microsoft.com/office/drawing/2014/main" id="{38B9C3B2-9043-90FF-9F94-081C0873BA07}"/>
+              </a:ext>
+            </a:extLst>
+          </p:cNvPr>
+          <p:cNvCxnSpPr/>
+          <p:nvPr/>
+        </p:nvCxnSpPr>
+        <p:spPr>
+          <a:xfrm>
+            <a:off x="8647470" y="3395510"/>
+            <a:ext cx="1238865" cy="0"/>
+          </a:xfrm>
+          <a:prstGeom prst="line">
+            <a:avLst/>
+          </a:prstGeom>
+        </p:spPr>
+        <p:style>
+          <a:lnRef idx="2">
+            <a:schemeClr val="accent1"/>
+          </a:lnRef>
+          <a:fillRef idx="0">
+            <a:schemeClr val="accent1"/>
+          </a:fillRef>
+          <a:effectRef idx="1">
+            <a:schemeClr val="accent1"/>
+          </a:effectRef>
+          <a:fontRef idx="minor">
+            <a:schemeClr val="tx1"/>
+          </a:fontRef>
+        </p:style>
+      </p:cxnSp>
+      <p:cxnSp>
+        <p:nvCxnSpPr>
+          <p:cNvPr id="139" name="Straight Connector 138">
+            <a:extLst>
+              <a:ext uri="{FF2B5EF4-FFF2-40B4-BE49-F238E27FC236}">
+                <a16:creationId xmlns:a16="http://schemas.microsoft.com/office/drawing/2014/main" id="{890848A5-0ACB-3DC2-0700-D5A77B949D18}"/>
+              </a:ext>
+            </a:extLst>
+          </p:cNvPr>
+          <p:cNvCxnSpPr/>
+          <p:nvPr/>
+        </p:nvCxnSpPr>
+        <p:spPr>
+          <a:xfrm>
+            <a:off x="8647470" y="3623498"/>
+            <a:ext cx="1238865" cy="0"/>
+          </a:xfrm>
+          <a:prstGeom prst="line">
+            <a:avLst/>
+          </a:prstGeom>
+        </p:spPr>
+        <p:style>
+          <a:lnRef idx="2">
+            <a:schemeClr val="accent1"/>
+          </a:lnRef>
+          <a:fillRef idx="0">
+            <a:schemeClr val="accent1"/>
+          </a:fillRef>
+          <a:effectRef idx="1">
+            <a:schemeClr val="accent1"/>
+          </a:effectRef>
+          <a:fontRef idx="minor">
+            <a:schemeClr val="tx1"/>
+          </a:fontRef>
+        </p:style>
+      </p:cxnSp>
+      <p:cxnSp>
+        <p:nvCxnSpPr>
+          <p:cNvPr id="140" name="Straight Connector 139">
+            <a:extLst>
+              <a:ext uri="{FF2B5EF4-FFF2-40B4-BE49-F238E27FC236}">
+                <a16:creationId xmlns:a16="http://schemas.microsoft.com/office/drawing/2014/main" id="{55AF7486-538B-7DB7-099D-B6A3998F424D}"/>
+              </a:ext>
+            </a:extLst>
+          </p:cNvPr>
+          <p:cNvCxnSpPr/>
+          <p:nvPr/>
+        </p:nvCxnSpPr>
+        <p:spPr>
+          <a:xfrm>
+            <a:off x="8647470" y="3857020"/>
+            <a:ext cx="1238865" cy="0"/>
+          </a:xfrm>
+          <a:prstGeom prst="line">
+            <a:avLst/>
+          </a:prstGeom>
+        </p:spPr>
+        <p:style>
+          <a:lnRef idx="2">
+            <a:schemeClr val="accent1"/>
+          </a:lnRef>
+          <a:fillRef idx="0">
+            <a:schemeClr val="accent1"/>
+          </a:fillRef>
+          <a:effectRef idx="1">
+            <a:schemeClr val="accent1"/>
+          </a:effectRef>
+          <a:fontRef idx="minor">
+            <a:schemeClr val="tx1"/>
+          </a:fontRef>
+        </p:style>
+      </p:cxnSp>
+      <p:cxnSp>
+        <p:nvCxnSpPr>
+          <p:cNvPr id="141" name="Straight Connector 140">
+            <a:extLst>
+              <a:ext uri="{FF2B5EF4-FFF2-40B4-BE49-F238E27FC236}">
+                <a16:creationId xmlns:a16="http://schemas.microsoft.com/office/drawing/2014/main" id="{82967DB2-F69F-08B6-1C52-BDCB6067A91F}"/>
+              </a:ext>
+            </a:extLst>
+          </p:cNvPr>
+          <p:cNvCxnSpPr>
+            <a:cxnSpLocks/>
+          </p:cNvCxnSpPr>
+          <p:nvPr/>
+        </p:nvCxnSpPr>
+        <p:spPr>
+          <a:xfrm>
+            <a:off x="11892114" y="1693593"/>
+            <a:ext cx="0" cy="4327129"/>
+          </a:xfrm>
+          <a:prstGeom prst="line">
+            <a:avLst/>
+          </a:prstGeom>
+        </p:spPr>
+        <p:style>
+          <a:lnRef idx="2">
+            <a:schemeClr val="accent1"/>
+          </a:lnRef>
+          <a:fillRef idx="0">
+            <a:schemeClr val="accent1"/>
+          </a:fillRef>
+          <a:effectRef idx="1">
+            <a:schemeClr val="accent1"/>
+          </a:effectRef>
+          <a:fontRef idx="minor">
+            <a:schemeClr val="tx1"/>
+          </a:fontRef>
+        </p:style>
+      </p:cxnSp>
+      <p:cxnSp>
+        <p:nvCxnSpPr>
+          <p:cNvPr id="161" name="Straight Connector 160">
+            <a:extLst>
+              <a:ext uri="{FF2B5EF4-FFF2-40B4-BE49-F238E27FC236}">
+                <a16:creationId xmlns:a16="http://schemas.microsoft.com/office/drawing/2014/main" id="{DD21A0A1-21B4-417E-5C59-CC7B0A9EF847}"/>
+              </a:ext>
+            </a:extLst>
+          </p:cNvPr>
+          <p:cNvCxnSpPr>
+            <a:cxnSpLocks/>
+          </p:cNvCxnSpPr>
+          <p:nvPr/>
+        </p:nvCxnSpPr>
+        <p:spPr>
+          <a:xfrm>
+            <a:off x="979543" y="6310370"/>
+            <a:ext cx="10838831" cy="0"/>
+          </a:xfrm>
+          <a:prstGeom prst="line">
+            <a:avLst/>
+          </a:prstGeom>
+        </p:spPr>
+        <p:style>
+          <a:lnRef idx="2">
+            <a:schemeClr val="accent1"/>
+          </a:lnRef>
+          <a:fillRef idx="0">
+            <a:schemeClr val="accent1"/>
+          </a:fillRef>
+          <a:effectRef idx="1">
+            <a:schemeClr val="accent1"/>
+          </a:effectRef>
+          <a:fontRef idx="minor">
+            <a:schemeClr val="tx1"/>
+          </a:fontRef>
+        </p:style>
+      </p:cxnSp>
+      <p:cxnSp>
+        <p:nvCxnSpPr>
+          <p:cNvPr id="162" name="Straight Connector 161">
+            <a:extLst>
+              <a:ext uri="{FF2B5EF4-FFF2-40B4-BE49-F238E27FC236}">
+                <a16:creationId xmlns:a16="http://schemas.microsoft.com/office/drawing/2014/main" id="{0F226A96-158D-2CE1-EFDF-E280F1C06E09}"/>
+              </a:ext>
+            </a:extLst>
+          </p:cNvPr>
+          <p:cNvCxnSpPr>
+            <a:cxnSpLocks/>
+          </p:cNvCxnSpPr>
+          <p:nvPr/>
+        </p:nvCxnSpPr>
+        <p:spPr>
+          <a:xfrm>
+            <a:off x="796412" y="2128675"/>
+            <a:ext cx="0" cy="4093609"/>
+          </a:xfrm>
+          <a:prstGeom prst="line">
+            <a:avLst/>
+          </a:prstGeom>
+        </p:spPr>
+        <p:style>
+          <a:lnRef idx="2">
+            <a:schemeClr val="accent1"/>
+          </a:lnRef>
+          <a:fillRef idx="0">
+            <a:schemeClr val="accent1"/>
+          </a:fillRef>
+          <a:effectRef idx="1">
+            <a:schemeClr val="accent1"/>
+          </a:effectRef>
+          <a:fontRef idx="minor">
+            <a:schemeClr val="tx1"/>
+          </a:fontRef>
+        </p:style>
+      </p:cxnSp>
+      <p:cxnSp>
+        <p:nvCxnSpPr>
+          <p:cNvPr id="163" name="Straight Connector 162">
+            <a:extLst>
+              <a:ext uri="{FF2B5EF4-FFF2-40B4-BE49-F238E27FC236}">
+                <a16:creationId xmlns:a16="http://schemas.microsoft.com/office/drawing/2014/main" id="{EC418411-FA90-1D5A-D89D-B359307AB039}"/>
+              </a:ext>
+            </a:extLst>
+          </p:cNvPr>
+          <p:cNvCxnSpPr>
+            <a:cxnSpLocks/>
+          </p:cNvCxnSpPr>
+          <p:nvPr/>
+        </p:nvCxnSpPr>
+        <p:spPr>
+          <a:xfrm flipV="1">
+            <a:off x="1061883" y="2112034"/>
+            <a:ext cx="1986117" cy="8344"/>
+          </a:xfrm>
+          <a:prstGeom prst="line">
+            <a:avLst/>
+          </a:prstGeom>
+        </p:spPr>
+        <p:style>
+          <a:lnRef idx="2">
+            <a:schemeClr val="accent1"/>
+          </a:lnRef>
+          <a:fillRef idx="0">
+            <a:schemeClr val="accent1"/>
+          </a:fillRef>
+          <a:effectRef idx="1">
+            <a:schemeClr val="accent1"/>
+          </a:effectRef>
+          <a:fontRef idx="minor">
+            <a:schemeClr val="tx1"/>
+          </a:fontRef>
+        </p:style>
+      </p:cxnSp>
+      <p:sp>
+        <p:nvSpPr>
+          <p:cNvPr id="164" name="Freeform: Shape 163">
+            <a:extLst>
+              <a:ext uri="{FF2B5EF4-FFF2-40B4-BE49-F238E27FC236}">
+                <a16:creationId xmlns:a16="http://schemas.microsoft.com/office/drawing/2014/main" id="{54ED61C0-2C05-AC44-A938-1DD4BC2F9B8C}"/>
+              </a:ext>
+            </a:extLst>
+          </p:cNvPr>
+          <p:cNvSpPr/>
+          <p:nvPr/>
+        </p:nvSpPr>
+        <p:spPr>
+          <a:xfrm>
+            <a:off x="3240760" y="3156155"/>
+            <a:ext cx="2550440" cy="1056180"/>
+          </a:xfrm>
+          <a:custGeom>
+            <a:avLst/>
+            <a:gdLst>
+              <a:gd name="connsiteX0" fmla="*/ 82543 w 2550440"/>
+              <a:gd name="connsiteY0" fmla="*/ 0 h 1056180"/>
+              <a:gd name="connsiteX1" fmla="*/ 102208 w 2550440"/>
+              <a:gd name="connsiteY1" fmla="*/ 324464 h 1056180"/>
+              <a:gd name="connsiteX2" fmla="*/ 1095266 w 2550440"/>
+              <a:gd name="connsiteY2" fmla="*/ 442451 h 1056180"/>
+              <a:gd name="connsiteX3" fmla="*/ 1813021 w 2550440"/>
+              <a:gd name="connsiteY3" fmla="*/ 973393 h 1056180"/>
+              <a:gd name="connsiteX4" fmla="*/ 2412788 w 2550440"/>
+              <a:gd name="connsiteY4" fmla="*/ 1042219 h 1056180"/>
+              <a:gd name="connsiteX5" fmla="*/ 2550440 w 2550440"/>
+              <a:gd name="connsiteY5" fmla="*/ 845574 h 1056180"/>
+            </a:gdLst>
+            <a:ahLst/>
+            <a:cxnLst>
+              <a:cxn ang="0">
+                <a:pos x="connsiteX0" y="connsiteY0"/>
+              </a:cxn>
+              <a:cxn ang="0">
+                <a:pos x="connsiteX1" y="connsiteY1"/>
+              </a:cxn>
+              <a:cxn ang="0">
+                <a:pos x="connsiteX2" y="connsiteY2"/>
+              </a:cxn>
+              <a:cxn ang="0">
+                <a:pos x="connsiteX3" y="connsiteY3"/>
+              </a:cxn>
+              <a:cxn ang="0">
+                <a:pos x="connsiteX4" y="connsiteY4"/>
+              </a:cxn>
+              <a:cxn ang="0">
+                <a:pos x="connsiteX5" y="connsiteY5"/>
+              </a:cxn>
+            </a:cxnLst>
+            <a:rect l="l" t="t" r="r" b="b"/>
+            <a:pathLst>
+              <a:path w="2550440" h="1056180">
+                <a:moveTo>
+                  <a:pt x="82543" y="0"/>
+                </a:moveTo>
+                <a:cubicBezTo>
+                  <a:pt x="7982" y="125361"/>
+                  <a:pt x="-66579" y="250722"/>
+                  <a:pt x="102208" y="324464"/>
+                </a:cubicBezTo>
+                <a:cubicBezTo>
+                  <a:pt x="270995" y="398206"/>
+                  <a:pt x="810131" y="334296"/>
+                  <a:pt x="1095266" y="442451"/>
+                </a:cubicBezTo>
+                <a:cubicBezTo>
+                  <a:pt x="1380401" y="550606"/>
+                  <a:pt x="1593434" y="873432"/>
+                  <a:pt x="1813021" y="973393"/>
+                </a:cubicBezTo>
+                <a:cubicBezTo>
+                  <a:pt x="2032608" y="1073354"/>
+                  <a:pt x="2289885" y="1063522"/>
+                  <a:pt x="2412788" y="1042219"/>
+                </a:cubicBezTo>
+                <a:cubicBezTo>
+                  <a:pt x="2535691" y="1020916"/>
+                  <a:pt x="2543065" y="933245"/>
+                  <a:pt x="2550440" y="845574"/>
+                </a:cubicBezTo>
+              </a:path>
+            </a:pathLst>
+          </a:custGeom>
+          <a:noFill/>
+        </p:spPr>
+        <p:style>
+          <a:lnRef idx="2">
+            <a:schemeClr val="accent1">
+              <a:shade val="15000"/>
+            </a:schemeClr>
+          </a:lnRef>
+          <a:fillRef idx="1">
+            <a:schemeClr val="accent1"/>
+          </a:fillRef>
+          <a:effectRef idx="0">
+            <a:schemeClr val="accent1"/>
+          </a:effectRef>
+          <a:fontRef idx="minor">
+            <a:schemeClr val="lt1"/>
+          </a:fontRef>
+        </p:style>
+        <p:txBody>
+          <a:bodyPr rtlCol="0" anchor="ctr"/>
+          <a:lstStyle/>
+          <a:p>
+            <a:pPr algn="ctr"/>
+            <a:endParaRPr lang="en-ZA"/>
+          </a:p>
+        </p:txBody>
+      </p:sp>
+      <p:sp>
+        <p:nvSpPr>
+          <p:cNvPr id="165" name="TextBox 164">
+            <a:extLst>
+              <a:ext uri="{FF2B5EF4-FFF2-40B4-BE49-F238E27FC236}">
+                <a16:creationId xmlns:a16="http://schemas.microsoft.com/office/drawing/2014/main" id="{1F6EBAFC-5F66-44AB-5275-D438F1B84A02}"/>
+              </a:ext>
+            </a:extLst>
+          </p:cNvPr>
+          <p:cNvSpPr txBox="1"/>
+          <p:nvPr/>
+        </p:nvSpPr>
+        <p:spPr>
+          <a:xfrm>
+            <a:off x="4305827" y="3661377"/>
+            <a:ext cx="263214" cy="369332"/>
+          </a:xfrm>
+          <a:prstGeom prst="rect">
+            <a:avLst/>
+          </a:prstGeom>
+          <a:noFill/>
+        </p:spPr>
+        <p:txBody>
+          <a:bodyPr wrap="none" rtlCol="0">
+            <a:spAutoFit/>
+          </a:bodyPr>
+          <a:lstStyle/>
+          <a:p>
+            <a:r>
+              <a:rPr lang="en-ZA" dirty="0"/>
+              <a:t>-</a:t>
+            </a:r>
+          </a:p>
+        </p:txBody>
+      </p:sp>
+      <p:sp>
+        <p:nvSpPr>
+          <p:cNvPr id="167" name="Freeform: Shape 166">
+            <a:extLst>
+              <a:ext uri="{FF2B5EF4-FFF2-40B4-BE49-F238E27FC236}">
+                <a16:creationId xmlns:a16="http://schemas.microsoft.com/office/drawing/2014/main" id="{FD0B6236-1483-BCCD-81C6-375791B0F8E4}"/>
+              </a:ext>
+            </a:extLst>
+          </p:cNvPr>
+          <p:cNvSpPr/>
+          <p:nvPr/>
+        </p:nvSpPr>
+        <p:spPr>
+          <a:xfrm>
+            <a:off x="6007510" y="3932903"/>
+            <a:ext cx="1376516" cy="249331"/>
+          </a:xfrm>
+          <a:custGeom>
+            <a:avLst/>
+            <a:gdLst>
+              <a:gd name="connsiteX0" fmla="*/ 0 w 1376516"/>
+              <a:gd name="connsiteY0" fmla="*/ 39329 h 249331"/>
+              <a:gd name="connsiteX1" fmla="*/ 294967 w 1376516"/>
+              <a:gd name="connsiteY1" fmla="*/ 245807 h 249331"/>
+              <a:gd name="connsiteX2" fmla="*/ 1160206 w 1376516"/>
+              <a:gd name="connsiteY2" fmla="*/ 157316 h 249331"/>
+              <a:gd name="connsiteX3" fmla="*/ 1376516 w 1376516"/>
+              <a:gd name="connsiteY3" fmla="*/ 0 h 249331"/>
+            </a:gdLst>
+            <a:ahLst/>
+            <a:cxnLst>
+              <a:cxn ang="0">
+                <a:pos x="connsiteX0" y="connsiteY0"/>
+              </a:cxn>
+              <a:cxn ang="0">
+                <a:pos x="connsiteX1" y="connsiteY1"/>
+              </a:cxn>
+              <a:cxn ang="0">
+                <a:pos x="connsiteX2" y="connsiteY2"/>
+              </a:cxn>
+              <a:cxn ang="0">
+                <a:pos x="connsiteX3" y="connsiteY3"/>
+              </a:cxn>
+            </a:cxnLst>
+            <a:rect l="l" t="t" r="r" b="b"/>
+            <a:pathLst>
+              <a:path w="1376516" h="249331">
+                <a:moveTo>
+                  <a:pt x="0" y="39329"/>
+                </a:moveTo>
+                <a:cubicBezTo>
+                  <a:pt x="50799" y="132736"/>
+                  <a:pt x="101599" y="226143"/>
+                  <a:pt x="294967" y="245807"/>
+                </a:cubicBezTo>
+                <a:cubicBezTo>
+                  <a:pt x="488335" y="265471"/>
+                  <a:pt x="979948" y="198284"/>
+                  <a:pt x="1160206" y="157316"/>
+                </a:cubicBezTo>
+                <a:cubicBezTo>
+                  <a:pt x="1340464" y="116348"/>
+                  <a:pt x="1358490" y="58174"/>
+                  <a:pt x="1376516" y="0"/>
+                </a:cubicBezTo>
+              </a:path>
+            </a:pathLst>
+          </a:custGeom>
+          <a:noFill/>
+        </p:spPr>
+        <p:style>
+          <a:lnRef idx="2">
+            <a:schemeClr val="accent1">
+              <a:shade val="15000"/>
+            </a:schemeClr>
+          </a:lnRef>
+          <a:fillRef idx="1">
+            <a:schemeClr val="accent1"/>
+          </a:fillRef>
+          <a:effectRef idx="0">
+            <a:schemeClr val="accent1"/>
+          </a:effectRef>
+          <a:fontRef idx="minor">
+            <a:schemeClr val="lt1"/>
+          </a:fontRef>
+        </p:style>
+        <p:txBody>
+          <a:bodyPr rtlCol="0" anchor="ctr"/>
+          <a:lstStyle/>
+          <a:p>
+            <a:pPr algn="ctr"/>
+            <a:endParaRPr lang="en-ZA"/>
+          </a:p>
+        </p:txBody>
+      </p:sp>
+      <p:sp>
+        <p:nvSpPr>
+          <p:cNvPr id="168" name="TextBox 167">
+            <a:extLst>
+              <a:ext uri="{FF2B5EF4-FFF2-40B4-BE49-F238E27FC236}">
+                <a16:creationId xmlns:a16="http://schemas.microsoft.com/office/drawing/2014/main" id="{35610460-BBC1-7F7E-3FBC-65B699D31C35}"/>
+              </a:ext>
+            </a:extLst>
+          </p:cNvPr>
+          <p:cNvSpPr txBox="1"/>
+          <p:nvPr/>
+        </p:nvSpPr>
+        <p:spPr>
+          <a:xfrm>
+            <a:off x="6555155" y="4108082"/>
+            <a:ext cx="263214" cy="369332"/>
+          </a:xfrm>
+          <a:prstGeom prst="rect">
+            <a:avLst/>
+          </a:prstGeom>
+          <a:noFill/>
+        </p:spPr>
+        <p:txBody>
+          <a:bodyPr wrap="none" rtlCol="0">
+            <a:spAutoFit/>
+          </a:bodyPr>
+          <a:lstStyle/>
+          <a:p>
+            <a:r>
+              <a:rPr lang="en-ZA" dirty="0"/>
+              <a:t>-</a:t>
+            </a:r>
+          </a:p>
+        </p:txBody>
+      </p:sp>
+      <p:sp>
+        <p:nvSpPr>
+          <p:cNvPr id="169" name="TextBox 168">
+            <a:extLst>
+              <a:ext uri="{FF2B5EF4-FFF2-40B4-BE49-F238E27FC236}">
+                <a16:creationId xmlns:a16="http://schemas.microsoft.com/office/drawing/2014/main" id="{BE874043-F4B4-1E54-46CB-ADBB356E9F84}"/>
+              </a:ext>
+            </a:extLst>
+          </p:cNvPr>
+          <p:cNvSpPr txBox="1"/>
+          <p:nvPr/>
+        </p:nvSpPr>
+        <p:spPr>
+          <a:xfrm>
+            <a:off x="7333503" y="1406319"/>
+            <a:ext cx="1048685" cy="369332"/>
+          </a:xfrm>
+          <a:prstGeom prst="rect">
+            <a:avLst/>
+          </a:prstGeom>
+          <a:noFill/>
+        </p:spPr>
+        <p:txBody>
+          <a:bodyPr wrap="none" rtlCol="0">
+            <a:spAutoFit/>
+          </a:bodyPr>
+          <a:lstStyle/>
+          <a:p>
+            <a:r>
+              <a:rPr lang="en-ZA" dirty="0"/>
+              <a:t>Sensor 1</a:t>
+            </a:r>
+          </a:p>
+        </p:txBody>
+      </p:sp>
+      <p:sp>
+        <p:nvSpPr>
+          <p:cNvPr id="170" name="TextBox 169">
+            <a:extLst>
+              <a:ext uri="{FF2B5EF4-FFF2-40B4-BE49-F238E27FC236}">
+                <a16:creationId xmlns:a16="http://schemas.microsoft.com/office/drawing/2014/main" id="{E0F3A51B-1F0D-CEF1-5AFF-1BF55C378028}"/>
+              </a:ext>
+            </a:extLst>
+          </p:cNvPr>
+          <p:cNvSpPr txBox="1"/>
+          <p:nvPr/>
+        </p:nvSpPr>
+        <p:spPr>
+          <a:xfrm>
+            <a:off x="7318566" y="1874271"/>
+            <a:ext cx="1048685" cy="369332"/>
+          </a:xfrm>
+          <a:prstGeom prst="rect">
+            <a:avLst/>
+          </a:prstGeom>
+          <a:noFill/>
+        </p:spPr>
+        <p:txBody>
+          <a:bodyPr wrap="none" rtlCol="0">
+            <a:spAutoFit/>
+          </a:bodyPr>
+          <a:lstStyle/>
+          <a:p>
+            <a:r>
+              <a:rPr lang="en-ZA" dirty="0"/>
+              <a:t>Sensor 2</a:t>
+            </a:r>
+          </a:p>
+        </p:txBody>
+      </p:sp>
+      <p:sp>
+        <p:nvSpPr>
+          <p:cNvPr id="171" name="TextBox 170">
+            <a:extLst>
+              <a:ext uri="{FF2B5EF4-FFF2-40B4-BE49-F238E27FC236}">
+                <a16:creationId xmlns:a16="http://schemas.microsoft.com/office/drawing/2014/main" id="{FB63BF2F-FB51-D593-45BA-C327F4675732}"/>
+              </a:ext>
+            </a:extLst>
+          </p:cNvPr>
+          <p:cNvSpPr txBox="1"/>
+          <p:nvPr/>
+        </p:nvSpPr>
+        <p:spPr>
+          <a:xfrm>
+            <a:off x="7329684" y="2295896"/>
+            <a:ext cx="1048685" cy="369332"/>
+          </a:xfrm>
+          <a:prstGeom prst="rect">
+            <a:avLst/>
+          </a:prstGeom>
+          <a:noFill/>
+        </p:spPr>
+        <p:txBody>
+          <a:bodyPr wrap="none" rtlCol="0">
+            <a:spAutoFit/>
+          </a:bodyPr>
+          <a:lstStyle/>
+          <a:p>
+            <a:r>
+              <a:rPr lang="en-ZA" dirty="0"/>
+              <a:t>Sensor 3</a:t>
+            </a:r>
+          </a:p>
+        </p:txBody>
+      </p:sp>
+      <p:sp>
+        <p:nvSpPr>
+          <p:cNvPr id="172" name="TextBox 171">
+            <a:extLst>
+              <a:ext uri="{FF2B5EF4-FFF2-40B4-BE49-F238E27FC236}">
+                <a16:creationId xmlns:a16="http://schemas.microsoft.com/office/drawing/2014/main" id="{A3960667-7472-BC32-7A3C-150B917E43F2}"/>
+              </a:ext>
+            </a:extLst>
+          </p:cNvPr>
+          <p:cNvSpPr txBox="1"/>
+          <p:nvPr/>
+        </p:nvSpPr>
+        <p:spPr>
+          <a:xfrm>
+            <a:off x="7319851" y="2709002"/>
+            <a:ext cx="1048685" cy="369332"/>
+          </a:xfrm>
+          <a:prstGeom prst="rect">
+            <a:avLst/>
+          </a:prstGeom>
+          <a:noFill/>
+        </p:spPr>
+        <p:txBody>
+          <a:bodyPr wrap="none" rtlCol="0">
+            <a:spAutoFit/>
+          </a:bodyPr>
+          <a:lstStyle/>
+          <a:p>
+            <a:r>
+              <a:rPr lang="en-ZA" dirty="0"/>
+              <a:t>Sensor 4</a:t>
+            </a:r>
+          </a:p>
+        </p:txBody>
+      </p:sp>
+      <p:sp>
+        <p:nvSpPr>
+          <p:cNvPr id="173" name="TextBox 172">
+            <a:extLst>
+              <a:ext uri="{FF2B5EF4-FFF2-40B4-BE49-F238E27FC236}">
+                <a16:creationId xmlns:a16="http://schemas.microsoft.com/office/drawing/2014/main" id="{8B9E8BEF-8388-1B5F-BECE-624EE135E75E}"/>
+              </a:ext>
+            </a:extLst>
+          </p:cNvPr>
+          <p:cNvSpPr txBox="1"/>
+          <p:nvPr/>
+        </p:nvSpPr>
+        <p:spPr>
+          <a:xfrm>
+            <a:off x="7337806" y="3111289"/>
+            <a:ext cx="1048685" cy="369332"/>
+          </a:xfrm>
+          <a:prstGeom prst="rect">
+            <a:avLst/>
+          </a:prstGeom>
+          <a:noFill/>
+        </p:spPr>
+        <p:txBody>
+          <a:bodyPr wrap="none" rtlCol="0">
+            <a:spAutoFit/>
+          </a:bodyPr>
+          <a:lstStyle/>
+          <a:p>
+            <a:r>
+              <a:rPr lang="en-ZA" dirty="0"/>
+              <a:t>Sensor 5</a:t>
+            </a:r>
+          </a:p>
+        </p:txBody>
+      </p:sp>
+      <p:sp>
+        <p:nvSpPr>
+          <p:cNvPr id="174" name="TextBox 173">
+            <a:extLst>
+              <a:ext uri="{FF2B5EF4-FFF2-40B4-BE49-F238E27FC236}">
+                <a16:creationId xmlns:a16="http://schemas.microsoft.com/office/drawing/2014/main" id="{54862B1C-03A2-E408-09D2-5DC00743552C}"/>
+              </a:ext>
+            </a:extLst>
+          </p:cNvPr>
+          <p:cNvSpPr txBox="1"/>
+          <p:nvPr/>
+        </p:nvSpPr>
+        <p:spPr>
+          <a:xfrm>
+            <a:off x="7349060" y="3583860"/>
+            <a:ext cx="1048685" cy="369332"/>
+          </a:xfrm>
+          <a:prstGeom prst="rect">
+            <a:avLst/>
+          </a:prstGeom>
+          <a:noFill/>
+        </p:spPr>
+        <p:txBody>
+          <a:bodyPr wrap="none" rtlCol="0">
+            <a:spAutoFit/>
+          </a:bodyPr>
+          <a:lstStyle/>
+          <a:p>
+            <a:r>
+              <a:rPr lang="en-ZA" dirty="0"/>
+              <a:t>Sensor 6</a:t>
+            </a:r>
+          </a:p>
+        </p:txBody>
+      </p:sp>
+    </p:spTree>
+    <p:extLst>
+      <p:ext uri="{BB962C8B-B14F-4D97-AF65-F5344CB8AC3E}">
+        <p14:creationId xmlns:p14="http://schemas.microsoft.com/office/powerpoint/2010/main" val="4035985240"/>
       </p:ext>
     </p:extLst>
   </p:cSld>

--- a/Diagram.pptx
+++ b/Diagram.pptx
@@ -10,6 +10,8 @@
     <p:sldId id="258" r:id="rId4"/>
     <p:sldId id="259" r:id="rId5"/>
     <p:sldId id="260" r:id="rId6"/>
+    <p:sldId id="261" r:id="rId7"/>
+    <p:sldId id="262" r:id="rId8"/>
   </p:sldIdLst>
   <p:sldSz cx="12192000" cy="6858000"/>
   <p:notesSz cx="6858000" cy="9144000"/>
@@ -265,7 +267,7 @@
           <a:p>
             <a:fld id="{560875BF-15A9-4D15-A19E-55053C38932C}" type="datetimeFigureOut">
               <a:rPr lang="en-ZA" smtClean="0"/>
-              <a:t>2025/05/01</a:t>
+              <a:t>2025/05/06</a:t>
             </a:fld>
             <a:endParaRPr lang="en-ZA"/>
           </a:p>
@@ -465,7 +467,7 @@
           <a:p>
             <a:fld id="{560875BF-15A9-4D15-A19E-55053C38932C}" type="datetimeFigureOut">
               <a:rPr lang="en-ZA" smtClean="0"/>
-              <a:t>2025/05/01</a:t>
+              <a:t>2025/05/06</a:t>
             </a:fld>
             <a:endParaRPr lang="en-ZA"/>
           </a:p>
@@ -675,7 +677,7 @@
           <a:p>
             <a:fld id="{560875BF-15A9-4D15-A19E-55053C38932C}" type="datetimeFigureOut">
               <a:rPr lang="en-ZA" smtClean="0"/>
-              <a:t>2025/05/01</a:t>
+              <a:t>2025/05/06</a:t>
             </a:fld>
             <a:endParaRPr lang="en-ZA"/>
           </a:p>
@@ -875,7 +877,7 @@
           <a:p>
             <a:fld id="{560875BF-15A9-4D15-A19E-55053C38932C}" type="datetimeFigureOut">
               <a:rPr lang="en-ZA" smtClean="0"/>
-              <a:t>2025/05/01</a:t>
+              <a:t>2025/05/06</a:t>
             </a:fld>
             <a:endParaRPr lang="en-ZA"/>
           </a:p>
@@ -1151,7 +1153,7 @@
           <a:p>
             <a:fld id="{560875BF-15A9-4D15-A19E-55053C38932C}" type="datetimeFigureOut">
               <a:rPr lang="en-ZA" smtClean="0"/>
-              <a:t>2025/05/01</a:t>
+              <a:t>2025/05/06</a:t>
             </a:fld>
             <a:endParaRPr lang="en-ZA"/>
           </a:p>
@@ -1419,7 +1421,7 @@
           <a:p>
             <a:fld id="{560875BF-15A9-4D15-A19E-55053C38932C}" type="datetimeFigureOut">
               <a:rPr lang="en-ZA" smtClean="0"/>
-              <a:t>2025/05/01</a:t>
+              <a:t>2025/05/06</a:t>
             </a:fld>
             <a:endParaRPr lang="en-ZA"/>
           </a:p>
@@ -1834,7 +1836,7 @@
           <a:p>
             <a:fld id="{560875BF-15A9-4D15-A19E-55053C38932C}" type="datetimeFigureOut">
               <a:rPr lang="en-ZA" smtClean="0"/>
-              <a:t>2025/05/01</a:t>
+              <a:t>2025/05/06</a:t>
             </a:fld>
             <a:endParaRPr lang="en-ZA"/>
           </a:p>
@@ -1976,7 +1978,7 @@
           <a:p>
             <a:fld id="{560875BF-15A9-4D15-A19E-55053C38932C}" type="datetimeFigureOut">
               <a:rPr lang="en-ZA" smtClean="0"/>
-              <a:t>2025/05/01</a:t>
+              <a:t>2025/05/06</a:t>
             </a:fld>
             <a:endParaRPr lang="en-ZA"/>
           </a:p>
@@ -2089,7 +2091,7 @@
           <a:p>
             <a:fld id="{560875BF-15A9-4D15-A19E-55053C38932C}" type="datetimeFigureOut">
               <a:rPr lang="en-ZA" smtClean="0"/>
-              <a:t>2025/05/01</a:t>
+              <a:t>2025/05/06</a:t>
             </a:fld>
             <a:endParaRPr lang="en-ZA"/>
           </a:p>
@@ -2402,7 +2404,7 @@
           <a:p>
             <a:fld id="{560875BF-15A9-4D15-A19E-55053C38932C}" type="datetimeFigureOut">
               <a:rPr lang="en-ZA" smtClean="0"/>
-              <a:t>2025/05/01</a:t>
+              <a:t>2025/05/06</a:t>
             </a:fld>
             <a:endParaRPr lang="en-ZA"/>
           </a:p>
@@ -2691,7 +2693,7 @@
           <a:p>
             <a:fld id="{560875BF-15A9-4D15-A19E-55053C38932C}" type="datetimeFigureOut">
               <a:rPr lang="en-ZA" smtClean="0"/>
-              <a:t>2025/05/01</a:t>
+              <a:t>2025/05/06</a:t>
             </a:fld>
             <a:endParaRPr lang="en-ZA"/>
           </a:p>
@@ -2934,7 +2936,7 @@
           <a:p>
             <a:fld id="{560875BF-15A9-4D15-A19E-55053C38932C}" type="datetimeFigureOut">
               <a:rPr lang="en-ZA" smtClean="0"/>
-              <a:t>2025/05/01</a:t>
+              <a:t>2025/05/06</a:t>
             </a:fld>
             <a:endParaRPr lang="en-ZA"/>
           </a:p>
@@ -10446,6 +10448,3941 @@
 </p:sld>
 </file>
 
+<file path=ppt/slides/slide6.xml><?xml version="1.0" encoding="utf-8"?>
+<p:sld xmlns:a="http://schemas.openxmlformats.org/drawingml/2006/main" xmlns:r="http://schemas.openxmlformats.org/officeDocument/2006/relationships" xmlns:p="http://schemas.openxmlformats.org/presentationml/2006/main">
+  <p:cSld>
+    <p:spTree>
+      <p:nvGrpSpPr>
+        <p:cNvPr id="1" name=""/>
+        <p:cNvGrpSpPr/>
+        <p:nvPr/>
+      </p:nvGrpSpPr>
+      <p:grpSpPr>
+        <a:xfrm>
+          <a:off x="0" y="0"/>
+          <a:ext cx="0" cy="0"/>
+          <a:chOff x="0" y="0"/>
+          <a:chExt cx="0" cy="0"/>
+        </a:xfrm>
+      </p:grpSpPr>
+      <p:sp>
+        <p:nvSpPr>
+          <p:cNvPr id="4" name="Rectangle 3">
+            <a:extLst>
+              <a:ext uri="{FF2B5EF4-FFF2-40B4-BE49-F238E27FC236}">
+                <a16:creationId xmlns:a16="http://schemas.microsoft.com/office/drawing/2014/main" id="{0B627E00-4C62-8C14-B651-5960D7B47690}"/>
+              </a:ext>
+            </a:extLst>
+          </p:cNvPr>
+          <p:cNvSpPr/>
+          <p:nvPr/>
+        </p:nvSpPr>
+        <p:spPr>
+          <a:xfrm>
+            <a:off x="894736" y="1022556"/>
+            <a:ext cx="9674942" cy="462116"/>
+          </a:xfrm>
+          <a:prstGeom prst="rect">
+            <a:avLst/>
+          </a:prstGeom>
+          <a:solidFill>
+            <a:srgbClr val="CC9900"/>
+          </a:solidFill>
+        </p:spPr>
+        <p:style>
+          <a:lnRef idx="2">
+            <a:schemeClr val="accent1">
+              <a:shade val="15000"/>
+            </a:schemeClr>
+          </a:lnRef>
+          <a:fillRef idx="1">
+            <a:schemeClr val="accent1"/>
+          </a:fillRef>
+          <a:effectRef idx="0">
+            <a:schemeClr val="accent1"/>
+          </a:effectRef>
+          <a:fontRef idx="minor">
+            <a:schemeClr val="lt1"/>
+          </a:fontRef>
+        </p:style>
+        <p:txBody>
+          <a:bodyPr rtlCol="0" anchor="ctr"/>
+          <a:lstStyle/>
+          <a:p>
+            <a:pPr algn="ctr"/>
+            <a:endParaRPr lang="en-ZA"/>
+          </a:p>
+        </p:txBody>
+      </p:sp>
+      <p:sp>
+        <p:nvSpPr>
+          <p:cNvPr id="5" name="Isosceles Triangle 4">
+            <a:extLst>
+              <a:ext uri="{FF2B5EF4-FFF2-40B4-BE49-F238E27FC236}">
+                <a16:creationId xmlns:a16="http://schemas.microsoft.com/office/drawing/2014/main" id="{1047F20F-57FF-61DB-AE2D-72D1EDCE0C7D}"/>
+              </a:ext>
+            </a:extLst>
+          </p:cNvPr>
+          <p:cNvSpPr/>
+          <p:nvPr/>
+        </p:nvSpPr>
+        <p:spPr>
+          <a:xfrm rot="5400000">
+            <a:off x="10483418" y="1134920"/>
+            <a:ext cx="433174" cy="235974"/>
+          </a:xfrm>
+          <a:prstGeom prst="triangle">
+            <a:avLst/>
+          </a:prstGeom>
+          <a:solidFill>
+            <a:schemeClr val="tx1"/>
+          </a:solidFill>
+        </p:spPr>
+        <p:style>
+          <a:lnRef idx="2">
+            <a:schemeClr val="accent1">
+              <a:shade val="15000"/>
+            </a:schemeClr>
+          </a:lnRef>
+          <a:fillRef idx="1">
+            <a:schemeClr val="accent1"/>
+          </a:fillRef>
+          <a:effectRef idx="0">
+            <a:schemeClr val="accent1"/>
+          </a:effectRef>
+          <a:fontRef idx="minor">
+            <a:schemeClr val="lt1"/>
+          </a:fontRef>
+        </p:style>
+        <p:txBody>
+          <a:bodyPr rtlCol="0" anchor="ctr"/>
+          <a:lstStyle/>
+          <a:p>
+            <a:pPr algn="ctr"/>
+            <a:endParaRPr lang="en-ZA"/>
+          </a:p>
+        </p:txBody>
+      </p:sp>
+      <p:sp>
+        <p:nvSpPr>
+          <p:cNvPr id="6" name="Rectangle 5">
+            <a:extLst>
+              <a:ext uri="{FF2B5EF4-FFF2-40B4-BE49-F238E27FC236}">
+                <a16:creationId xmlns:a16="http://schemas.microsoft.com/office/drawing/2014/main" id="{1CF41BCB-375F-E564-E55E-E1FAAF796B2D}"/>
+              </a:ext>
+            </a:extLst>
+          </p:cNvPr>
+          <p:cNvSpPr/>
+          <p:nvPr/>
+        </p:nvSpPr>
+        <p:spPr>
+          <a:xfrm>
+            <a:off x="894736" y="1951705"/>
+            <a:ext cx="9674942" cy="462116"/>
+          </a:xfrm>
+          <a:prstGeom prst="rect">
+            <a:avLst/>
+          </a:prstGeom>
+          <a:solidFill>
+            <a:srgbClr val="CC9900"/>
+          </a:solidFill>
+        </p:spPr>
+        <p:style>
+          <a:lnRef idx="2">
+            <a:schemeClr val="accent1">
+              <a:shade val="15000"/>
+            </a:schemeClr>
+          </a:lnRef>
+          <a:fillRef idx="1">
+            <a:schemeClr val="accent1"/>
+          </a:fillRef>
+          <a:effectRef idx="0">
+            <a:schemeClr val="accent1"/>
+          </a:effectRef>
+          <a:fontRef idx="minor">
+            <a:schemeClr val="lt1"/>
+          </a:fontRef>
+        </p:style>
+        <p:txBody>
+          <a:bodyPr rtlCol="0" anchor="ctr"/>
+          <a:lstStyle/>
+          <a:p>
+            <a:pPr algn="ctr"/>
+            <a:endParaRPr lang="en-ZA"/>
+          </a:p>
+        </p:txBody>
+      </p:sp>
+      <p:sp>
+        <p:nvSpPr>
+          <p:cNvPr id="8" name="Rectangle 7">
+            <a:extLst>
+              <a:ext uri="{FF2B5EF4-FFF2-40B4-BE49-F238E27FC236}">
+                <a16:creationId xmlns:a16="http://schemas.microsoft.com/office/drawing/2014/main" id="{3E7A1124-D052-B7F6-DFAA-64E0B26D740A}"/>
+              </a:ext>
+            </a:extLst>
+          </p:cNvPr>
+          <p:cNvSpPr/>
+          <p:nvPr/>
+        </p:nvSpPr>
+        <p:spPr>
+          <a:xfrm>
+            <a:off x="1321283" y="2649796"/>
+            <a:ext cx="1289144" cy="462116"/>
+          </a:xfrm>
+          <a:prstGeom prst="rect">
+            <a:avLst/>
+          </a:prstGeom>
+          <a:solidFill>
+            <a:schemeClr val="bg2"/>
+          </a:solidFill>
+        </p:spPr>
+        <p:style>
+          <a:lnRef idx="2">
+            <a:schemeClr val="accent1">
+              <a:shade val="15000"/>
+            </a:schemeClr>
+          </a:lnRef>
+          <a:fillRef idx="1">
+            <a:schemeClr val="accent1"/>
+          </a:fillRef>
+          <a:effectRef idx="0">
+            <a:schemeClr val="accent1"/>
+          </a:effectRef>
+          <a:fontRef idx="minor">
+            <a:schemeClr val="lt1"/>
+          </a:fontRef>
+        </p:style>
+        <p:txBody>
+          <a:bodyPr rtlCol="0" anchor="ctr"/>
+          <a:lstStyle/>
+          <a:p>
+            <a:pPr algn="ctr"/>
+            <a:endParaRPr lang="en-ZA"/>
+          </a:p>
+        </p:txBody>
+      </p:sp>
+      <p:sp>
+        <p:nvSpPr>
+          <p:cNvPr id="9" name="Rectangle 8">
+            <a:extLst>
+              <a:ext uri="{FF2B5EF4-FFF2-40B4-BE49-F238E27FC236}">
+                <a16:creationId xmlns:a16="http://schemas.microsoft.com/office/drawing/2014/main" id="{DA07EEF4-6CC6-1E88-35C1-D1193BBCE785}"/>
+              </a:ext>
+            </a:extLst>
+          </p:cNvPr>
+          <p:cNvSpPr/>
+          <p:nvPr/>
+        </p:nvSpPr>
+        <p:spPr>
+          <a:xfrm>
+            <a:off x="2161551" y="3245874"/>
+            <a:ext cx="363793" cy="462116"/>
+          </a:xfrm>
+          <a:prstGeom prst="rect">
+            <a:avLst/>
+          </a:prstGeom>
+          <a:solidFill>
+            <a:srgbClr val="CC9900"/>
+          </a:solidFill>
+        </p:spPr>
+        <p:style>
+          <a:lnRef idx="2">
+            <a:schemeClr val="accent1">
+              <a:shade val="15000"/>
+            </a:schemeClr>
+          </a:lnRef>
+          <a:fillRef idx="1">
+            <a:schemeClr val="accent1"/>
+          </a:fillRef>
+          <a:effectRef idx="0">
+            <a:schemeClr val="accent1"/>
+          </a:effectRef>
+          <a:fontRef idx="minor">
+            <a:schemeClr val="lt1"/>
+          </a:fontRef>
+        </p:style>
+        <p:txBody>
+          <a:bodyPr rtlCol="0" anchor="ctr"/>
+          <a:lstStyle/>
+          <a:p>
+            <a:pPr algn="ctr"/>
+            <a:endParaRPr lang="en-ZA"/>
+          </a:p>
+        </p:txBody>
+      </p:sp>
+      <p:grpSp>
+        <p:nvGrpSpPr>
+          <p:cNvPr id="12" name="Group 11">
+            <a:extLst>
+              <a:ext uri="{FF2B5EF4-FFF2-40B4-BE49-F238E27FC236}">
+                <a16:creationId xmlns:a16="http://schemas.microsoft.com/office/drawing/2014/main" id="{00430103-CBD6-B86F-4430-CC36C0B672A7}"/>
+              </a:ext>
+            </a:extLst>
+          </p:cNvPr>
+          <p:cNvGrpSpPr/>
+          <p:nvPr/>
+        </p:nvGrpSpPr>
+        <p:grpSpPr>
+          <a:xfrm>
+            <a:off x="894736" y="2649796"/>
+            <a:ext cx="363793" cy="462116"/>
+            <a:chOff x="894736" y="2649796"/>
+            <a:chExt cx="363793" cy="462116"/>
+          </a:xfrm>
+        </p:grpSpPr>
+        <p:sp>
+          <p:nvSpPr>
+            <p:cNvPr id="7" name="Rectangle 6">
+              <a:extLst>
+                <a:ext uri="{FF2B5EF4-FFF2-40B4-BE49-F238E27FC236}">
+                  <a16:creationId xmlns:a16="http://schemas.microsoft.com/office/drawing/2014/main" id="{553A7A8E-094E-4A91-0A58-48F6A19C9D9B}"/>
+                </a:ext>
+              </a:extLst>
+            </p:cNvPr>
+            <p:cNvSpPr/>
+            <p:nvPr/>
+          </p:nvSpPr>
+          <p:spPr>
+            <a:xfrm>
+              <a:off x="894736" y="2649796"/>
+              <a:ext cx="363793" cy="462116"/>
+            </a:xfrm>
+            <a:prstGeom prst="rect">
+              <a:avLst/>
+            </a:prstGeom>
+            <a:solidFill>
+              <a:schemeClr val="bg2"/>
+            </a:solidFill>
+          </p:spPr>
+          <p:style>
+            <a:lnRef idx="2">
+              <a:schemeClr val="accent1">
+                <a:shade val="15000"/>
+              </a:schemeClr>
+            </a:lnRef>
+            <a:fillRef idx="1">
+              <a:schemeClr val="accent1"/>
+            </a:fillRef>
+            <a:effectRef idx="0">
+              <a:schemeClr val="accent1"/>
+            </a:effectRef>
+            <a:fontRef idx="minor">
+              <a:schemeClr val="lt1"/>
+            </a:fontRef>
+          </p:style>
+          <p:txBody>
+            <a:bodyPr rtlCol="0" anchor="ctr"/>
+            <a:lstStyle/>
+            <a:p>
+              <a:pPr algn="ctr"/>
+              <a:endParaRPr lang="en-ZA"/>
+            </a:p>
+          </p:txBody>
+        </p:sp>
+        <p:sp>
+          <p:nvSpPr>
+            <p:cNvPr id="10" name="Rectangle 9">
+              <a:extLst>
+                <a:ext uri="{FF2B5EF4-FFF2-40B4-BE49-F238E27FC236}">
+                  <a16:creationId xmlns:a16="http://schemas.microsoft.com/office/drawing/2014/main" id="{F602A0DA-6F5C-9EC3-20C9-A9EA8F81BEBE}"/>
+                </a:ext>
+              </a:extLst>
+            </p:cNvPr>
+            <p:cNvSpPr/>
+            <p:nvPr/>
+          </p:nvSpPr>
+          <p:spPr>
+            <a:xfrm>
+              <a:off x="894736" y="2649796"/>
+              <a:ext cx="126774" cy="462116"/>
+            </a:xfrm>
+            <a:prstGeom prst="rect">
+              <a:avLst/>
+            </a:prstGeom>
+            <a:solidFill>
+              <a:srgbClr val="FFCC00"/>
+            </a:solidFill>
+          </p:spPr>
+          <p:style>
+            <a:lnRef idx="2">
+              <a:schemeClr val="accent1">
+                <a:shade val="15000"/>
+              </a:schemeClr>
+            </a:lnRef>
+            <a:fillRef idx="1">
+              <a:schemeClr val="accent1"/>
+            </a:fillRef>
+            <a:effectRef idx="0">
+              <a:schemeClr val="accent1"/>
+            </a:effectRef>
+            <a:fontRef idx="minor">
+              <a:schemeClr val="lt1"/>
+            </a:fontRef>
+          </p:style>
+          <p:txBody>
+            <a:bodyPr rtlCol="0" anchor="ctr"/>
+            <a:lstStyle/>
+            <a:p>
+              <a:pPr algn="ctr"/>
+              <a:endParaRPr lang="en-ZA"/>
+            </a:p>
+          </p:txBody>
+        </p:sp>
+        <p:sp>
+          <p:nvSpPr>
+            <p:cNvPr id="11" name="Rectangle 10">
+              <a:extLst>
+                <a:ext uri="{FF2B5EF4-FFF2-40B4-BE49-F238E27FC236}">
+                  <a16:creationId xmlns:a16="http://schemas.microsoft.com/office/drawing/2014/main" id="{12C6FAC8-1A93-B22F-4A44-828E0B7C7CE0}"/>
+                </a:ext>
+              </a:extLst>
+            </p:cNvPr>
+            <p:cNvSpPr/>
+            <p:nvPr/>
+          </p:nvSpPr>
+          <p:spPr>
+            <a:xfrm>
+              <a:off x="1131755" y="2649796"/>
+              <a:ext cx="126774" cy="462116"/>
+            </a:xfrm>
+            <a:prstGeom prst="rect">
+              <a:avLst/>
+            </a:prstGeom>
+            <a:solidFill>
+              <a:srgbClr val="FFCC00"/>
+            </a:solidFill>
+          </p:spPr>
+          <p:style>
+            <a:lnRef idx="2">
+              <a:schemeClr val="accent1">
+                <a:shade val="15000"/>
+              </a:schemeClr>
+            </a:lnRef>
+            <a:fillRef idx="1">
+              <a:schemeClr val="accent1"/>
+            </a:fillRef>
+            <a:effectRef idx="0">
+              <a:schemeClr val="accent1"/>
+            </a:effectRef>
+            <a:fontRef idx="minor">
+              <a:schemeClr val="lt1"/>
+            </a:fontRef>
+          </p:style>
+          <p:txBody>
+            <a:bodyPr rtlCol="0" anchor="ctr"/>
+            <a:lstStyle/>
+            <a:p>
+              <a:pPr algn="ctr"/>
+              <a:endParaRPr lang="en-ZA"/>
+            </a:p>
+          </p:txBody>
+        </p:sp>
+      </p:grpSp>
+      <p:grpSp>
+        <p:nvGrpSpPr>
+          <p:cNvPr id="13" name="Group 12">
+            <a:extLst>
+              <a:ext uri="{FF2B5EF4-FFF2-40B4-BE49-F238E27FC236}">
+                <a16:creationId xmlns:a16="http://schemas.microsoft.com/office/drawing/2014/main" id="{C015ADCF-5316-D230-F476-458AF6117BFA}"/>
+              </a:ext>
+            </a:extLst>
+          </p:cNvPr>
+          <p:cNvGrpSpPr/>
+          <p:nvPr/>
+        </p:nvGrpSpPr>
+        <p:grpSpPr>
+          <a:xfrm>
+            <a:off x="2772696" y="2649796"/>
+            <a:ext cx="363793" cy="462116"/>
+            <a:chOff x="894736" y="2649796"/>
+            <a:chExt cx="363793" cy="462116"/>
+          </a:xfrm>
+        </p:grpSpPr>
+        <p:sp>
+          <p:nvSpPr>
+            <p:cNvPr id="14" name="Rectangle 13">
+              <a:extLst>
+                <a:ext uri="{FF2B5EF4-FFF2-40B4-BE49-F238E27FC236}">
+                  <a16:creationId xmlns:a16="http://schemas.microsoft.com/office/drawing/2014/main" id="{E916C9A8-40EB-860F-9DC5-38C1B71FFF05}"/>
+                </a:ext>
+              </a:extLst>
+            </p:cNvPr>
+            <p:cNvSpPr/>
+            <p:nvPr/>
+          </p:nvSpPr>
+          <p:spPr>
+            <a:xfrm>
+              <a:off x="894736" y="2649796"/>
+              <a:ext cx="363793" cy="462116"/>
+            </a:xfrm>
+            <a:prstGeom prst="rect">
+              <a:avLst/>
+            </a:prstGeom>
+            <a:solidFill>
+              <a:schemeClr val="bg2"/>
+            </a:solidFill>
+          </p:spPr>
+          <p:style>
+            <a:lnRef idx="2">
+              <a:schemeClr val="accent1">
+                <a:shade val="15000"/>
+              </a:schemeClr>
+            </a:lnRef>
+            <a:fillRef idx="1">
+              <a:schemeClr val="accent1"/>
+            </a:fillRef>
+            <a:effectRef idx="0">
+              <a:schemeClr val="accent1"/>
+            </a:effectRef>
+            <a:fontRef idx="minor">
+              <a:schemeClr val="lt1"/>
+            </a:fontRef>
+          </p:style>
+          <p:txBody>
+            <a:bodyPr rtlCol="0" anchor="ctr"/>
+            <a:lstStyle/>
+            <a:p>
+              <a:pPr algn="ctr"/>
+              <a:endParaRPr lang="en-ZA"/>
+            </a:p>
+          </p:txBody>
+        </p:sp>
+        <p:sp>
+          <p:nvSpPr>
+            <p:cNvPr id="15" name="Rectangle 14">
+              <a:extLst>
+                <a:ext uri="{FF2B5EF4-FFF2-40B4-BE49-F238E27FC236}">
+                  <a16:creationId xmlns:a16="http://schemas.microsoft.com/office/drawing/2014/main" id="{087FA9B0-520B-55BF-7FE4-D7AB72E83BDD}"/>
+                </a:ext>
+              </a:extLst>
+            </p:cNvPr>
+            <p:cNvSpPr/>
+            <p:nvPr/>
+          </p:nvSpPr>
+          <p:spPr>
+            <a:xfrm>
+              <a:off x="894736" y="2649796"/>
+              <a:ext cx="126774" cy="462116"/>
+            </a:xfrm>
+            <a:prstGeom prst="rect">
+              <a:avLst/>
+            </a:prstGeom>
+            <a:solidFill>
+              <a:srgbClr val="FFCC00"/>
+            </a:solidFill>
+          </p:spPr>
+          <p:style>
+            <a:lnRef idx="2">
+              <a:schemeClr val="accent1">
+                <a:shade val="15000"/>
+              </a:schemeClr>
+            </a:lnRef>
+            <a:fillRef idx="1">
+              <a:schemeClr val="accent1"/>
+            </a:fillRef>
+            <a:effectRef idx="0">
+              <a:schemeClr val="accent1"/>
+            </a:effectRef>
+            <a:fontRef idx="minor">
+              <a:schemeClr val="lt1"/>
+            </a:fontRef>
+          </p:style>
+          <p:txBody>
+            <a:bodyPr rtlCol="0" anchor="ctr"/>
+            <a:lstStyle/>
+            <a:p>
+              <a:pPr algn="ctr"/>
+              <a:endParaRPr lang="en-ZA"/>
+            </a:p>
+          </p:txBody>
+        </p:sp>
+        <p:sp>
+          <p:nvSpPr>
+            <p:cNvPr id="16" name="Rectangle 15">
+              <a:extLst>
+                <a:ext uri="{FF2B5EF4-FFF2-40B4-BE49-F238E27FC236}">
+                  <a16:creationId xmlns:a16="http://schemas.microsoft.com/office/drawing/2014/main" id="{4C90CAD8-8441-97FF-5647-EA35CBB027CE}"/>
+                </a:ext>
+              </a:extLst>
+            </p:cNvPr>
+            <p:cNvSpPr/>
+            <p:nvPr/>
+          </p:nvSpPr>
+          <p:spPr>
+            <a:xfrm>
+              <a:off x="1131755" y="2649796"/>
+              <a:ext cx="126774" cy="462116"/>
+            </a:xfrm>
+            <a:prstGeom prst="rect">
+              <a:avLst/>
+            </a:prstGeom>
+            <a:solidFill>
+              <a:srgbClr val="FFCC00"/>
+            </a:solidFill>
+          </p:spPr>
+          <p:style>
+            <a:lnRef idx="2">
+              <a:schemeClr val="accent1">
+                <a:shade val="15000"/>
+              </a:schemeClr>
+            </a:lnRef>
+            <a:fillRef idx="1">
+              <a:schemeClr val="accent1"/>
+            </a:fillRef>
+            <a:effectRef idx="0">
+              <a:schemeClr val="accent1"/>
+            </a:effectRef>
+            <a:fontRef idx="minor">
+              <a:schemeClr val="lt1"/>
+            </a:fontRef>
+          </p:style>
+          <p:txBody>
+            <a:bodyPr rtlCol="0" anchor="ctr"/>
+            <a:lstStyle/>
+            <a:p>
+              <a:pPr algn="ctr"/>
+              <a:endParaRPr lang="en-ZA"/>
+            </a:p>
+          </p:txBody>
+        </p:sp>
+      </p:grpSp>
+      <p:grpSp>
+        <p:nvGrpSpPr>
+          <p:cNvPr id="17" name="Group 16">
+            <a:extLst>
+              <a:ext uri="{FF2B5EF4-FFF2-40B4-BE49-F238E27FC236}">
+                <a16:creationId xmlns:a16="http://schemas.microsoft.com/office/drawing/2014/main" id="{FA99DEB0-D0C6-6247-9908-21F5C8528793}"/>
+              </a:ext>
+            </a:extLst>
+          </p:cNvPr>
+          <p:cNvGrpSpPr/>
+          <p:nvPr/>
+        </p:nvGrpSpPr>
+        <p:grpSpPr>
+          <a:xfrm>
+            <a:off x="6429425" y="2649796"/>
+            <a:ext cx="363793" cy="462116"/>
+            <a:chOff x="894736" y="2649796"/>
+            <a:chExt cx="363793" cy="462116"/>
+          </a:xfrm>
+        </p:grpSpPr>
+        <p:sp>
+          <p:nvSpPr>
+            <p:cNvPr id="18" name="Rectangle 17">
+              <a:extLst>
+                <a:ext uri="{FF2B5EF4-FFF2-40B4-BE49-F238E27FC236}">
+                  <a16:creationId xmlns:a16="http://schemas.microsoft.com/office/drawing/2014/main" id="{5976EC59-93E2-E6CC-7AA7-E8055A625648}"/>
+                </a:ext>
+              </a:extLst>
+            </p:cNvPr>
+            <p:cNvSpPr/>
+            <p:nvPr/>
+          </p:nvSpPr>
+          <p:spPr>
+            <a:xfrm>
+              <a:off x="894736" y="2649796"/>
+              <a:ext cx="363793" cy="462116"/>
+            </a:xfrm>
+            <a:prstGeom prst="rect">
+              <a:avLst/>
+            </a:prstGeom>
+            <a:solidFill>
+              <a:schemeClr val="bg2"/>
+            </a:solidFill>
+          </p:spPr>
+          <p:style>
+            <a:lnRef idx="2">
+              <a:schemeClr val="accent1">
+                <a:shade val="15000"/>
+              </a:schemeClr>
+            </a:lnRef>
+            <a:fillRef idx="1">
+              <a:schemeClr val="accent1"/>
+            </a:fillRef>
+            <a:effectRef idx="0">
+              <a:schemeClr val="accent1"/>
+            </a:effectRef>
+            <a:fontRef idx="minor">
+              <a:schemeClr val="lt1"/>
+            </a:fontRef>
+          </p:style>
+          <p:txBody>
+            <a:bodyPr rtlCol="0" anchor="ctr"/>
+            <a:lstStyle/>
+            <a:p>
+              <a:pPr algn="ctr"/>
+              <a:endParaRPr lang="en-ZA"/>
+            </a:p>
+          </p:txBody>
+        </p:sp>
+        <p:sp>
+          <p:nvSpPr>
+            <p:cNvPr id="19" name="Rectangle 18">
+              <a:extLst>
+                <a:ext uri="{FF2B5EF4-FFF2-40B4-BE49-F238E27FC236}">
+                  <a16:creationId xmlns:a16="http://schemas.microsoft.com/office/drawing/2014/main" id="{B1B1BD8A-2B19-001C-C5C2-563DBD80140E}"/>
+                </a:ext>
+              </a:extLst>
+            </p:cNvPr>
+            <p:cNvSpPr/>
+            <p:nvPr/>
+          </p:nvSpPr>
+          <p:spPr>
+            <a:xfrm>
+              <a:off x="894736" y="2649796"/>
+              <a:ext cx="126774" cy="462116"/>
+            </a:xfrm>
+            <a:prstGeom prst="rect">
+              <a:avLst/>
+            </a:prstGeom>
+            <a:solidFill>
+              <a:srgbClr val="FFCC00"/>
+            </a:solidFill>
+          </p:spPr>
+          <p:style>
+            <a:lnRef idx="2">
+              <a:schemeClr val="accent1">
+                <a:shade val="15000"/>
+              </a:schemeClr>
+            </a:lnRef>
+            <a:fillRef idx="1">
+              <a:schemeClr val="accent1"/>
+            </a:fillRef>
+            <a:effectRef idx="0">
+              <a:schemeClr val="accent1"/>
+            </a:effectRef>
+            <a:fontRef idx="minor">
+              <a:schemeClr val="lt1"/>
+            </a:fontRef>
+          </p:style>
+          <p:txBody>
+            <a:bodyPr rtlCol="0" anchor="ctr"/>
+            <a:lstStyle/>
+            <a:p>
+              <a:pPr algn="ctr"/>
+              <a:endParaRPr lang="en-ZA"/>
+            </a:p>
+          </p:txBody>
+        </p:sp>
+        <p:sp>
+          <p:nvSpPr>
+            <p:cNvPr id="20" name="Rectangle 19">
+              <a:extLst>
+                <a:ext uri="{FF2B5EF4-FFF2-40B4-BE49-F238E27FC236}">
+                  <a16:creationId xmlns:a16="http://schemas.microsoft.com/office/drawing/2014/main" id="{41FD6467-1340-22E6-72EB-F1B0BEC6350C}"/>
+                </a:ext>
+              </a:extLst>
+            </p:cNvPr>
+            <p:cNvSpPr/>
+            <p:nvPr/>
+          </p:nvSpPr>
+          <p:spPr>
+            <a:xfrm>
+              <a:off x="1131755" y="2649796"/>
+              <a:ext cx="126774" cy="462116"/>
+            </a:xfrm>
+            <a:prstGeom prst="rect">
+              <a:avLst/>
+            </a:prstGeom>
+            <a:solidFill>
+              <a:srgbClr val="FFCC00"/>
+            </a:solidFill>
+          </p:spPr>
+          <p:style>
+            <a:lnRef idx="2">
+              <a:schemeClr val="accent1">
+                <a:shade val="15000"/>
+              </a:schemeClr>
+            </a:lnRef>
+            <a:fillRef idx="1">
+              <a:schemeClr val="accent1"/>
+            </a:fillRef>
+            <a:effectRef idx="0">
+              <a:schemeClr val="accent1"/>
+            </a:effectRef>
+            <a:fontRef idx="minor">
+              <a:schemeClr val="lt1"/>
+            </a:fontRef>
+          </p:style>
+          <p:txBody>
+            <a:bodyPr rtlCol="0" anchor="ctr"/>
+            <a:lstStyle/>
+            <a:p>
+              <a:pPr algn="ctr"/>
+              <a:endParaRPr lang="en-ZA"/>
+            </a:p>
+          </p:txBody>
+        </p:sp>
+      </p:grpSp>
+      <p:grpSp>
+        <p:nvGrpSpPr>
+          <p:cNvPr id="21" name="Group 20">
+            <a:extLst>
+              <a:ext uri="{FF2B5EF4-FFF2-40B4-BE49-F238E27FC236}">
+                <a16:creationId xmlns:a16="http://schemas.microsoft.com/office/drawing/2014/main" id="{D1815718-CB12-25B7-B213-56422D1F8190}"/>
+              </a:ext>
+            </a:extLst>
+          </p:cNvPr>
+          <p:cNvGrpSpPr/>
+          <p:nvPr/>
+        </p:nvGrpSpPr>
+        <p:grpSpPr>
+          <a:xfrm>
+            <a:off x="4616861" y="2663071"/>
+            <a:ext cx="363793" cy="462116"/>
+            <a:chOff x="894736" y="2649796"/>
+            <a:chExt cx="363793" cy="462116"/>
+          </a:xfrm>
+        </p:grpSpPr>
+        <p:sp>
+          <p:nvSpPr>
+            <p:cNvPr id="22" name="Rectangle 21">
+              <a:extLst>
+                <a:ext uri="{FF2B5EF4-FFF2-40B4-BE49-F238E27FC236}">
+                  <a16:creationId xmlns:a16="http://schemas.microsoft.com/office/drawing/2014/main" id="{92449BAD-EE16-4E51-CC5D-AA2E3CF0EAEE}"/>
+                </a:ext>
+              </a:extLst>
+            </p:cNvPr>
+            <p:cNvSpPr/>
+            <p:nvPr/>
+          </p:nvSpPr>
+          <p:spPr>
+            <a:xfrm>
+              <a:off x="894736" y="2649796"/>
+              <a:ext cx="363793" cy="462116"/>
+            </a:xfrm>
+            <a:prstGeom prst="rect">
+              <a:avLst/>
+            </a:prstGeom>
+            <a:solidFill>
+              <a:schemeClr val="bg2"/>
+            </a:solidFill>
+          </p:spPr>
+          <p:style>
+            <a:lnRef idx="2">
+              <a:schemeClr val="accent1">
+                <a:shade val="15000"/>
+              </a:schemeClr>
+            </a:lnRef>
+            <a:fillRef idx="1">
+              <a:schemeClr val="accent1"/>
+            </a:fillRef>
+            <a:effectRef idx="0">
+              <a:schemeClr val="accent1"/>
+            </a:effectRef>
+            <a:fontRef idx="minor">
+              <a:schemeClr val="lt1"/>
+            </a:fontRef>
+          </p:style>
+          <p:txBody>
+            <a:bodyPr rtlCol="0" anchor="ctr"/>
+            <a:lstStyle/>
+            <a:p>
+              <a:pPr algn="ctr"/>
+              <a:endParaRPr lang="en-ZA"/>
+            </a:p>
+          </p:txBody>
+        </p:sp>
+        <p:sp>
+          <p:nvSpPr>
+            <p:cNvPr id="23" name="Rectangle 22">
+              <a:extLst>
+                <a:ext uri="{FF2B5EF4-FFF2-40B4-BE49-F238E27FC236}">
+                  <a16:creationId xmlns:a16="http://schemas.microsoft.com/office/drawing/2014/main" id="{35DF5083-6073-8803-5245-D16D80DEA60E}"/>
+                </a:ext>
+              </a:extLst>
+            </p:cNvPr>
+            <p:cNvSpPr/>
+            <p:nvPr/>
+          </p:nvSpPr>
+          <p:spPr>
+            <a:xfrm>
+              <a:off x="894736" y="2649796"/>
+              <a:ext cx="126774" cy="462116"/>
+            </a:xfrm>
+            <a:prstGeom prst="rect">
+              <a:avLst/>
+            </a:prstGeom>
+            <a:solidFill>
+              <a:srgbClr val="FFCC00"/>
+            </a:solidFill>
+          </p:spPr>
+          <p:style>
+            <a:lnRef idx="2">
+              <a:schemeClr val="accent1">
+                <a:shade val="15000"/>
+              </a:schemeClr>
+            </a:lnRef>
+            <a:fillRef idx="1">
+              <a:schemeClr val="accent1"/>
+            </a:fillRef>
+            <a:effectRef idx="0">
+              <a:schemeClr val="accent1"/>
+            </a:effectRef>
+            <a:fontRef idx="minor">
+              <a:schemeClr val="lt1"/>
+            </a:fontRef>
+          </p:style>
+          <p:txBody>
+            <a:bodyPr rtlCol="0" anchor="ctr"/>
+            <a:lstStyle/>
+            <a:p>
+              <a:pPr algn="ctr"/>
+              <a:endParaRPr lang="en-ZA"/>
+            </a:p>
+          </p:txBody>
+        </p:sp>
+        <p:sp>
+          <p:nvSpPr>
+            <p:cNvPr id="24" name="Rectangle 23">
+              <a:extLst>
+                <a:ext uri="{FF2B5EF4-FFF2-40B4-BE49-F238E27FC236}">
+                  <a16:creationId xmlns:a16="http://schemas.microsoft.com/office/drawing/2014/main" id="{2291EE96-2CEA-02EA-BE23-02FBF2ED43A4}"/>
+                </a:ext>
+              </a:extLst>
+            </p:cNvPr>
+            <p:cNvSpPr/>
+            <p:nvPr/>
+          </p:nvSpPr>
+          <p:spPr>
+            <a:xfrm>
+              <a:off x="1131755" y="2649796"/>
+              <a:ext cx="126774" cy="462116"/>
+            </a:xfrm>
+            <a:prstGeom prst="rect">
+              <a:avLst/>
+            </a:prstGeom>
+            <a:solidFill>
+              <a:srgbClr val="FFCC00"/>
+            </a:solidFill>
+          </p:spPr>
+          <p:style>
+            <a:lnRef idx="2">
+              <a:schemeClr val="accent1">
+                <a:shade val="15000"/>
+              </a:schemeClr>
+            </a:lnRef>
+            <a:fillRef idx="1">
+              <a:schemeClr val="accent1"/>
+            </a:fillRef>
+            <a:effectRef idx="0">
+              <a:schemeClr val="accent1"/>
+            </a:effectRef>
+            <a:fontRef idx="minor">
+              <a:schemeClr val="lt1"/>
+            </a:fontRef>
+          </p:style>
+          <p:txBody>
+            <a:bodyPr rtlCol="0" anchor="ctr"/>
+            <a:lstStyle/>
+            <a:p>
+              <a:pPr algn="ctr"/>
+              <a:endParaRPr lang="en-ZA"/>
+            </a:p>
+          </p:txBody>
+        </p:sp>
+      </p:grpSp>
+      <p:grpSp>
+        <p:nvGrpSpPr>
+          <p:cNvPr id="25" name="Group 24">
+            <a:extLst>
+              <a:ext uri="{FF2B5EF4-FFF2-40B4-BE49-F238E27FC236}">
+                <a16:creationId xmlns:a16="http://schemas.microsoft.com/office/drawing/2014/main" id="{DE6C958E-DB2A-A077-7E99-21582AD2F9A6}"/>
+              </a:ext>
+            </a:extLst>
+          </p:cNvPr>
+          <p:cNvGrpSpPr/>
+          <p:nvPr/>
+        </p:nvGrpSpPr>
+        <p:grpSpPr>
+          <a:xfrm>
+            <a:off x="11195734" y="2644877"/>
+            <a:ext cx="363793" cy="462116"/>
+            <a:chOff x="894736" y="2649796"/>
+            <a:chExt cx="363793" cy="462116"/>
+          </a:xfrm>
+        </p:grpSpPr>
+        <p:sp>
+          <p:nvSpPr>
+            <p:cNvPr id="26" name="Rectangle 25">
+              <a:extLst>
+                <a:ext uri="{FF2B5EF4-FFF2-40B4-BE49-F238E27FC236}">
+                  <a16:creationId xmlns:a16="http://schemas.microsoft.com/office/drawing/2014/main" id="{DA35123A-015D-FBAC-27BB-20B45814D7AF}"/>
+                </a:ext>
+              </a:extLst>
+            </p:cNvPr>
+            <p:cNvSpPr/>
+            <p:nvPr/>
+          </p:nvSpPr>
+          <p:spPr>
+            <a:xfrm>
+              <a:off x="894736" y="2649796"/>
+              <a:ext cx="363793" cy="462116"/>
+            </a:xfrm>
+            <a:prstGeom prst="rect">
+              <a:avLst/>
+            </a:prstGeom>
+            <a:solidFill>
+              <a:schemeClr val="bg2"/>
+            </a:solidFill>
+          </p:spPr>
+          <p:style>
+            <a:lnRef idx="2">
+              <a:schemeClr val="accent1">
+                <a:shade val="15000"/>
+              </a:schemeClr>
+            </a:lnRef>
+            <a:fillRef idx="1">
+              <a:schemeClr val="accent1"/>
+            </a:fillRef>
+            <a:effectRef idx="0">
+              <a:schemeClr val="accent1"/>
+            </a:effectRef>
+            <a:fontRef idx="minor">
+              <a:schemeClr val="lt1"/>
+            </a:fontRef>
+          </p:style>
+          <p:txBody>
+            <a:bodyPr rtlCol="0" anchor="ctr"/>
+            <a:lstStyle/>
+            <a:p>
+              <a:pPr algn="ctr"/>
+              <a:endParaRPr lang="en-ZA"/>
+            </a:p>
+          </p:txBody>
+        </p:sp>
+        <p:sp>
+          <p:nvSpPr>
+            <p:cNvPr id="27" name="Rectangle 26">
+              <a:extLst>
+                <a:ext uri="{FF2B5EF4-FFF2-40B4-BE49-F238E27FC236}">
+                  <a16:creationId xmlns:a16="http://schemas.microsoft.com/office/drawing/2014/main" id="{92307304-7B00-90EF-3E00-2A7C11B7CE33}"/>
+                </a:ext>
+              </a:extLst>
+            </p:cNvPr>
+            <p:cNvSpPr/>
+            <p:nvPr/>
+          </p:nvSpPr>
+          <p:spPr>
+            <a:xfrm>
+              <a:off x="894736" y="2649796"/>
+              <a:ext cx="126774" cy="462116"/>
+            </a:xfrm>
+            <a:prstGeom prst="rect">
+              <a:avLst/>
+            </a:prstGeom>
+            <a:solidFill>
+              <a:srgbClr val="FFCC00"/>
+            </a:solidFill>
+          </p:spPr>
+          <p:style>
+            <a:lnRef idx="2">
+              <a:schemeClr val="accent1">
+                <a:shade val="15000"/>
+              </a:schemeClr>
+            </a:lnRef>
+            <a:fillRef idx="1">
+              <a:schemeClr val="accent1"/>
+            </a:fillRef>
+            <a:effectRef idx="0">
+              <a:schemeClr val="accent1"/>
+            </a:effectRef>
+            <a:fontRef idx="minor">
+              <a:schemeClr val="lt1"/>
+            </a:fontRef>
+          </p:style>
+          <p:txBody>
+            <a:bodyPr rtlCol="0" anchor="ctr"/>
+            <a:lstStyle/>
+            <a:p>
+              <a:pPr algn="ctr"/>
+              <a:endParaRPr lang="en-ZA"/>
+            </a:p>
+          </p:txBody>
+        </p:sp>
+        <p:sp>
+          <p:nvSpPr>
+            <p:cNvPr id="28" name="Rectangle 27">
+              <a:extLst>
+                <a:ext uri="{FF2B5EF4-FFF2-40B4-BE49-F238E27FC236}">
+                  <a16:creationId xmlns:a16="http://schemas.microsoft.com/office/drawing/2014/main" id="{2FE0F3F3-D0EF-3754-5E4C-54FCC000B659}"/>
+                </a:ext>
+              </a:extLst>
+            </p:cNvPr>
+            <p:cNvSpPr/>
+            <p:nvPr/>
+          </p:nvSpPr>
+          <p:spPr>
+            <a:xfrm>
+              <a:off x="1131755" y="2649796"/>
+              <a:ext cx="126774" cy="462116"/>
+            </a:xfrm>
+            <a:prstGeom prst="rect">
+              <a:avLst/>
+            </a:prstGeom>
+            <a:solidFill>
+              <a:srgbClr val="FFCC00"/>
+            </a:solidFill>
+          </p:spPr>
+          <p:style>
+            <a:lnRef idx="2">
+              <a:schemeClr val="accent1">
+                <a:shade val="15000"/>
+              </a:schemeClr>
+            </a:lnRef>
+            <a:fillRef idx="1">
+              <a:schemeClr val="accent1"/>
+            </a:fillRef>
+            <a:effectRef idx="0">
+              <a:schemeClr val="accent1"/>
+            </a:effectRef>
+            <a:fontRef idx="minor">
+              <a:schemeClr val="lt1"/>
+            </a:fontRef>
+          </p:style>
+          <p:txBody>
+            <a:bodyPr rtlCol="0" anchor="ctr"/>
+            <a:lstStyle/>
+            <a:p>
+              <a:pPr algn="ctr"/>
+              <a:endParaRPr lang="en-ZA"/>
+            </a:p>
+          </p:txBody>
+        </p:sp>
+      </p:grpSp>
+      <p:grpSp>
+        <p:nvGrpSpPr>
+          <p:cNvPr id="29" name="Group 28">
+            <a:extLst>
+              <a:ext uri="{FF2B5EF4-FFF2-40B4-BE49-F238E27FC236}">
+                <a16:creationId xmlns:a16="http://schemas.microsoft.com/office/drawing/2014/main" id="{B38FBDDC-A3EE-7360-BFED-B8E274D728B4}"/>
+              </a:ext>
+            </a:extLst>
+          </p:cNvPr>
+          <p:cNvGrpSpPr/>
+          <p:nvPr/>
+        </p:nvGrpSpPr>
+        <p:grpSpPr>
+          <a:xfrm>
+            <a:off x="11148756" y="3934132"/>
+            <a:ext cx="363793" cy="462116"/>
+            <a:chOff x="894736" y="2649796"/>
+            <a:chExt cx="363793" cy="462116"/>
+          </a:xfrm>
+        </p:grpSpPr>
+        <p:sp>
+          <p:nvSpPr>
+            <p:cNvPr id="30" name="Rectangle 29">
+              <a:extLst>
+                <a:ext uri="{FF2B5EF4-FFF2-40B4-BE49-F238E27FC236}">
+                  <a16:creationId xmlns:a16="http://schemas.microsoft.com/office/drawing/2014/main" id="{EB7CD58F-4609-2B2C-C6CD-F191EA2D90EF}"/>
+                </a:ext>
+              </a:extLst>
+            </p:cNvPr>
+            <p:cNvSpPr/>
+            <p:nvPr/>
+          </p:nvSpPr>
+          <p:spPr>
+            <a:xfrm>
+              <a:off x="894736" y="2649796"/>
+              <a:ext cx="363793" cy="462116"/>
+            </a:xfrm>
+            <a:prstGeom prst="rect">
+              <a:avLst/>
+            </a:prstGeom>
+            <a:solidFill>
+              <a:schemeClr val="bg2"/>
+            </a:solidFill>
+          </p:spPr>
+          <p:style>
+            <a:lnRef idx="2">
+              <a:schemeClr val="accent1">
+                <a:shade val="15000"/>
+              </a:schemeClr>
+            </a:lnRef>
+            <a:fillRef idx="1">
+              <a:schemeClr val="accent1"/>
+            </a:fillRef>
+            <a:effectRef idx="0">
+              <a:schemeClr val="accent1"/>
+            </a:effectRef>
+            <a:fontRef idx="minor">
+              <a:schemeClr val="lt1"/>
+            </a:fontRef>
+          </p:style>
+          <p:txBody>
+            <a:bodyPr rtlCol="0" anchor="ctr"/>
+            <a:lstStyle/>
+            <a:p>
+              <a:pPr algn="ctr"/>
+              <a:endParaRPr lang="en-ZA"/>
+            </a:p>
+          </p:txBody>
+        </p:sp>
+        <p:sp>
+          <p:nvSpPr>
+            <p:cNvPr id="31" name="Rectangle 30">
+              <a:extLst>
+                <a:ext uri="{FF2B5EF4-FFF2-40B4-BE49-F238E27FC236}">
+                  <a16:creationId xmlns:a16="http://schemas.microsoft.com/office/drawing/2014/main" id="{E3223448-F53A-EEBE-8830-8CE49DC75223}"/>
+                </a:ext>
+              </a:extLst>
+            </p:cNvPr>
+            <p:cNvSpPr/>
+            <p:nvPr/>
+          </p:nvSpPr>
+          <p:spPr>
+            <a:xfrm>
+              <a:off x="894736" y="2649796"/>
+              <a:ext cx="126774" cy="462116"/>
+            </a:xfrm>
+            <a:prstGeom prst="rect">
+              <a:avLst/>
+            </a:prstGeom>
+            <a:solidFill>
+              <a:srgbClr val="FFCC00"/>
+            </a:solidFill>
+          </p:spPr>
+          <p:style>
+            <a:lnRef idx="2">
+              <a:schemeClr val="accent1">
+                <a:shade val="15000"/>
+              </a:schemeClr>
+            </a:lnRef>
+            <a:fillRef idx="1">
+              <a:schemeClr val="accent1"/>
+            </a:fillRef>
+            <a:effectRef idx="0">
+              <a:schemeClr val="accent1"/>
+            </a:effectRef>
+            <a:fontRef idx="minor">
+              <a:schemeClr val="lt1"/>
+            </a:fontRef>
+          </p:style>
+          <p:txBody>
+            <a:bodyPr rtlCol="0" anchor="ctr"/>
+            <a:lstStyle/>
+            <a:p>
+              <a:pPr algn="ctr"/>
+              <a:endParaRPr lang="en-ZA"/>
+            </a:p>
+          </p:txBody>
+        </p:sp>
+        <p:sp>
+          <p:nvSpPr>
+            <p:cNvPr id="32" name="Rectangle 31">
+              <a:extLst>
+                <a:ext uri="{FF2B5EF4-FFF2-40B4-BE49-F238E27FC236}">
+                  <a16:creationId xmlns:a16="http://schemas.microsoft.com/office/drawing/2014/main" id="{9363A837-BA6E-10C7-2C28-C7B492C03640}"/>
+                </a:ext>
+              </a:extLst>
+            </p:cNvPr>
+            <p:cNvSpPr/>
+            <p:nvPr/>
+          </p:nvSpPr>
+          <p:spPr>
+            <a:xfrm>
+              <a:off x="1131755" y="2649796"/>
+              <a:ext cx="126774" cy="462116"/>
+            </a:xfrm>
+            <a:prstGeom prst="rect">
+              <a:avLst/>
+            </a:prstGeom>
+            <a:solidFill>
+              <a:srgbClr val="FFCC00"/>
+            </a:solidFill>
+          </p:spPr>
+          <p:style>
+            <a:lnRef idx="2">
+              <a:schemeClr val="accent1">
+                <a:shade val="15000"/>
+              </a:schemeClr>
+            </a:lnRef>
+            <a:fillRef idx="1">
+              <a:schemeClr val="accent1"/>
+            </a:fillRef>
+            <a:effectRef idx="0">
+              <a:schemeClr val="accent1"/>
+            </a:effectRef>
+            <a:fontRef idx="minor">
+              <a:schemeClr val="lt1"/>
+            </a:fontRef>
+          </p:style>
+          <p:txBody>
+            <a:bodyPr rtlCol="0" anchor="ctr"/>
+            <a:lstStyle/>
+            <a:p>
+              <a:pPr algn="ctr"/>
+              <a:endParaRPr lang="en-ZA"/>
+            </a:p>
+          </p:txBody>
+        </p:sp>
+      </p:grpSp>
+      <p:sp>
+        <p:nvSpPr>
+          <p:cNvPr id="33" name="Rectangle 32">
+            <a:extLst>
+              <a:ext uri="{FF2B5EF4-FFF2-40B4-BE49-F238E27FC236}">
+                <a16:creationId xmlns:a16="http://schemas.microsoft.com/office/drawing/2014/main" id="{4A204E32-9C0C-4CFF-71B7-39D5FBF3DB4C}"/>
+              </a:ext>
+            </a:extLst>
+          </p:cNvPr>
+          <p:cNvSpPr/>
+          <p:nvPr/>
+        </p:nvSpPr>
+        <p:spPr>
+          <a:xfrm>
+            <a:off x="1241411" y="5238135"/>
+            <a:ext cx="3688275" cy="462116"/>
+          </a:xfrm>
+          <a:prstGeom prst="rect">
+            <a:avLst/>
+          </a:prstGeom>
+          <a:solidFill>
+            <a:schemeClr val="bg2"/>
+          </a:solidFill>
+        </p:spPr>
+        <p:style>
+          <a:lnRef idx="2">
+            <a:schemeClr val="accent1">
+              <a:shade val="15000"/>
+            </a:schemeClr>
+          </a:lnRef>
+          <a:fillRef idx="1">
+            <a:schemeClr val="accent1"/>
+          </a:fillRef>
+          <a:effectRef idx="0">
+            <a:schemeClr val="accent1"/>
+          </a:effectRef>
+          <a:fontRef idx="minor">
+            <a:schemeClr val="lt1"/>
+          </a:fontRef>
+        </p:style>
+        <p:txBody>
+          <a:bodyPr rtlCol="0" anchor="ctr"/>
+          <a:lstStyle/>
+          <a:p>
+            <a:pPr algn="ctr"/>
+            <a:endParaRPr lang="en-ZA"/>
+          </a:p>
+        </p:txBody>
+      </p:sp>
+      <p:sp>
+        <p:nvSpPr>
+          <p:cNvPr id="34" name="Rectangle 33">
+            <a:extLst>
+              <a:ext uri="{FF2B5EF4-FFF2-40B4-BE49-F238E27FC236}">
+                <a16:creationId xmlns:a16="http://schemas.microsoft.com/office/drawing/2014/main" id="{192B8833-50DA-75D6-0D99-00B203FA77FA}"/>
+              </a:ext>
+            </a:extLst>
+          </p:cNvPr>
+          <p:cNvSpPr/>
+          <p:nvPr/>
+        </p:nvSpPr>
+        <p:spPr>
+          <a:xfrm>
+            <a:off x="5056460" y="2649796"/>
+            <a:ext cx="1289144" cy="462116"/>
+          </a:xfrm>
+          <a:prstGeom prst="rect">
+            <a:avLst/>
+          </a:prstGeom>
+          <a:solidFill>
+            <a:schemeClr val="bg2"/>
+          </a:solidFill>
+        </p:spPr>
+        <p:style>
+          <a:lnRef idx="2">
+            <a:schemeClr val="accent1">
+              <a:shade val="15000"/>
+            </a:schemeClr>
+          </a:lnRef>
+          <a:fillRef idx="1">
+            <a:schemeClr val="accent1"/>
+          </a:fillRef>
+          <a:effectRef idx="0">
+            <a:schemeClr val="accent1"/>
+          </a:effectRef>
+          <a:fontRef idx="minor">
+            <a:schemeClr val="lt1"/>
+          </a:fontRef>
+        </p:style>
+        <p:txBody>
+          <a:bodyPr rtlCol="0" anchor="ctr"/>
+          <a:lstStyle/>
+          <a:p>
+            <a:pPr algn="ctr"/>
+            <a:endParaRPr lang="en-ZA"/>
+          </a:p>
+        </p:txBody>
+      </p:sp>
+      <p:sp>
+        <p:nvSpPr>
+          <p:cNvPr id="35" name="Rectangle 34">
+            <a:extLst>
+              <a:ext uri="{FF2B5EF4-FFF2-40B4-BE49-F238E27FC236}">
+                <a16:creationId xmlns:a16="http://schemas.microsoft.com/office/drawing/2014/main" id="{FB62CF49-7781-1B8A-CAF0-F53AD7A5B2CB}"/>
+              </a:ext>
+            </a:extLst>
+          </p:cNvPr>
+          <p:cNvSpPr/>
+          <p:nvPr/>
+        </p:nvSpPr>
+        <p:spPr>
+          <a:xfrm>
+            <a:off x="1322662" y="3250790"/>
+            <a:ext cx="728644" cy="462116"/>
+          </a:xfrm>
+          <a:prstGeom prst="rect">
+            <a:avLst/>
+          </a:prstGeom>
+          <a:solidFill>
+            <a:schemeClr val="bg2"/>
+          </a:solidFill>
+        </p:spPr>
+        <p:style>
+          <a:lnRef idx="2">
+            <a:schemeClr val="accent1">
+              <a:shade val="15000"/>
+            </a:schemeClr>
+          </a:lnRef>
+          <a:fillRef idx="1">
+            <a:schemeClr val="accent1"/>
+          </a:fillRef>
+          <a:effectRef idx="0">
+            <a:schemeClr val="accent1"/>
+          </a:effectRef>
+          <a:fontRef idx="minor">
+            <a:schemeClr val="lt1"/>
+          </a:fontRef>
+        </p:style>
+        <p:txBody>
+          <a:bodyPr rtlCol="0" anchor="ctr"/>
+          <a:lstStyle/>
+          <a:p>
+            <a:pPr algn="ctr"/>
+            <a:endParaRPr lang="en-ZA"/>
+          </a:p>
+        </p:txBody>
+      </p:sp>
+      <p:sp>
+        <p:nvSpPr>
+          <p:cNvPr id="36" name="Rectangle 35">
+            <a:extLst>
+              <a:ext uri="{FF2B5EF4-FFF2-40B4-BE49-F238E27FC236}">
+                <a16:creationId xmlns:a16="http://schemas.microsoft.com/office/drawing/2014/main" id="{8CA5850F-DFF8-148F-0D60-C71BA97CFEC5}"/>
+              </a:ext>
+            </a:extLst>
+          </p:cNvPr>
+          <p:cNvSpPr/>
+          <p:nvPr/>
+        </p:nvSpPr>
+        <p:spPr>
+          <a:xfrm>
+            <a:off x="7784063" y="2645366"/>
+            <a:ext cx="2397024" cy="462116"/>
+          </a:xfrm>
+          <a:prstGeom prst="rect">
+            <a:avLst/>
+          </a:prstGeom>
+        </p:spPr>
+        <p:style>
+          <a:lnRef idx="2">
+            <a:schemeClr val="accent1">
+              <a:shade val="15000"/>
+            </a:schemeClr>
+          </a:lnRef>
+          <a:fillRef idx="1">
+            <a:schemeClr val="accent1"/>
+          </a:fillRef>
+          <a:effectRef idx="0">
+            <a:schemeClr val="accent1"/>
+          </a:effectRef>
+          <a:fontRef idx="minor">
+            <a:schemeClr val="lt1"/>
+          </a:fontRef>
+        </p:style>
+        <p:txBody>
+          <a:bodyPr rtlCol="0" anchor="ctr"/>
+          <a:lstStyle/>
+          <a:p>
+            <a:pPr algn="ctr"/>
+            <a:endParaRPr lang="en-ZA"/>
+          </a:p>
+        </p:txBody>
+      </p:sp>
+      <p:sp>
+        <p:nvSpPr>
+          <p:cNvPr id="37" name="Rectangle 36">
+            <a:extLst>
+              <a:ext uri="{FF2B5EF4-FFF2-40B4-BE49-F238E27FC236}">
+                <a16:creationId xmlns:a16="http://schemas.microsoft.com/office/drawing/2014/main" id="{4A9CFAA0-3EF4-32B0-B24C-4952F55B5FCE}"/>
+              </a:ext>
+            </a:extLst>
+          </p:cNvPr>
+          <p:cNvSpPr/>
+          <p:nvPr/>
+        </p:nvSpPr>
+        <p:spPr>
+          <a:xfrm>
+            <a:off x="10339423" y="2645366"/>
+            <a:ext cx="728644" cy="462116"/>
+          </a:xfrm>
+          <a:prstGeom prst="rect">
+            <a:avLst/>
+          </a:prstGeom>
+          <a:solidFill>
+            <a:schemeClr val="bg2"/>
+          </a:solidFill>
+        </p:spPr>
+        <p:style>
+          <a:lnRef idx="2">
+            <a:schemeClr val="accent1">
+              <a:shade val="15000"/>
+            </a:schemeClr>
+          </a:lnRef>
+          <a:fillRef idx="1">
+            <a:schemeClr val="accent1"/>
+          </a:fillRef>
+          <a:effectRef idx="0">
+            <a:schemeClr val="accent1"/>
+          </a:effectRef>
+          <a:fontRef idx="minor">
+            <a:schemeClr val="lt1"/>
+          </a:fontRef>
+        </p:style>
+        <p:txBody>
+          <a:bodyPr rtlCol="0" anchor="ctr"/>
+          <a:lstStyle/>
+          <a:p>
+            <a:pPr algn="ctr"/>
+            <a:endParaRPr lang="en-ZA"/>
+          </a:p>
+        </p:txBody>
+      </p:sp>
+      <p:sp>
+        <p:nvSpPr>
+          <p:cNvPr id="38" name="Rectangle 37">
+            <a:extLst>
+              <a:ext uri="{FF2B5EF4-FFF2-40B4-BE49-F238E27FC236}">
+                <a16:creationId xmlns:a16="http://schemas.microsoft.com/office/drawing/2014/main" id="{C0F44617-6B2C-3006-98B6-4642D3459ABF}"/>
+              </a:ext>
+            </a:extLst>
+          </p:cNvPr>
+          <p:cNvSpPr/>
+          <p:nvPr/>
+        </p:nvSpPr>
+        <p:spPr>
+          <a:xfrm>
+            <a:off x="3374312" y="3250790"/>
+            <a:ext cx="363793" cy="462116"/>
+          </a:xfrm>
+          <a:prstGeom prst="rect">
+            <a:avLst/>
+          </a:prstGeom>
+          <a:solidFill>
+            <a:srgbClr val="CC9900"/>
+          </a:solidFill>
+        </p:spPr>
+        <p:style>
+          <a:lnRef idx="2">
+            <a:schemeClr val="accent1">
+              <a:shade val="15000"/>
+            </a:schemeClr>
+          </a:lnRef>
+          <a:fillRef idx="1">
+            <a:schemeClr val="accent1"/>
+          </a:fillRef>
+          <a:effectRef idx="0">
+            <a:schemeClr val="accent1"/>
+          </a:effectRef>
+          <a:fontRef idx="minor">
+            <a:schemeClr val="lt1"/>
+          </a:fontRef>
+        </p:style>
+        <p:txBody>
+          <a:bodyPr rtlCol="0" anchor="ctr"/>
+          <a:lstStyle/>
+          <a:p>
+            <a:pPr algn="ctr"/>
+            <a:endParaRPr lang="en-ZA"/>
+          </a:p>
+        </p:txBody>
+      </p:sp>
+      <p:sp>
+        <p:nvSpPr>
+          <p:cNvPr id="39" name="Rectangle 38">
+            <a:extLst>
+              <a:ext uri="{FF2B5EF4-FFF2-40B4-BE49-F238E27FC236}">
+                <a16:creationId xmlns:a16="http://schemas.microsoft.com/office/drawing/2014/main" id="{B03611D5-254F-4758-3B4E-05D14D01AB64}"/>
+              </a:ext>
+            </a:extLst>
+          </p:cNvPr>
+          <p:cNvSpPr/>
+          <p:nvPr/>
+        </p:nvSpPr>
+        <p:spPr>
+          <a:xfrm>
+            <a:off x="9207009" y="3276599"/>
+            <a:ext cx="363793" cy="462116"/>
+          </a:xfrm>
+          <a:prstGeom prst="rect">
+            <a:avLst/>
+          </a:prstGeom>
+          <a:solidFill>
+            <a:srgbClr val="CC9900"/>
+          </a:solidFill>
+        </p:spPr>
+        <p:style>
+          <a:lnRef idx="2">
+            <a:schemeClr val="accent1">
+              <a:shade val="15000"/>
+            </a:schemeClr>
+          </a:lnRef>
+          <a:fillRef idx="1">
+            <a:schemeClr val="accent1"/>
+          </a:fillRef>
+          <a:effectRef idx="0">
+            <a:schemeClr val="accent1"/>
+          </a:effectRef>
+          <a:fontRef idx="minor">
+            <a:schemeClr val="lt1"/>
+          </a:fontRef>
+        </p:style>
+        <p:txBody>
+          <a:bodyPr rtlCol="0" anchor="ctr"/>
+          <a:lstStyle/>
+          <a:p>
+            <a:pPr algn="ctr"/>
+            <a:endParaRPr lang="en-ZA"/>
+          </a:p>
+        </p:txBody>
+      </p:sp>
+      <p:sp>
+        <p:nvSpPr>
+          <p:cNvPr id="40" name="Rectangle 39">
+            <a:extLst>
+              <a:ext uri="{FF2B5EF4-FFF2-40B4-BE49-F238E27FC236}">
+                <a16:creationId xmlns:a16="http://schemas.microsoft.com/office/drawing/2014/main" id="{80F83852-85DB-08A0-1A1F-176F54D847BE}"/>
+              </a:ext>
+            </a:extLst>
+          </p:cNvPr>
+          <p:cNvSpPr/>
+          <p:nvPr/>
+        </p:nvSpPr>
+        <p:spPr>
+          <a:xfrm>
+            <a:off x="7348928" y="3276599"/>
+            <a:ext cx="363793" cy="462116"/>
+          </a:xfrm>
+          <a:prstGeom prst="rect">
+            <a:avLst/>
+          </a:prstGeom>
+          <a:solidFill>
+            <a:srgbClr val="CC9900"/>
+          </a:solidFill>
+        </p:spPr>
+        <p:style>
+          <a:lnRef idx="2">
+            <a:schemeClr val="accent1">
+              <a:shade val="15000"/>
+            </a:schemeClr>
+          </a:lnRef>
+          <a:fillRef idx="1">
+            <a:schemeClr val="accent1"/>
+          </a:fillRef>
+          <a:effectRef idx="0">
+            <a:schemeClr val="accent1"/>
+          </a:effectRef>
+          <a:fontRef idx="minor">
+            <a:schemeClr val="lt1"/>
+          </a:fontRef>
+        </p:style>
+        <p:txBody>
+          <a:bodyPr rtlCol="0" anchor="ctr"/>
+          <a:lstStyle/>
+          <a:p>
+            <a:pPr algn="ctr"/>
+            <a:endParaRPr lang="en-ZA"/>
+          </a:p>
+        </p:txBody>
+      </p:sp>
+      <p:sp>
+        <p:nvSpPr>
+          <p:cNvPr id="41" name="Rectangle 40">
+            <a:extLst>
+              <a:ext uri="{FF2B5EF4-FFF2-40B4-BE49-F238E27FC236}">
+                <a16:creationId xmlns:a16="http://schemas.microsoft.com/office/drawing/2014/main" id="{B4FBC350-C8DC-4B6E-0204-A8BB56F518F2}"/>
+              </a:ext>
+            </a:extLst>
+          </p:cNvPr>
+          <p:cNvSpPr/>
+          <p:nvPr/>
+        </p:nvSpPr>
+        <p:spPr>
+          <a:xfrm>
+            <a:off x="4616861" y="3256936"/>
+            <a:ext cx="363793" cy="462116"/>
+          </a:xfrm>
+          <a:prstGeom prst="rect">
+            <a:avLst/>
+          </a:prstGeom>
+          <a:solidFill>
+            <a:srgbClr val="CC9900"/>
+          </a:solidFill>
+        </p:spPr>
+        <p:style>
+          <a:lnRef idx="2">
+            <a:schemeClr val="accent1">
+              <a:shade val="15000"/>
+            </a:schemeClr>
+          </a:lnRef>
+          <a:fillRef idx="1">
+            <a:schemeClr val="accent1"/>
+          </a:fillRef>
+          <a:effectRef idx="0">
+            <a:schemeClr val="accent1"/>
+          </a:effectRef>
+          <a:fontRef idx="minor">
+            <a:schemeClr val="lt1"/>
+          </a:fontRef>
+        </p:style>
+        <p:txBody>
+          <a:bodyPr rtlCol="0" anchor="ctr"/>
+          <a:lstStyle/>
+          <a:p>
+            <a:pPr algn="ctr"/>
+            <a:endParaRPr lang="en-ZA"/>
+          </a:p>
+        </p:txBody>
+      </p:sp>
+      <p:sp>
+        <p:nvSpPr>
+          <p:cNvPr id="42" name="Rectangle 41">
+            <a:extLst>
+              <a:ext uri="{FF2B5EF4-FFF2-40B4-BE49-F238E27FC236}">
+                <a16:creationId xmlns:a16="http://schemas.microsoft.com/office/drawing/2014/main" id="{80B76557-FB33-EFBB-23A9-B968ACB7323E}"/>
+              </a:ext>
+            </a:extLst>
+          </p:cNvPr>
+          <p:cNvSpPr/>
+          <p:nvPr/>
+        </p:nvSpPr>
+        <p:spPr>
+          <a:xfrm>
+            <a:off x="2576067" y="3240958"/>
+            <a:ext cx="728644" cy="462116"/>
+          </a:xfrm>
+          <a:prstGeom prst="rect">
+            <a:avLst/>
+          </a:prstGeom>
+          <a:solidFill>
+            <a:schemeClr val="bg2"/>
+          </a:solidFill>
+        </p:spPr>
+        <p:style>
+          <a:lnRef idx="2">
+            <a:schemeClr val="accent1">
+              <a:shade val="15000"/>
+            </a:schemeClr>
+          </a:lnRef>
+          <a:fillRef idx="1">
+            <a:schemeClr val="accent1"/>
+          </a:fillRef>
+          <a:effectRef idx="0">
+            <a:schemeClr val="accent1"/>
+          </a:effectRef>
+          <a:fontRef idx="minor">
+            <a:schemeClr val="lt1"/>
+          </a:fontRef>
+        </p:style>
+        <p:txBody>
+          <a:bodyPr rtlCol="0" anchor="ctr"/>
+          <a:lstStyle/>
+          <a:p>
+            <a:pPr algn="ctr"/>
+            <a:endParaRPr lang="en-ZA"/>
+          </a:p>
+        </p:txBody>
+      </p:sp>
+      <p:sp>
+        <p:nvSpPr>
+          <p:cNvPr id="43" name="Rectangle 42">
+            <a:extLst>
+              <a:ext uri="{FF2B5EF4-FFF2-40B4-BE49-F238E27FC236}">
+                <a16:creationId xmlns:a16="http://schemas.microsoft.com/office/drawing/2014/main" id="{95FAE796-8934-024C-B0D7-A1FCE238DC74}"/>
+              </a:ext>
+            </a:extLst>
+          </p:cNvPr>
+          <p:cNvSpPr/>
+          <p:nvPr/>
+        </p:nvSpPr>
+        <p:spPr>
+          <a:xfrm>
+            <a:off x="3824546" y="3256936"/>
+            <a:ext cx="728644" cy="462116"/>
+          </a:xfrm>
+          <a:prstGeom prst="rect">
+            <a:avLst/>
+          </a:prstGeom>
+          <a:solidFill>
+            <a:schemeClr val="bg2"/>
+          </a:solidFill>
+        </p:spPr>
+        <p:style>
+          <a:lnRef idx="2">
+            <a:schemeClr val="accent1">
+              <a:shade val="15000"/>
+            </a:schemeClr>
+          </a:lnRef>
+          <a:fillRef idx="1">
+            <a:schemeClr val="accent1"/>
+          </a:fillRef>
+          <a:effectRef idx="0">
+            <a:schemeClr val="accent1"/>
+          </a:effectRef>
+          <a:fontRef idx="minor">
+            <a:schemeClr val="lt1"/>
+          </a:fontRef>
+        </p:style>
+        <p:txBody>
+          <a:bodyPr rtlCol="0" anchor="ctr"/>
+          <a:lstStyle/>
+          <a:p>
+            <a:pPr algn="ctr"/>
+            <a:endParaRPr lang="en-ZA"/>
+          </a:p>
+        </p:txBody>
+      </p:sp>
+      <p:sp>
+        <p:nvSpPr>
+          <p:cNvPr id="44" name="Rectangle 43">
+            <a:extLst>
+              <a:ext uri="{FF2B5EF4-FFF2-40B4-BE49-F238E27FC236}">
+                <a16:creationId xmlns:a16="http://schemas.microsoft.com/office/drawing/2014/main" id="{F0CFD826-6B6F-79C5-B2B6-21AA58E75B0D}"/>
+              </a:ext>
+            </a:extLst>
+          </p:cNvPr>
+          <p:cNvSpPr/>
+          <p:nvPr/>
+        </p:nvSpPr>
+        <p:spPr>
+          <a:xfrm>
+            <a:off x="5077137" y="3250790"/>
+            <a:ext cx="447121" cy="462116"/>
+          </a:xfrm>
+          <a:prstGeom prst="rect">
+            <a:avLst/>
+          </a:prstGeom>
+          <a:solidFill>
+            <a:schemeClr val="bg2"/>
+          </a:solidFill>
+        </p:spPr>
+        <p:style>
+          <a:lnRef idx="2">
+            <a:schemeClr val="accent1">
+              <a:shade val="15000"/>
+            </a:schemeClr>
+          </a:lnRef>
+          <a:fillRef idx="1">
+            <a:schemeClr val="accent1"/>
+          </a:fillRef>
+          <a:effectRef idx="0">
+            <a:schemeClr val="accent1"/>
+          </a:effectRef>
+          <a:fontRef idx="minor">
+            <a:schemeClr val="lt1"/>
+          </a:fontRef>
+        </p:style>
+        <p:txBody>
+          <a:bodyPr rtlCol="0" anchor="ctr"/>
+          <a:lstStyle/>
+          <a:p>
+            <a:pPr algn="ctr"/>
+            <a:endParaRPr lang="en-ZA"/>
+          </a:p>
+        </p:txBody>
+      </p:sp>
+      <p:sp>
+        <p:nvSpPr>
+          <p:cNvPr id="45" name="Rectangle 44">
+            <a:extLst>
+              <a:ext uri="{FF2B5EF4-FFF2-40B4-BE49-F238E27FC236}">
+                <a16:creationId xmlns:a16="http://schemas.microsoft.com/office/drawing/2014/main" id="{A9FD8431-480C-5B9C-2731-F641E3665440}"/>
+              </a:ext>
+            </a:extLst>
+          </p:cNvPr>
+          <p:cNvSpPr/>
+          <p:nvPr/>
+        </p:nvSpPr>
+        <p:spPr>
+          <a:xfrm>
+            <a:off x="5610246" y="3250790"/>
+            <a:ext cx="1119585" cy="462116"/>
+          </a:xfrm>
+          <a:prstGeom prst="rect">
+            <a:avLst/>
+          </a:prstGeom>
+        </p:spPr>
+        <p:style>
+          <a:lnRef idx="2">
+            <a:schemeClr val="accent1">
+              <a:shade val="15000"/>
+            </a:schemeClr>
+          </a:lnRef>
+          <a:fillRef idx="1">
+            <a:schemeClr val="accent1"/>
+          </a:fillRef>
+          <a:effectRef idx="0">
+            <a:schemeClr val="accent1"/>
+          </a:effectRef>
+          <a:fontRef idx="minor">
+            <a:schemeClr val="lt1"/>
+          </a:fontRef>
+        </p:style>
+        <p:txBody>
+          <a:bodyPr rtlCol="0" anchor="ctr"/>
+          <a:lstStyle/>
+          <a:p>
+            <a:pPr algn="ctr"/>
+            <a:endParaRPr lang="en-ZA"/>
+          </a:p>
+        </p:txBody>
+      </p:sp>
+      <p:sp>
+        <p:nvSpPr>
+          <p:cNvPr id="46" name="Rectangle 45">
+            <a:extLst>
+              <a:ext uri="{FF2B5EF4-FFF2-40B4-BE49-F238E27FC236}">
+                <a16:creationId xmlns:a16="http://schemas.microsoft.com/office/drawing/2014/main" id="{77BBBF20-4BF8-C2AE-A414-49B2C834DFDD}"/>
+              </a:ext>
+            </a:extLst>
+          </p:cNvPr>
+          <p:cNvSpPr/>
+          <p:nvPr/>
+        </p:nvSpPr>
+        <p:spPr>
+          <a:xfrm>
+            <a:off x="6815819" y="3276599"/>
+            <a:ext cx="447121" cy="462116"/>
+          </a:xfrm>
+          <a:prstGeom prst="rect">
+            <a:avLst/>
+          </a:prstGeom>
+          <a:solidFill>
+            <a:schemeClr val="bg2"/>
+          </a:solidFill>
+        </p:spPr>
+        <p:style>
+          <a:lnRef idx="2">
+            <a:schemeClr val="accent1">
+              <a:shade val="15000"/>
+            </a:schemeClr>
+          </a:lnRef>
+          <a:fillRef idx="1">
+            <a:schemeClr val="accent1"/>
+          </a:fillRef>
+          <a:effectRef idx="0">
+            <a:schemeClr val="accent1"/>
+          </a:effectRef>
+          <a:fontRef idx="minor">
+            <a:schemeClr val="lt1"/>
+          </a:fontRef>
+        </p:style>
+        <p:txBody>
+          <a:bodyPr rtlCol="0" anchor="ctr"/>
+          <a:lstStyle/>
+          <a:p>
+            <a:pPr algn="ctr"/>
+            <a:endParaRPr lang="en-ZA"/>
+          </a:p>
+        </p:txBody>
+      </p:sp>
+      <p:sp>
+        <p:nvSpPr>
+          <p:cNvPr id="47" name="Rectangle 46">
+            <a:extLst>
+              <a:ext uri="{FF2B5EF4-FFF2-40B4-BE49-F238E27FC236}">
+                <a16:creationId xmlns:a16="http://schemas.microsoft.com/office/drawing/2014/main" id="{EEE7BB73-D8B5-9BF7-2679-36C88243608B}"/>
+              </a:ext>
+            </a:extLst>
+          </p:cNvPr>
+          <p:cNvSpPr/>
+          <p:nvPr/>
+        </p:nvSpPr>
+        <p:spPr>
+          <a:xfrm>
+            <a:off x="7815293" y="3276599"/>
+            <a:ext cx="1289144" cy="462116"/>
+          </a:xfrm>
+          <a:prstGeom prst="rect">
+            <a:avLst/>
+          </a:prstGeom>
+          <a:solidFill>
+            <a:schemeClr val="bg2"/>
+          </a:solidFill>
+        </p:spPr>
+        <p:style>
+          <a:lnRef idx="2">
+            <a:schemeClr val="accent1">
+              <a:shade val="15000"/>
+            </a:schemeClr>
+          </a:lnRef>
+          <a:fillRef idx="1">
+            <a:schemeClr val="accent1"/>
+          </a:fillRef>
+          <a:effectRef idx="0">
+            <a:schemeClr val="accent1"/>
+          </a:effectRef>
+          <a:fontRef idx="minor">
+            <a:schemeClr val="lt1"/>
+          </a:fontRef>
+        </p:style>
+        <p:txBody>
+          <a:bodyPr rtlCol="0" anchor="ctr"/>
+          <a:lstStyle/>
+          <a:p>
+            <a:pPr algn="ctr"/>
+            <a:endParaRPr lang="en-ZA"/>
+          </a:p>
+        </p:txBody>
+      </p:sp>
+    </p:spTree>
+    <p:extLst>
+      <p:ext uri="{BB962C8B-B14F-4D97-AF65-F5344CB8AC3E}">
+        <p14:creationId xmlns:p14="http://schemas.microsoft.com/office/powerpoint/2010/main" val="543625315"/>
+      </p:ext>
+    </p:extLst>
+  </p:cSld>
+  <p:clrMapOvr>
+    <a:masterClrMapping/>
+  </p:clrMapOvr>
+</p:sld>
+</file>
+
+<file path=ppt/slides/slide7.xml><?xml version="1.0" encoding="utf-8"?>
+<p:sld xmlns:a="http://schemas.openxmlformats.org/drawingml/2006/main" xmlns:r="http://schemas.openxmlformats.org/officeDocument/2006/relationships" xmlns:p="http://schemas.openxmlformats.org/presentationml/2006/main">
+  <p:cSld>
+    <p:spTree>
+      <p:nvGrpSpPr>
+        <p:cNvPr id="1" name="">
+          <a:extLst>
+            <a:ext uri="{FF2B5EF4-FFF2-40B4-BE49-F238E27FC236}">
+              <a16:creationId xmlns:a16="http://schemas.microsoft.com/office/drawing/2014/main" id="{131572B5-CBE5-CF58-A508-FCD4B2FE9FE5}"/>
+            </a:ext>
+          </a:extLst>
+        </p:cNvPr>
+        <p:cNvGrpSpPr/>
+        <p:nvPr/>
+      </p:nvGrpSpPr>
+      <p:grpSpPr>
+        <a:xfrm>
+          <a:off x="0" y="0"/>
+          <a:ext cx="0" cy="0"/>
+          <a:chOff x="0" y="0"/>
+          <a:chExt cx="0" cy="0"/>
+        </a:xfrm>
+      </p:grpSpPr>
+      <p:grpSp>
+        <p:nvGrpSpPr>
+          <p:cNvPr id="57" name="Group 56">
+            <a:extLst>
+              <a:ext uri="{FF2B5EF4-FFF2-40B4-BE49-F238E27FC236}">
+                <a16:creationId xmlns:a16="http://schemas.microsoft.com/office/drawing/2014/main" id="{B271694E-FB0F-BFF2-F13E-7683802B79F8}"/>
+              </a:ext>
+            </a:extLst>
+          </p:cNvPr>
+          <p:cNvGrpSpPr/>
+          <p:nvPr/>
+        </p:nvGrpSpPr>
+        <p:grpSpPr>
+          <a:xfrm>
+            <a:off x="629265" y="1849009"/>
+            <a:ext cx="9923256" cy="462116"/>
+            <a:chOff x="894736" y="1022556"/>
+            <a:chExt cx="9923256" cy="462116"/>
+          </a:xfrm>
+        </p:grpSpPr>
+        <p:sp>
+          <p:nvSpPr>
+            <p:cNvPr id="4" name="Rectangle 3">
+              <a:extLst>
+                <a:ext uri="{FF2B5EF4-FFF2-40B4-BE49-F238E27FC236}">
+                  <a16:creationId xmlns:a16="http://schemas.microsoft.com/office/drawing/2014/main" id="{0436BDF8-964E-7055-93A6-233B5F20852C}"/>
+                </a:ext>
+              </a:extLst>
+            </p:cNvPr>
+            <p:cNvSpPr/>
+            <p:nvPr/>
+          </p:nvSpPr>
+          <p:spPr>
+            <a:xfrm>
+              <a:off x="894736" y="1022556"/>
+              <a:ext cx="9674942" cy="462116"/>
+            </a:xfrm>
+            <a:prstGeom prst="rect">
+              <a:avLst/>
+            </a:prstGeom>
+            <a:solidFill>
+              <a:srgbClr val="CC9900"/>
+            </a:solidFill>
+          </p:spPr>
+          <p:style>
+            <a:lnRef idx="2">
+              <a:schemeClr val="accent1">
+                <a:shade val="15000"/>
+              </a:schemeClr>
+            </a:lnRef>
+            <a:fillRef idx="1">
+              <a:schemeClr val="accent1"/>
+            </a:fillRef>
+            <a:effectRef idx="0">
+              <a:schemeClr val="accent1"/>
+            </a:effectRef>
+            <a:fontRef idx="minor">
+              <a:schemeClr val="lt1"/>
+            </a:fontRef>
+          </p:style>
+          <p:txBody>
+            <a:bodyPr rtlCol="0" anchor="ctr"/>
+            <a:lstStyle/>
+            <a:p>
+              <a:pPr algn="ctr"/>
+              <a:endParaRPr lang="en-ZA"/>
+            </a:p>
+          </p:txBody>
+        </p:sp>
+        <p:sp>
+          <p:nvSpPr>
+            <p:cNvPr id="5" name="Isosceles Triangle 4">
+              <a:extLst>
+                <a:ext uri="{FF2B5EF4-FFF2-40B4-BE49-F238E27FC236}">
+                  <a16:creationId xmlns:a16="http://schemas.microsoft.com/office/drawing/2014/main" id="{49BA036D-DF8C-1010-BF37-CCDBC7C22353}"/>
+                </a:ext>
+              </a:extLst>
+            </p:cNvPr>
+            <p:cNvSpPr/>
+            <p:nvPr/>
+          </p:nvSpPr>
+          <p:spPr>
+            <a:xfrm rot="5400000">
+              <a:off x="10483418" y="1134920"/>
+              <a:ext cx="433174" cy="235974"/>
+            </a:xfrm>
+            <a:prstGeom prst="triangle">
+              <a:avLst/>
+            </a:prstGeom>
+            <a:solidFill>
+              <a:schemeClr val="tx1"/>
+            </a:solidFill>
+          </p:spPr>
+          <p:style>
+            <a:lnRef idx="2">
+              <a:schemeClr val="accent1">
+                <a:shade val="15000"/>
+              </a:schemeClr>
+            </a:lnRef>
+            <a:fillRef idx="1">
+              <a:schemeClr val="accent1"/>
+            </a:fillRef>
+            <a:effectRef idx="0">
+              <a:schemeClr val="accent1"/>
+            </a:effectRef>
+            <a:fontRef idx="minor">
+              <a:schemeClr val="lt1"/>
+            </a:fontRef>
+          </p:style>
+          <p:txBody>
+            <a:bodyPr rtlCol="0" anchor="ctr"/>
+            <a:lstStyle/>
+            <a:p>
+              <a:pPr algn="ctr"/>
+              <a:endParaRPr lang="en-ZA"/>
+            </a:p>
+          </p:txBody>
+        </p:sp>
+      </p:grpSp>
+      <p:grpSp>
+        <p:nvGrpSpPr>
+          <p:cNvPr id="12" name="Group 11">
+            <a:extLst>
+              <a:ext uri="{FF2B5EF4-FFF2-40B4-BE49-F238E27FC236}">
+                <a16:creationId xmlns:a16="http://schemas.microsoft.com/office/drawing/2014/main" id="{8635666A-5C46-F712-1A3D-224BD5205C4E}"/>
+              </a:ext>
+            </a:extLst>
+          </p:cNvPr>
+          <p:cNvGrpSpPr/>
+          <p:nvPr/>
+        </p:nvGrpSpPr>
+        <p:grpSpPr>
+          <a:xfrm>
+            <a:off x="894736" y="2649796"/>
+            <a:ext cx="363793" cy="462116"/>
+            <a:chOff x="894736" y="2649796"/>
+            <a:chExt cx="363793" cy="462116"/>
+          </a:xfrm>
+        </p:grpSpPr>
+        <p:sp>
+          <p:nvSpPr>
+            <p:cNvPr id="7" name="Rectangle 6">
+              <a:extLst>
+                <a:ext uri="{FF2B5EF4-FFF2-40B4-BE49-F238E27FC236}">
+                  <a16:creationId xmlns:a16="http://schemas.microsoft.com/office/drawing/2014/main" id="{A30C948B-C7CD-6AEA-88C1-D6B7852D6238}"/>
+                </a:ext>
+              </a:extLst>
+            </p:cNvPr>
+            <p:cNvSpPr/>
+            <p:nvPr/>
+          </p:nvSpPr>
+          <p:spPr>
+            <a:xfrm>
+              <a:off x="894736" y="2649796"/>
+              <a:ext cx="363793" cy="462116"/>
+            </a:xfrm>
+            <a:prstGeom prst="rect">
+              <a:avLst/>
+            </a:prstGeom>
+            <a:solidFill>
+              <a:schemeClr val="bg2"/>
+            </a:solidFill>
+          </p:spPr>
+          <p:style>
+            <a:lnRef idx="2">
+              <a:schemeClr val="accent1">
+                <a:shade val="15000"/>
+              </a:schemeClr>
+            </a:lnRef>
+            <a:fillRef idx="1">
+              <a:schemeClr val="accent1"/>
+            </a:fillRef>
+            <a:effectRef idx="0">
+              <a:schemeClr val="accent1"/>
+            </a:effectRef>
+            <a:fontRef idx="minor">
+              <a:schemeClr val="lt1"/>
+            </a:fontRef>
+          </p:style>
+          <p:txBody>
+            <a:bodyPr rtlCol="0" anchor="ctr"/>
+            <a:lstStyle/>
+            <a:p>
+              <a:pPr algn="ctr"/>
+              <a:endParaRPr lang="en-ZA"/>
+            </a:p>
+          </p:txBody>
+        </p:sp>
+        <p:sp>
+          <p:nvSpPr>
+            <p:cNvPr id="10" name="Rectangle 9">
+              <a:extLst>
+                <a:ext uri="{FF2B5EF4-FFF2-40B4-BE49-F238E27FC236}">
+                  <a16:creationId xmlns:a16="http://schemas.microsoft.com/office/drawing/2014/main" id="{88D87E14-CDDA-506B-9723-7FDC05F19AAA}"/>
+                </a:ext>
+              </a:extLst>
+            </p:cNvPr>
+            <p:cNvSpPr/>
+            <p:nvPr/>
+          </p:nvSpPr>
+          <p:spPr>
+            <a:xfrm>
+              <a:off x="894736" y="2649796"/>
+              <a:ext cx="126774" cy="462116"/>
+            </a:xfrm>
+            <a:prstGeom prst="rect">
+              <a:avLst/>
+            </a:prstGeom>
+            <a:solidFill>
+              <a:srgbClr val="FFCC00"/>
+            </a:solidFill>
+          </p:spPr>
+          <p:style>
+            <a:lnRef idx="2">
+              <a:schemeClr val="accent1">
+                <a:shade val="15000"/>
+              </a:schemeClr>
+            </a:lnRef>
+            <a:fillRef idx="1">
+              <a:schemeClr val="accent1"/>
+            </a:fillRef>
+            <a:effectRef idx="0">
+              <a:schemeClr val="accent1"/>
+            </a:effectRef>
+            <a:fontRef idx="minor">
+              <a:schemeClr val="lt1"/>
+            </a:fontRef>
+          </p:style>
+          <p:txBody>
+            <a:bodyPr rtlCol="0" anchor="ctr"/>
+            <a:lstStyle/>
+            <a:p>
+              <a:pPr algn="ctr"/>
+              <a:endParaRPr lang="en-ZA"/>
+            </a:p>
+          </p:txBody>
+        </p:sp>
+        <p:sp>
+          <p:nvSpPr>
+            <p:cNvPr id="11" name="Rectangle 10">
+              <a:extLst>
+                <a:ext uri="{FF2B5EF4-FFF2-40B4-BE49-F238E27FC236}">
+                  <a16:creationId xmlns:a16="http://schemas.microsoft.com/office/drawing/2014/main" id="{C1D0349C-4C9B-0113-5959-4DC363641026}"/>
+                </a:ext>
+              </a:extLst>
+            </p:cNvPr>
+            <p:cNvSpPr/>
+            <p:nvPr/>
+          </p:nvSpPr>
+          <p:spPr>
+            <a:xfrm>
+              <a:off x="1131755" y="2649796"/>
+              <a:ext cx="126774" cy="462116"/>
+            </a:xfrm>
+            <a:prstGeom prst="rect">
+              <a:avLst/>
+            </a:prstGeom>
+            <a:solidFill>
+              <a:srgbClr val="FFCC00"/>
+            </a:solidFill>
+          </p:spPr>
+          <p:style>
+            <a:lnRef idx="2">
+              <a:schemeClr val="accent1">
+                <a:shade val="15000"/>
+              </a:schemeClr>
+            </a:lnRef>
+            <a:fillRef idx="1">
+              <a:schemeClr val="accent1"/>
+            </a:fillRef>
+            <a:effectRef idx="0">
+              <a:schemeClr val="accent1"/>
+            </a:effectRef>
+            <a:fontRef idx="minor">
+              <a:schemeClr val="lt1"/>
+            </a:fontRef>
+          </p:style>
+          <p:txBody>
+            <a:bodyPr rtlCol="0" anchor="ctr"/>
+            <a:lstStyle/>
+            <a:p>
+              <a:pPr algn="ctr"/>
+              <a:endParaRPr lang="en-ZA"/>
+            </a:p>
+          </p:txBody>
+        </p:sp>
+      </p:grpSp>
+      <p:grpSp>
+        <p:nvGrpSpPr>
+          <p:cNvPr id="13" name="Group 12">
+            <a:extLst>
+              <a:ext uri="{FF2B5EF4-FFF2-40B4-BE49-F238E27FC236}">
+                <a16:creationId xmlns:a16="http://schemas.microsoft.com/office/drawing/2014/main" id="{6363C5C3-CBCF-5FC5-7D35-4C2E3F40CA09}"/>
+              </a:ext>
+            </a:extLst>
+          </p:cNvPr>
+          <p:cNvGrpSpPr/>
+          <p:nvPr/>
+        </p:nvGrpSpPr>
+        <p:grpSpPr>
+          <a:xfrm>
+            <a:off x="2091279" y="2650166"/>
+            <a:ext cx="363793" cy="462116"/>
+            <a:chOff x="894736" y="2649796"/>
+            <a:chExt cx="363793" cy="462116"/>
+          </a:xfrm>
+        </p:grpSpPr>
+        <p:sp>
+          <p:nvSpPr>
+            <p:cNvPr id="14" name="Rectangle 13">
+              <a:extLst>
+                <a:ext uri="{FF2B5EF4-FFF2-40B4-BE49-F238E27FC236}">
+                  <a16:creationId xmlns:a16="http://schemas.microsoft.com/office/drawing/2014/main" id="{7768D56F-D155-C266-0C7E-4E62E9B90721}"/>
+                </a:ext>
+              </a:extLst>
+            </p:cNvPr>
+            <p:cNvSpPr/>
+            <p:nvPr/>
+          </p:nvSpPr>
+          <p:spPr>
+            <a:xfrm>
+              <a:off x="894736" y="2649796"/>
+              <a:ext cx="363793" cy="462116"/>
+            </a:xfrm>
+            <a:prstGeom prst="rect">
+              <a:avLst/>
+            </a:prstGeom>
+            <a:solidFill>
+              <a:schemeClr val="bg2"/>
+            </a:solidFill>
+          </p:spPr>
+          <p:style>
+            <a:lnRef idx="2">
+              <a:schemeClr val="accent1">
+                <a:shade val="15000"/>
+              </a:schemeClr>
+            </a:lnRef>
+            <a:fillRef idx="1">
+              <a:schemeClr val="accent1"/>
+            </a:fillRef>
+            <a:effectRef idx="0">
+              <a:schemeClr val="accent1"/>
+            </a:effectRef>
+            <a:fontRef idx="minor">
+              <a:schemeClr val="lt1"/>
+            </a:fontRef>
+          </p:style>
+          <p:txBody>
+            <a:bodyPr rtlCol="0" anchor="ctr"/>
+            <a:lstStyle/>
+            <a:p>
+              <a:pPr algn="ctr"/>
+              <a:endParaRPr lang="en-ZA"/>
+            </a:p>
+          </p:txBody>
+        </p:sp>
+        <p:sp>
+          <p:nvSpPr>
+            <p:cNvPr id="15" name="Rectangle 14">
+              <a:extLst>
+                <a:ext uri="{FF2B5EF4-FFF2-40B4-BE49-F238E27FC236}">
+                  <a16:creationId xmlns:a16="http://schemas.microsoft.com/office/drawing/2014/main" id="{F4D813A4-A580-8A2F-2BEA-DF2E047B4EE4}"/>
+                </a:ext>
+              </a:extLst>
+            </p:cNvPr>
+            <p:cNvSpPr/>
+            <p:nvPr/>
+          </p:nvSpPr>
+          <p:spPr>
+            <a:xfrm>
+              <a:off x="894736" y="2649796"/>
+              <a:ext cx="126774" cy="462116"/>
+            </a:xfrm>
+            <a:prstGeom prst="rect">
+              <a:avLst/>
+            </a:prstGeom>
+            <a:solidFill>
+              <a:srgbClr val="FFCC00"/>
+            </a:solidFill>
+          </p:spPr>
+          <p:style>
+            <a:lnRef idx="2">
+              <a:schemeClr val="accent1">
+                <a:shade val="15000"/>
+              </a:schemeClr>
+            </a:lnRef>
+            <a:fillRef idx="1">
+              <a:schemeClr val="accent1"/>
+            </a:fillRef>
+            <a:effectRef idx="0">
+              <a:schemeClr val="accent1"/>
+            </a:effectRef>
+            <a:fontRef idx="minor">
+              <a:schemeClr val="lt1"/>
+            </a:fontRef>
+          </p:style>
+          <p:txBody>
+            <a:bodyPr rtlCol="0" anchor="ctr"/>
+            <a:lstStyle/>
+            <a:p>
+              <a:pPr algn="ctr"/>
+              <a:endParaRPr lang="en-ZA"/>
+            </a:p>
+          </p:txBody>
+        </p:sp>
+        <p:sp>
+          <p:nvSpPr>
+            <p:cNvPr id="16" name="Rectangle 15">
+              <a:extLst>
+                <a:ext uri="{FF2B5EF4-FFF2-40B4-BE49-F238E27FC236}">
+                  <a16:creationId xmlns:a16="http://schemas.microsoft.com/office/drawing/2014/main" id="{0E5D3DDE-A6B9-8D90-F2AA-359CB9320277}"/>
+                </a:ext>
+              </a:extLst>
+            </p:cNvPr>
+            <p:cNvSpPr/>
+            <p:nvPr/>
+          </p:nvSpPr>
+          <p:spPr>
+            <a:xfrm>
+              <a:off x="1131755" y="2649796"/>
+              <a:ext cx="126774" cy="462116"/>
+            </a:xfrm>
+            <a:prstGeom prst="rect">
+              <a:avLst/>
+            </a:prstGeom>
+            <a:solidFill>
+              <a:srgbClr val="FFCC00"/>
+            </a:solidFill>
+          </p:spPr>
+          <p:style>
+            <a:lnRef idx="2">
+              <a:schemeClr val="accent1">
+                <a:shade val="15000"/>
+              </a:schemeClr>
+            </a:lnRef>
+            <a:fillRef idx="1">
+              <a:schemeClr val="accent1"/>
+            </a:fillRef>
+            <a:effectRef idx="0">
+              <a:schemeClr val="accent1"/>
+            </a:effectRef>
+            <a:fontRef idx="minor">
+              <a:schemeClr val="lt1"/>
+            </a:fontRef>
+          </p:style>
+          <p:txBody>
+            <a:bodyPr rtlCol="0" anchor="ctr"/>
+            <a:lstStyle/>
+            <a:p>
+              <a:pPr algn="ctr"/>
+              <a:endParaRPr lang="en-ZA"/>
+            </a:p>
+          </p:txBody>
+        </p:sp>
+      </p:grpSp>
+      <p:grpSp>
+        <p:nvGrpSpPr>
+          <p:cNvPr id="17" name="Group 16">
+            <a:extLst>
+              <a:ext uri="{FF2B5EF4-FFF2-40B4-BE49-F238E27FC236}">
+                <a16:creationId xmlns:a16="http://schemas.microsoft.com/office/drawing/2014/main" id="{A5632ED2-8566-1F13-6C31-334C0DAD63C6}"/>
+              </a:ext>
+            </a:extLst>
+          </p:cNvPr>
+          <p:cNvGrpSpPr/>
+          <p:nvPr/>
+        </p:nvGrpSpPr>
+        <p:grpSpPr>
+          <a:xfrm>
+            <a:off x="4477383" y="2636867"/>
+            <a:ext cx="363793" cy="462116"/>
+            <a:chOff x="894736" y="2649796"/>
+            <a:chExt cx="363793" cy="462116"/>
+          </a:xfrm>
+        </p:grpSpPr>
+        <p:sp>
+          <p:nvSpPr>
+            <p:cNvPr id="18" name="Rectangle 17">
+              <a:extLst>
+                <a:ext uri="{FF2B5EF4-FFF2-40B4-BE49-F238E27FC236}">
+                  <a16:creationId xmlns:a16="http://schemas.microsoft.com/office/drawing/2014/main" id="{6652152C-77F6-90CE-6355-34CE957D4405}"/>
+                </a:ext>
+              </a:extLst>
+            </p:cNvPr>
+            <p:cNvSpPr/>
+            <p:nvPr/>
+          </p:nvSpPr>
+          <p:spPr>
+            <a:xfrm>
+              <a:off x="894736" y="2649796"/>
+              <a:ext cx="363793" cy="462116"/>
+            </a:xfrm>
+            <a:prstGeom prst="rect">
+              <a:avLst/>
+            </a:prstGeom>
+            <a:solidFill>
+              <a:schemeClr val="bg2"/>
+            </a:solidFill>
+          </p:spPr>
+          <p:style>
+            <a:lnRef idx="2">
+              <a:schemeClr val="accent1">
+                <a:shade val="15000"/>
+              </a:schemeClr>
+            </a:lnRef>
+            <a:fillRef idx="1">
+              <a:schemeClr val="accent1"/>
+            </a:fillRef>
+            <a:effectRef idx="0">
+              <a:schemeClr val="accent1"/>
+            </a:effectRef>
+            <a:fontRef idx="minor">
+              <a:schemeClr val="lt1"/>
+            </a:fontRef>
+          </p:style>
+          <p:txBody>
+            <a:bodyPr rtlCol="0" anchor="ctr"/>
+            <a:lstStyle/>
+            <a:p>
+              <a:pPr algn="ctr"/>
+              <a:endParaRPr lang="en-ZA"/>
+            </a:p>
+          </p:txBody>
+        </p:sp>
+        <p:sp>
+          <p:nvSpPr>
+            <p:cNvPr id="19" name="Rectangle 18">
+              <a:extLst>
+                <a:ext uri="{FF2B5EF4-FFF2-40B4-BE49-F238E27FC236}">
+                  <a16:creationId xmlns:a16="http://schemas.microsoft.com/office/drawing/2014/main" id="{6D5181AD-75ED-841E-0C3C-2D7FA2B3022A}"/>
+                </a:ext>
+              </a:extLst>
+            </p:cNvPr>
+            <p:cNvSpPr/>
+            <p:nvPr/>
+          </p:nvSpPr>
+          <p:spPr>
+            <a:xfrm>
+              <a:off x="894736" y="2649796"/>
+              <a:ext cx="126774" cy="462116"/>
+            </a:xfrm>
+            <a:prstGeom prst="rect">
+              <a:avLst/>
+            </a:prstGeom>
+            <a:solidFill>
+              <a:srgbClr val="FFCC00"/>
+            </a:solidFill>
+          </p:spPr>
+          <p:style>
+            <a:lnRef idx="2">
+              <a:schemeClr val="accent1">
+                <a:shade val="15000"/>
+              </a:schemeClr>
+            </a:lnRef>
+            <a:fillRef idx="1">
+              <a:schemeClr val="accent1"/>
+            </a:fillRef>
+            <a:effectRef idx="0">
+              <a:schemeClr val="accent1"/>
+            </a:effectRef>
+            <a:fontRef idx="minor">
+              <a:schemeClr val="lt1"/>
+            </a:fontRef>
+          </p:style>
+          <p:txBody>
+            <a:bodyPr rtlCol="0" anchor="ctr"/>
+            <a:lstStyle/>
+            <a:p>
+              <a:pPr algn="ctr"/>
+              <a:endParaRPr lang="en-ZA"/>
+            </a:p>
+          </p:txBody>
+        </p:sp>
+        <p:sp>
+          <p:nvSpPr>
+            <p:cNvPr id="20" name="Rectangle 19">
+              <a:extLst>
+                <a:ext uri="{FF2B5EF4-FFF2-40B4-BE49-F238E27FC236}">
+                  <a16:creationId xmlns:a16="http://schemas.microsoft.com/office/drawing/2014/main" id="{C6D89279-E8B7-1A24-17D4-8FD839BB6C70}"/>
+                </a:ext>
+              </a:extLst>
+            </p:cNvPr>
+            <p:cNvSpPr/>
+            <p:nvPr/>
+          </p:nvSpPr>
+          <p:spPr>
+            <a:xfrm>
+              <a:off x="1131755" y="2649796"/>
+              <a:ext cx="126774" cy="462116"/>
+            </a:xfrm>
+            <a:prstGeom prst="rect">
+              <a:avLst/>
+            </a:prstGeom>
+            <a:solidFill>
+              <a:srgbClr val="FFCC00"/>
+            </a:solidFill>
+          </p:spPr>
+          <p:style>
+            <a:lnRef idx="2">
+              <a:schemeClr val="accent1">
+                <a:shade val="15000"/>
+              </a:schemeClr>
+            </a:lnRef>
+            <a:fillRef idx="1">
+              <a:schemeClr val="accent1"/>
+            </a:fillRef>
+            <a:effectRef idx="0">
+              <a:schemeClr val="accent1"/>
+            </a:effectRef>
+            <a:fontRef idx="minor">
+              <a:schemeClr val="lt1"/>
+            </a:fontRef>
+          </p:style>
+          <p:txBody>
+            <a:bodyPr rtlCol="0" anchor="ctr"/>
+            <a:lstStyle/>
+            <a:p>
+              <a:pPr algn="ctr"/>
+              <a:endParaRPr lang="en-ZA"/>
+            </a:p>
+          </p:txBody>
+        </p:sp>
+      </p:grpSp>
+      <p:grpSp>
+        <p:nvGrpSpPr>
+          <p:cNvPr id="21" name="Group 20">
+            <a:extLst>
+              <a:ext uri="{FF2B5EF4-FFF2-40B4-BE49-F238E27FC236}">
+                <a16:creationId xmlns:a16="http://schemas.microsoft.com/office/drawing/2014/main" id="{46CE7C5F-A2AF-C76C-F573-70D23AD94E12}"/>
+              </a:ext>
+            </a:extLst>
+          </p:cNvPr>
+          <p:cNvGrpSpPr/>
+          <p:nvPr/>
+        </p:nvGrpSpPr>
+        <p:grpSpPr>
+          <a:xfrm>
+            <a:off x="3286978" y="2644877"/>
+            <a:ext cx="363793" cy="462116"/>
+            <a:chOff x="894736" y="2649796"/>
+            <a:chExt cx="363793" cy="462116"/>
+          </a:xfrm>
+        </p:grpSpPr>
+        <p:sp>
+          <p:nvSpPr>
+            <p:cNvPr id="22" name="Rectangle 21">
+              <a:extLst>
+                <a:ext uri="{FF2B5EF4-FFF2-40B4-BE49-F238E27FC236}">
+                  <a16:creationId xmlns:a16="http://schemas.microsoft.com/office/drawing/2014/main" id="{296F5A53-DE05-35D2-B430-A3583421DC10}"/>
+                </a:ext>
+              </a:extLst>
+            </p:cNvPr>
+            <p:cNvSpPr/>
+            <p:nvPr/>
+          </p:nvSpPr>
+          <p:spPr>
+            <a:xfrm>
+              <a:off x="894736" y="2649796"/>
+              <a:ext cx="363793" cy="462116"/>
+            </a:xfrm>
+            <a:prstGeom prst="rect">
+              <a:avLst/>
+            </a:prstGeom>
+            <a:solidFill>
+              <a:schemeClr val="bg2"/>
+            </a:solidFill>
+          </p:spPr>
+          <p:style>
+            <a:lnRef idx="2">
+              <a:schemeClr val="accent1">
+                <a:shade val="15000"/>
+              </a:schemeClr>
+            </a:lnRef>
+            <a:fillRef idx="1">
+              <a:schemeClr val="accent1"/>
+            </a:fillRef>
+            <a:effectRef idx="0">
+              <a:schemeClr val="accent1"/>
+            </a:effectRef>
+            <a:fontRef idx="minor">
+              <a:schemeClr val="lt1"/>
+            </a:fontRef>
+          </p:style>
+          <p:txBody>
+            <a:bodyPr rtlCol="0" anchor="ctr"/>
+            <a:lstStyle/>
+            <a:p>
+              <a:pPr algn="ctr"/>
+              <a:endParaRPr lang="en-ZA"/>
+            </a:p>
+          </p:txBody>
+        </p:sp>
+        <p:sp>
+          <p:nvSpPr>
+            <p:cNvPr id="23" name="Rectangle 22">
+              <a:extLst>
+                <a:ext uri="{FF2B5EF4-FFF2-40B4-BE49-F238E27FC236}">
+                  <a16:creationId xmlns:a16="http://schemas.microsoft.com/office/drawing/2014/main" id="{105B2FF5-1313-86D6-4A8E-EDB8E3C40903}"/>
+                </a:ext>
+              </a:extLst>
+            </p:cNvPr>
+            <p:cNvSpPr/>
+            <p:nvPr/>
+          </p:nvSpPr>
+          <p:spPr>
+            <a:xfrm>
+              <a:off x="894736" y="2649796"/>
+              <a:ext cx="126774" cy="462116"/>
+            </a:xfrm>
+            <a:prstGeom prst="rect">
+              <a:avLst/>
+            </a:prstGeom>
+            <a:solidFill>
+              <a:srgbClr val="FFCC00"/>
+            </a:solidFill>
+          </p:spPr>
+          <p:style>
+            <a:lnRef idx="2">
+              <a:schemeClr val="accent1">
+                <a:shade val="15000"/>
+              </a:schemeClr>
+            </a:lnRef>
+            <a:fillRef idx="1">
+              <a:schemeClr val="accent1"/>
+            </a:fillRef>
+            <a:effectRef idx="0">
+              <a:schemeClr val="accent1"/>
+            </a:effectRef>
+            <a:fontRef idx="minor">
+              <a:schemeClr val="lt1"/>
+            </a:fontRef>
+          </p:style>
+          <p:txBody>
+            <a:bodyPr rtlCol="0" anchor="ctr"/>
+            <a:lstStyle/>
+            <a:p>
+              <a:pPr algn="ctr"/>
+              <a:endParaRPr lang="en-ZA"/>
+            </a:p>
+          </p:txBody>
+        </p:sp>
+        <p:sp>
+          <p:nvSpPr>
+            <p:cNvPr id="24" name="Rectangle 23">
+              <a:extLst>
+                <a:ext uri="{FF2B5EF4-FFF2-40B4-BE49-F238E27FC236}">
+                  <a16:creationId xmlns:a16="http://schemas.microsoft.com/office/drawing/2014/main" id="{546D0351-5FFA-AC7D-ADEC-2975048F22A9}"/>
+                </a:ext>
+              </a:extLst>
+            </p:cNvPr>
+            <p:cNvSpPr/>
+            <p:nvPr/>
+          </p:nvSpPr>
+          <p:spPr>
+            <a:xfrm>
+              <a:off x="1131755" y="2649796"/>
+              <a:ext cx="126774" cy="462116"/>
+            </a:xfrm>
+            <a:prstGeom prst="rect">
+              <a:avLst/>
+            </a:prstGeom>
+            <a:solidFill>
+              <a:srgbClr val="FFCC00"/>
+            </a:solidFill>
+          </p:spPr>
+          <p:style>
+            <a:lnRef idx="2">
+              <a:schemeClr val="accent1">
+                <a:shade val="15000"/>
+              </a:schemeClr>
+            </a:lnRef>
+            <a:fillRef idx="1">
+              <a:schemeClr val="accent1"/>
+            </a:fillRef>
+            <a:effectRef idx="0">
+              <a:schemeClr val="accent1"/>
+            </a:effectRef>
+            <a:fontRef idx="minor">
+              <a:schemeClr val="lt1"/>
+            </a:fontRef>
+          </p:style>
+          <p:txBody>
+            <a:bodyPr rtlCol="0" anchor="ctr"/>
+            <a:lstStyle/>
+            <a:p>
+              <a:pPr algn="ctr"/>
+              <a:endParaRPr lang="en-ZA"/>
+            </a:p>
+          </p:txBody>
+        </p:sp>
+      </p:grpSp>
+      <p:grpSp>
+        <p:nvGrpSpPr>
+          <p:cNvPr id="25" name="Group 24">
+            <a:extLst>
+              <a:ext uri="{FF2B5EF4-FFF2-40B4-BE49-F238E27FC236}">
+                <a16:creationId xmlns:a16="http://schemas.microsoft.com/office/drawing/2014/main" id="{68FCA033-B04E-C628-F2A1-771282FBC7B3}"/>
+              </a:ext>
+            </a:extLst>
+          </p:cNvPr>
+          <p:cNvGrpSpPr/>
+          <p:nvPr/>
+        </p:nvGrpSpPr>
+        <p:grpSpPr>
+          <a:xfrm>
+            <a:off x="7050401" y="2637257"/>
+            <a:ext cx="363793" cy="462116"/>
+            <a:chOff x="894736" y="2649796"/>
+            <a:chExt cx="363793" cy="462116"/>
+          </a:xfrm>
+        </p:grpSpPr>
+        <p:sp>
+          <p:nvSpPr>
+            <p:cNvPr id="26" name="Rectangle 25">
+              <a:extLst>
+                <a:ext uri="{FF2B5EF4-FFF2-40B4-BE49-F238E27FC236}">
+                  <a16:creationId xmlns:a16="http://schemas.microsoft.com/office/drawing/2014/main" id="{DE59E516-FE0C-A7C4-A820-23C28B4B8A04}"/>
+                </a:ext>
+              </a:extLst>
+            </p:cNvPr>
+            <p:cNvSpPr/>
+            <p:nvPr/>
+          </p:nvSpPr>
+          <p:spPr>
+            <a:xfrm>
+              <a:off x="894736" y="2649796"/>
+              <a:ext cx="363793" cy="462116"/>
+            </a:xfrm>
+            <a:prstGeom prst="rect">
+              <a:avLst/>
+            </a:prstGeom>
+            <a:solidFill>
+              <a:schemeClr val="bg2"/>
+            </a:solidFill>
+          </p:spPr>
+          <p:style>
+            <a:lnRef idx="2">
+              <a:schemeClr val="accent1">
+                <a:shade val="15000"/>
+              </a:schemeClr>
+            </a:lnRef>
+            <a:fillRef idx="1">
+              <a:schemeClr val="accent1"/>
+            </a:fillRef>
+            <a:effectRef idx="0">
+              <a:schemeClr val="accent1"/>
+            </a:effectRef>
+            <a:fontRef idx="minor">
+              <a:schemeClr val="lt1"/>
+            </a:fontRef>
+          </p:style>
+          <p:txBody>
+            <a:bodyPr rtlCol="0" anchor="ctr"/>
+            <a:lstStyle/>
+            <a:p>
+              <a:pPr algn="ctr"/>
+              <a:endParaRPr lang="en-ZA"/>
+            </a:p>
+          </p:txBody>
+        </p:sp>
+        <p:sp>
+          <p:nvSpPr>
+            <p:cNvPr id="27" name="Rectangle 26">
+              <a:extLst>
+                <a:ext uri="{FF2B5EF4-FFF2-40B4-BE49-F238E27FC236}">
+                  <a16:creationId xmlns:a16="http://schemas.microsoft.com/office/drawing/2014/main" id="{50BFB5AF-820C-F5FB-3883-A0349FE98F45}"/>
+                </a:ext>
+              </a:extLst>
+            </p:cNvPr>
+            <p:cNvSpPr/>
+            <p:nvPr/>
+          </p:nvSpPr>
+          <p:spPr>
+            <a:xfrm>
+              <a:off x="894736" y="2649796"/>
+              <a:ext cx="126774" cy="462116"/>
+            </a:xfrm>
+            <a:prstGeom prst="rect">
+              <a:avLst/>
+            </a:prstGeom>
+            <a:solidFill>
+              <a:srgbClr val="FFCC00"/>
+            </a:solidFill>
+          </p:spPr>
+          <p:style>
+            <a:lnRef idx="2">
+              <a:schemeClr val="accent1">
+                <a:shade val="15000"/>
+              </a:schemeClr>
+            </a:lnRef>
+            <a:fillRef idx="1">
+              <a:schemeClr val="accent1"/>
+            </a:fillRef>
+            <a:effectRef idx="0">
+              <a:schemeClr val="accent1"/>
+            </a:effectRef>
+            <a:fontRef idx="minor">
+              <a:schemeClr val="lt1"/>
+            </a:fontRef>
+          </p:style>
+          <p:txBody>
+            <a:bodyPr rtlCol="0" anchor="ctr"/>
+            <a:lstStyle/>
+            <a:p>
+              <a:pPr algn="ctr"/>
+              <a:endParaRPr lang="en-ZA"/>
+            </a:p>
+          </p:txBody>
+        </p:sp>
+        <p:sp>
+          <p:nvSpPr>
+            <p:cNvPr id="28" name="Rectangle 27">
+              <a:extLst>
+                <a:ext uri="{FF2B5EF4-FFF2-40B4-BE49-F238E27FC236}">
+                  <a16:creationId xmlns:a16="http://schemas.microsoft.com/office/drawing/2014/main" id="{ED0E8988-DA92-C907-B3AC-8380FC2D44D8}"/>
+                </a:ext>
+              </a:extLst>
+            </p:cNvPr>
+            <p:cNvSpPr/>
+            <p:nvPr/>
+          </p:nvSpPr>
+          <p:spPr>
+            <a:xfrm>
+              <a:off x="1131755" y="2649796"/>
+              <a:ext cx="126774" cy="462116"/>
+            </a:xfrm>
+            <a:prstGeom prst="rect">
+              <a:avLst/>
+            </a:prstGeom>
+            <a:solidFill>
+              <a:srgbClr val="FFCC00"/>
+            </a:solidFill>
+          </p:spPr>
+          <p:style>
+            <a:lnRef idx="2">
+              <a:schemeClr val="accent1">
+                <a:shade val="15000"/>
+              </a:schemeClr>
+            </a:lnRef>
+            <a:fillRef idx="1">
+              <a:schemeClr val="accent1"/>
+            </a:fillRef>
+            <a:effectRef idx="0">
+              <a:schemeClr val="accent1"/>
+            </a:effectRef>
+            <a:fontRef idx="minor">
+              <a:schemeClr val="lt1"/>
+            </a:fontRef>
+          </p:style>
+          <p:txBody>
+            <a:bodyPr rtlCol="0" anchor="ctr"/>
+            <a:lstStyle/>
+            <a:p>
+              <a:pPr algn="ctr"/>
+              <a:endParaRPr lang="en-ZA"/>
+            </a:p>
+          </p:txBody>
+        </p:sp>
+      </p:grpSp>
+      <p:grpSp>
+        <p:nvGrpSpPr>
+          <p:cNvPr id="29" name="Group 28">
+            <a:extLst>
+              <a:ext uri="{FF2B5EF4-FFF2-40B4-BE49-F238E27FC236}">
+                <a16:creationId xmlns:a16="http://schemas.microsoft.com/office/drawing/2014/main" id="{BAA561EC-0774-7FCD-06CA-4FCEBB116441}"/>
+              </a:ext>
+            </a:extLst>
+          </p:cNvPr>
+          <p:cNvGrpSpPr/>
+          <p:nvPr/>
+        </p:nvGrpSpPr>
+        <p:grpSpPr>
+          <a:xfrm>
+            <a:off x="9611967" y="2639162"/>
+            <a:ext cx="363793" cy="462116"/>
+            <a:chOff x="894736" y="2649796"/>
+            <a:chExt cx="363793" cy="462116"/>
+          </a:xfrm>
+        </p:grpSpPr>
+        <p:sp>
+          <p:nvSpPr>
+            <p:cNvPr id="30" name="Rectangle 29">
+              <a:extLst>
+                <a:ext uri="{FF2B5EF4-FFF2-40B4-BE49-F238E27FC236}">
+                  <a16:creationId xmlns:a16="http://schemas.microsoft.com/office/drawing/2014/main" id="{75815DF1-1000-FD67-BAB8-7E98D3EA7677}"/>
+                </a:ext>
+              </a:extLst>
+            </p:cNvPr>
+            <p:cNvSpPr/>
+            <p:nvPr/>
+          </p:nvSpPr>
+          <p:spPr>
+            <a:xfrm>
+              <a:off x="894736" y="2649796"/>
+              <a:ext cx="363793" cy="462116"/>
+            </a:xfrm>
+            <a:prstGeom prst="rect">
+              <a:avLst/>
+            </a:prstGeom>
+            <a:solidFill>
+              <a:schemeClr val="bg2"/>
+            </a:solidFill>
+          </p:spPr>
+          <p:style>
+            <a:lnRef idx="2">
+              <a:schemeClr val="accent1">
+                <a:shade val="15000"/>
+              </a:schemeClr>
+            </a:lnRef>
+            <a:fillRef idx="1">
+              <a:schemeClr val="accent1"/>
+            </a:fillRef>
+            <a:effectRef idx="0">
+              <a:schemeClr val="accent1"/>
+            </a:effectRef>
+            <a:fontRef idx="minor">
+              <a:schemeClr val="lt1"/>
+            </a:fontRef>
+          </p:style>
+          <p:txBody>
+            <a:bodyPr rtlCol="0" anchor="ctr"/>
+            <a:lstStyle/>
+            <a:p>
+              <a:pPr algn="ctr"/>
+              <a:endParaRPr lang="en-ZA"/>
+            </a:p>
+          </p:txBody>
+        </p:sp>
+        <p:sp>
+          <p:nvSpPr>
+            <p:cNvPr id="31" name="Rectangle 30">
+              <a:extLst>
+                <a:ext uri="{FF2B5EF4-FFF2-40B4-BE49-F238E27FC236}">
+                  <a16:creationId xmlns:a16="http://schemas.microsoft.com/office/drawing/2014/main" id="{A671C236-861B-42F1-94E5-8026DCEB8F9E}"/>
+                </a:ext>
+              </a:extLst>
+            </p:cNvPr>
+            <p:cNvSpPr/>
+            <p:nvPr/>
+          </p:nvSpPr>
+          <p:spPr>
+            <a:xfrm>
+              <a:off x="894736" y="2649796"/>
+              <a:ext cx="126774" cy="462116"/>
+            </a:xfrm>
+            <a:prstGeom prst="rect">
+              <a:avLst/>
+            </a:prstGeom>
+            <a:solidFill>
+              <a:srgbClr val="FFCC00"/>
+            </a:solidFill>
+          </p:spPr>
+          <p:style>
+            <a:lnRef idx="2">
+              <a:schemeClr val="accent1">
+                <a:shade val="15000"/>
+              </a:schemeClr>
+            </a:lnRef>
+            <a:fillRef idx="1">
+              <a:schemeClr val="accent1"/>
+            </a:fillRef>
+            <a:effectRef idx="0">
+              <a:schemeClr val="accent1"/>
+            </a:effectRef>
+            <a:fontRef idx="minor">
+              <a:schemeClr val="lt1"/>
+            </a:fontRef>
+          </p:style>
+          <p:txBody>
+            <a:bodyPr rtlCol="0" anchor="ctr"/>
+            <a:lstStyle/>
+            <a:p>
+              <a:pPr algn="ctr"/>
+              <a:endParaRPr lang="en-ZA"/>
+            </a:p>
+          </p:txBody>
+        </p:sp>
+        <p:sp>
+          <p:nvSpPr>
+            <p:cNvPr id="32" name="Rectangle 31">
+              <a:extLst>
+                <a:ext uri="{FF2B5EF4-FFF2-40B4-BE49-F238E27FC236}">
+                  <a16:creationId xmlns:a16="http://schemas.microsoft.com/office/drawing/2014/main" id="{06D5464C-2377-C16A-3E15-81FC87B3C2D1}"/>
+                </a:ext>
+              </a:extLst>
+            </p:cNvPr>
+            <p:cNvSpPr/>
+            <p:nvPr/>
+          </p:nvSpPr>
+          <p:spPr>
+            <a:xfrm>
+              <a:off x="1131755" y="2649796"/>
+              <a:ext cx="126774" cy="462116"/>
+            </a:xfrm>
+            <a:prstGeom prst="rect">
+              <a:avLst/>
+            </a:prstGeom>
+            <a:solidFill>
+              <a:srgbClr val="FFCC00"/>
+            </a:solidFill>
+          </p:spPr>
+          <p:style>
+            <a:lnRef idx="2">
+              <a:schemeClr val="accent1">
+                <a:shade val="15000"/>
+              </a:schemeClr>
+            </a:lnRef>
+            <a:fillRef idx="1">
+              <a:schemeClr val="accent1"/>
+            </a:fillRef>
+            <a:effectRef idx="0">
+              <a:schemeClr val="accent1"/>
+            </a:effectRef>
+            <a:fontRef idx="minor">
+              <a:schemeClr val="lt1"/>
+            </a:fontRef>
+          </p:style>
+          <p:txBody>
+            <a:bodyPr rtlCol="0" anchor="ctr"/>
+            <a:lstStyle/>
+            <a:p>
+              <a:pPr algn="ctr"/>
+              <a:endParaRPr lang="en-ZA"/>
+            </a:p>
+          </p:txBody>
+        </p:sp>
+      </p:grpSp>
+      <p:sp>
+        <p:nvSpPr>
+          <p:cNvPr id="35" name="Rectangle 34">
+            <a:extLst>
+              <a:ext uri="{FF2B5EF4-FFF2-40B4-BE49-F238E27FC236}">
+                <a16:creationId xmlns:a16="http://schemas.microsoft.com/office/drawing/2014/main" id="{0D0BA4F7-8925-0128-397B-85FFDC0B5DFD}"/>
+              </a:ext>
+            </a:extLst>
+          </p:cNvPr>
+          <p:cNvSpPr/>
+          <p:nvPr/>
+        </p:nvSpPr>
+        <p:spPr>
+          <a:xfrm>
+            <a:off x="1307675" y="2653484"/>
+            <a:ext cx="728644" cy="462116"/>
+          </a:xfrm>
+          <a:prstGeom prst="rect">
+            <a:avLst/>
+          </a:prstGeom>
+          <a:solidFill>
+            <a:schemeClr val="bg2"/>
+          </a:solidFill>
+        </p:spPr>
+        <p:style>
+          <a:lnRef idx="2">
+            <a:schemeClr val="accent1">
+              <a:shade val="15000"/>
+            </a:schemeClr>
+          </a:lnRef>
+          <a:fillRef idx="1">
+            <a:schemeClr val="accent1"/>
+          </a:fillRef>
+          <a:effectRef idx="0">
+            <a:schemeClr val="accent1"/>
+          </a:effectRef>
+          <a:fontRef idx="minor">
+            <a:schemeClr val="lt1"/>
+          </a:fontRef>
+        </p:style>
+        <p:txBody>
+          <a:bodyPr rtlCol="0" anchor="ctr"/>
+          <a:lstStyle/>
+          <a:p>
+            <a:pPr algn="ctr"/>
+            <a:endParaRPr lang="en-ZA"/>
+          </a:p>
+        </p:txBody>
+      </p:sp>
+      <p:sp>
+        <p:nvSpPr>
+          <p:cNvPr id="42" name="Rectangle 41">
+            <a:extLst>
+              <a:ext uri="{FF2B5EF4-FFF2-40B4-BE49-F238E27FC236}">
+                <a16:creationId xmlns:a16="http://schemas.microsoft.com/office/drawing/2014/main" id="{FBFA7DFA-6A46-9B49-FF77-E284C02DB8BF}"/>
+              </a:ext>
+            </a:extLst>
+          </p:cNvPr>
+          <p:cNvSpPr/>
+          <p:nvPr/>
+        </p:nvSpPr>
+        <p:spPr>
+          <a:xfrm>
+            <a:off x="2509188" y="2649796"/>
+            <a:ext cx="728644" cy="462116"/>
+          </a:xfrm>
+          <a:prstGeom prst="rect">
+            <a:avLst/>
+          </a:prstGeom>
+          <a:solidFill>
+            <a:schemeClr val="bg2"/>
+          </a:solidFill>
+        </p:spPr>
+        <p:style>
+          <a:lnRef idx="2">
+            <a:schemeClr val="accent1">
+              <a:shade val="15000"/>
+            </a:schemeClr>
+          </a:lnRef>
+          <a:fillRef idx="1">
+            <a:schemeClr val="accent1"/>
+          </a:fillRef>
+          <a:effectRef idx="0">
+            <a:schemeClr val="accent1"/>
+          </a:effectRef>
+          <a:fontRef idx="minor">
+            <a:schemeClr val="lt1"/>
+          </a:fontRef>
+        </p:style>
+        <p:txBody>
+          <a:bodyPr rtlCol="0" anchor="ctr"/>
+          <a:lstStyle/>
+          <a:p>
+            <a:pPr algn="ctr"/>
+            <a:endParaRPr lang="en-ZA"/>
+          </a:p>
+        </p:txBody>
+      </p:sp>
+      <p:sp>
+        <p:nvSpPr>
+          <p:cNvPr id="43" name="Rectangle 42">
+            <a:extLst>
+              <a:ext uri="{FF2B5EF4-FFF2-40B4-BE49-F238E27FC236}">
+                <a16:creationId xmlns:a16="http://schemas.microsoft.com/office/drawing/2014/main" id="{4B18E5FA-1933-25AB-3A81-C9FEEA57546B}"/>
+              </a:ext>
+            </a:extLst>
+          </p:cNvPr>
+          <p:cNvSpPr/>
+          <p:nvPr/>
+        </p:nvSpPr>
+        <p:spPr>
+          <a:xfrm>
+            <a:off x="3699755" y="2644877"/>
+            <a:ext cx="728644" cy="462116"/>
+          </a:xfrm>
+          <a:prstGeom prst="rect">
+            <a:avLst/>
+          </a:prstGeom>
+          <a:solidFill>
+            <a:schemeClr val="bg2"/>
+          </a:solidFill>
+        </p:spPr>
+        <p:style>
+          <a:lnRef idx="2">
+            <a:schemeClr val="accent1">
+              <a:shade val="15000"/>
+            </a:schemeClr>
+          </a:lnRef>
+          <a:fillRef idx="1">
+            <a:schemeClr val="accent1"/>
+          </a:fillRef>
+          <a:effectRef idx="0">
+            <a:schemeClr val="accent1"/>
+          </a:effectRef>
+          <a:fontRef idx="minor">
+            <a:schemeClr val="lt1"/>
+          </a:fontRef>
+        </p:style>
+        <p:txBody>
+          <a:bodyPr rtlCol="0" anchor="ctr"/>
+          <a:lstStyle/>
+          <a:p>
+            <a:pPr algn="ctr"/>
+            <a:endParaRPr lang="en-ZA"/>
+          </a:p>
+        </p:txBody>
+      </p:sp>
+      <p:sp>
+        <p:nvSpPr>
+          <p:cNvPr id="44" name="Rectangle 43">
+            <a:extLst>
+              <a:ext uri="{FF2B5EF4-FFF2-40B4-BE49-F238E27FC236}">
+                <a16:creationId xmlns:a16="http://schemas.microsoft.com/office/drawing/2014/main" id="{AF997DFE-05A7-3AAE-432D-F1D19437D18E}"/>
+              </a:ext>
+            </a:extLst>
+          </p:cNvPr>
+          <p:cNvSpPr/>
+          <p:nvPr/>
+        </p:nvSpPr>
+        <p:spPr>
+          <a:xfrm>
+            <a:off x="4895821" y="2636867"/>
+            <a:ext cx="447121" cy="462116"/>
+          </a:xfrm>
+          <a:prstGeom prst="rect">
+            <a:avLst/>
+          </a:prstGeom>
+          <a:solidFill>
+            <a:schemeClr val="bg2"/>
+          </a:solidFill>
+        </p:spPr>
+        <p:style>
+          <a:lnRef idx="2">
+            <a:schemeClr val="accent1">
+              <a:shade val="15000"/>
+            </a:schemeClr>
+          </a:lnRef>
+          <a:fillRef idx="1">
+            <a:schemeClr val="accent1"/>
+          </a:fillRef>
+          <a:effectRef idx="0">
+            <a:schemeClr val="accent1"/>
+          </a:effectRef>
+          <a:fontRef idx="minor">
+            <a:schemeClr val="lt1"/>
+          </a:fontRef>
+        </p:style>
+        <p:txBody>
+          <a:bodyPr rtlCol="0" anchor="ctr"/>
+          <a:lstStyle/>
+          <a:p>
+            <a:pPr algn="ctr"/>
+            <a:endParaRPr lang="en-ZA"/>
+          </a:p>
+        </p:txBody>
+      </p:sp>
+      <p:sp>
+        <p:nvSpPr>
+          <p:cNvPr id="45" name="Rectangle 44">
+            <a:extLst>
+              <a:ext uri="{FF2B5EF4-FFF2-40B4-BE49-F238E27FC236}">
+                <a16:creationId xmlns:a16="http://schemas.microsoft.com/office/drawing/2014/main" id="{197045A0-EB9C-6B2B-A69E-0C3A9EF391A1}"/>
+              </a:ext>
+            </a:extLst>
+          </p:cNvPr>
+          <p:cNvSpPr/>
+          <p:nvPr/>
+        </p:nvSpPr>
+        <p:spPr>
+          <a:xfrm>
+            <a:off x="5389139" y="2636867"/>
+            <a:ext cx="1119585" cy="462116"/>
+          </a:xfrm>
+          <a:prstGeom prst="rect">
+            <a:avLst/>
+          </a:prstGeom>
+        </p:spPr>
+        <p:style>
+          <a:lnRef idx="2">
+            <a:schemeClr val="accent1">
+              <a:shade val="15000"/>
+            </a:schemeClr>
+          </a:lnRef>
+          <a:fillRef idx="1">
+            <a:schemeClr val="accent1"/>
+          </a:fillRef>
+          <a:effectRef idx="0">
+            <a:schemeClr val="accent1"/>
+          </a:effectRef>
+          <a:fontRef idx="minor">
+            <a:schemeClr val="lt1"/>
+          </a:fontRef>
+        </p:style>
+        <p:txBody>
+          <a:bodyPr rtlCol="0" anchor="ctr"/>
+          <a:lstStyle/>
+          <a:p>
+            <a:pPr algn="ctr"/>
+            <a:endParaRPr lang="en-ZA"/>
+          </a:p>
+        </p:txBody>
+      </p:sp>
+      <p:sp>
+        <p:nvSpPr>
+          <p:cNvPr id="46" name="Rectangle 45">
+            <a:extLst>
+              <a:ext uri="{FF2B5EF4-FFF2-40B4-BE49-F238E27FC236}">
+                <a16:creationId xmlns:a16="http://schemas.microsoft.com/office/drawing/2014/main" id="{6613536E-447C-A11C-18E2-A543DCAB7364}"/>
+              </a:ext>
+            </a:extLst>
+          </p:cNvPr>
+          <p:cNvSpPr/>
+          <p:nvPr/>
+        </p:nvSpPr>
+        <p:spPr>
+          <a:xfrm>
+            <a:off x="6554921" y="2637257"/>
+            <a:ext cx="447121" cy="462116"/>
+          </a:xfrm>
+          <a:prstGeom prst="rect">
+            <a:avLst/>
+          </a:prstGeom>
+          <a:solidFill>
+            <a:schemeClr val="bg2"/>
+          </a:solidFill>
+        </p:spPr>
+        <p:style>
+          <a:lnRef idx="2">
+            <a:schemeClr val="accent1">
+              <a:shade val="15000"/>
+            </a:schemeClr>
+          </a:lnRef>
+          <a:fillRef idx="1">
+            <a:schemeClr val="accent1"/>
+          </a:fillRef>
+          <a:effectRef idx="0">
+            <a:schemeClr val="accent1"/>
+          </a:effectRef>
+          <a:fontRef idx="minor">
+            <a:schemeClr val="lt1"/>
+          </a:fontRef>
+        </p:style>
+        <p:txBody>
+          <a:bodyPr rtlCol="0" anchor="ctr"/>
+          <a:lstStyle/>
+          <a:p>
+            <a:pPr algn="ctr"/>
+            <a:endParaRPr lang="en-ZA"/>
+          </a:p>
+        </p:txBody>
+      </p:sp>
+      <p:sp>
+        <p:nvSpPr>
+          <p:cNvPr id="47" name="Rectangle 46">
+            <a:extLst>
+              <a:ext uri="{FF2B5EF4-FFF2-40B4-BE49-F238E27FC236}">
+                <a16:creationId xmlns:a16="http://schemas.microsoft.com/office/drawing/2014/main" id="{AAD2BEE2-A51A-D6A4-EBB7-68F517E612C0}"/>
+              </a:ext>
+            </a:extLst>
+          </p:cNvPr>
+          <p:cNvSpPr/>
+          <p:nvPr/>
+        </p:nvSpPr>
+        <p:spPr>
+          <a:xfrm>
+            <a:off x="7462552" y="2638244"/>
+            <a:ext cx="2092927" cy="462116"/>
+          </a:xfrm>
+          <a:prstGeom prst="rect">
+            <a:avLst/>
+          </a:prstGeom>
+          <a:solidFill>
+            <a:schemeClr val="bg2"/>
+          </a:solidFill>
+        </p:spPr>
+        <p:style>
+          <a:lnRef idx="2">
+            <a:schemeClr val="accent1">
+              <a:shade val="15000"/>
+            </a:schemeClr>
+          </a:lnRef>
+          <a:fillRef idx="1">
+            <a:schemeClr val="accent1"/>
+          </a:fillRef>
+          <a:effectRef idx="0">
+            <a:schemeClr val="accent1"/>
+          </a:effectRef>
+          <a:fontRef idx="minor">
+            <a:schemeClr val="lt1"/>
+          </a:fontRef>
+        </p:style>
+        <p:txBody>
+          <a:bodyPr rtlCol="0" anchor="ctr"/>
+          <a:lstStyle/>
+          <a:p>
+            <a:pPr algn="ctr"/>
+            <a:endParaRPr lang="en-ZA"/>
+          </a:p>
+        </p:txBody>
+      </p:sp>
+      <p:sp>
+        <p:nvSpPr>
+          <p:cNvPr id="2" name="TextBox 1">
+            <a:extLst>
+              <a:ext uri="{FF2B5EF4-FFF2-40B4-BE49-F238E27FC236}">
+                <a16:creationId xmlns:a16="http://schemas.microsoft.com/office/drawing/2014/main" id="{CCA03692-0967-CC96-4AEE-5026CFE2CA53}"/>
+              </a:ext>
+            </a:extLst>
+          </p:cNvPr>
+          <p:cNvSpPr txBox="1"/>
+          <p:nvPr/>
+        </p:nvSpPr>
+        <p:spPr>
+          <a:xfrm>
+            <a:off x="1405463" y="3449597"/>
+            <a:ext cx="554960" cy="369332"/>
+          </a:xfrm>
+          <a:prstGeom prst="rect">
+            <a:avLst/>
+          </a:prstGeom>
+          <a:noFill/>
+        </p:spPr>
+        <p:txBody>
+          <a:bodyPr wrap="none" rtlCol="0">
+            <a:spAutoFit/>
+          </a:bodyPr>
+          <a:lstStyle/>
+          <a:p>
+            <a:r>
+              <a:rPr lang="en-ZA" dirty="0"/>
+              <a:t>100</a:t>
+            </a:r>
+          </a:p>
+        </p:txBody>
+      </p:sp>
+      <p:sp>
+        <p:nvSpPr>
+          <p:cNvPr id="3" name="TextBox 2">
+            <a:extLst>
+              <a:ext uri="{FF2B5EF4-FFF2-40B4-BE49-F238E27FC236}">
+                <a16:creationId xmlns:a16="http://schemas.microsoft.com/office/drawing/2014/main" id="{8CDA9900-1D3D-E7A6-6429-507BDC71E505}"/>
+              </a:ext>
+            </a:extLst>
+          </p:cNvPr>
+          <p:cNvSpPr txBox="1"/>
+          <p:nvPr/>
+        </p:nvSpPr>
+        <p:spPr>
+          <a:xfrm>
+            <a:off x="2596030" y="3449597"/>
+            <a:ext cx="554960" cy="369332"/>
+          </a:xfrm>
+          <a:prstGeom prst="rect">
+            <a:avLst/>
+          </a:prstGeom>
+          <a:noFill/>
+        </p:spPr>
+        <p:txBody>
+          <a:bodyPr wrap="none" rtlCol="0">
+            <a:spAutoFit/>
+          </a:bodyPr>
+          <a:lstStyle/>
+          <a:p>
+            <a:r>
+              <a:rPr lang="en-ZA" dirty="0"/>
+              <a:t>100</a:t>
+            </a:r>
+          </a:p>
+        </p:txBody>
+      </p:sp>
+      <p:sp>
+        <p:nvSpPr>
+          <p:cNvPr id="48" name="TextBox 47">
+            <a:extLst>
+              <a:ext uri="{FF2B5EF4-FFF2-40B4-BE49-F238E27FC236}">
+                <a16:creationId xmlns:a16="http://schemas.microsoft.com/office/drawing/2014/main" id="{9D724D85-A713-437C-BF07-2AA3DDB23230}"/>
+              </a:ext>
+            </a:extLst>
+          </p:cNvPr>
+          <p:cNvSpPr txBox="1"/>
+          <p:nvPr/>
+        </p:nvSpPr>
+        <p:spPr>
+          <a:xfrm>
+            <a:off x="3786597" y="3429000"/>
+            <a:ext cx="554960" cy="369332"/>
+          </a:xfrm>
+          <a:prstGeom prst="rect">
+            <a:avLst/>
+          </a:prstGeom>
+          <a:noFill/>
+        </p:spPr>
+        <p:txBody>
+          <a:bodyPr wrap="none" rtlCol="0">
+            <a:spAutoFit/>
+          </a:bodyPr>
+          <a:lstStyle/>
+          <a:p>
+            <a:r>
+              <a:rPr lang="en-ZA" dirty="0"/>
+              <a:t>100</a:t>
+            </a:r>
+          </a:p>
+        </p:txBody>
+      </p:sp>
+      <p:sp>
+        <p:nvSpPr>
+          <p:cNvPr id="49" name="TextBox 48">
+            <a:extLst>
+              <a:ext uri="{FF2B5EF4-FFF2-40B4-BE49-F238E27FC236}">
+                <a16:creationId xmlns:a16="http://schemas.microsoft.com/office/drawing/2014/main" id="{E13B745E-EAD8-9DEA-CCCF-A006198BD4F6}"/>
+              </a:ext>
+            </a:extLst>
+          </p:cNvPr>
+          <p:cNvSpPr txBox="1"/>
+          <p:nvPr/>
+        </p:nvSpPr>
+        <p:spPr>
+          <a:xfrm>
+            <a:off x="5818520" y="3449597"/>
+            <a:ext cx="554960" cy="369332"/>
+          </a:xfrm>
+          <a:prstGeom prst="rect">
+            <a:avLst/>
+          </a:prstGeom>
+          <a:noFill/>
+        </p:spPr>
+        <p:txBody>
+          <a:bodyPr wrap="none" rtlCol="0">
+            <a:spAutoFit/>
+          </a:bodyPr>
+          <a:lstStyle/>
+          <a:p>
+            <a:r>
+              <a:rPr lang="en-ZA" dirty="0"/>
+              <a:t>200</a:t>
+            </a:r>
+          </a:p>
+        </p:txBody>
+      </p:sp>
+      <p:sp>
+        <p:nvSpPr>
+          <p:cNvPr id="50" name="TextBox 49">
+            <a:extLst>
+              <a:ext uri="{FF2B5EF4-FFF2-40B4-BE49-F238E27FC236}">
+                <a16:creationId xmlns:a16="http://schemas.microsoft.com/office/drawing/2014/main" id="{835963DF-7DAB-D03F-3EFC-4C6653CF190B}"/>
+              </a:ext>
+            </a:extLst>
+          </p:cNvPr>
+          <p:cNvSpPr txBox="1"/>
+          <p:nvPr/>
+        </p:nvSpPr>
+        <p:spPr>
+          <a:xfrm>
+            <a:off x="8231535" y="3449597"/>
+            <a:ext cx="554960" cy="369332"/>
+          </a:xfrm>
+          <a:prstGeom prst="rect">
+            <a:avLst/>
+          </a:prstGeom>
+          <a:noFill/>
+        </p:spPr>
+        <p:txBody>
+          <a:bodyPr wrap="none" rtlCol="0">
+            <a:spAutoFit/>
+          </a:bodyPr>
+          <a:lstStyle/>
+          <a:p>
+            <a:r>
+              <a:rPr lang="en-ZA" dirty="0"/>
+              <a:t>200</a:t>
+            </a:r>
+          </a:p>
+        </p:txBody>
+      </p:sp>
+      <p:sp>
+        <p:nvSpPr>
+          <p:cNvPr id="51" name="Left Bracket 50">
+            <a:extLst>
+              <a:ext uri="{FF2B5EF4-FFF2-40B4-BE49-F238E27FC236}">
+                <a16:creationId xmlns:a16="http://schemas.microsoft.com/office/drawing/2014/main" id="{E843B3CE-9203-5B7D-48D2-FAE9C797BFA6}"/>
+              </a:ext>
+            </a:extLst>
+          </p:cNvPr>
+          <p:cNvSpPr/>
+          <p:nvPr/>
+        </p:nvSpPr>
+        <p:spPr>
+          <a:xfrm rot="16200000">
+            <a:off x="1614962" y="2751621"/>
+            <a:ext cx="119071" cy="1192530"/>
+          </a:xfrm>
+          <a:prstGeom prst="leftBracket">
+            <a:avLst/>
+          </a:prstGeom>
+          <a:ln>
+            <a:solidFill>
+              <a:schemeClr val="tx1"/>
+            </a:solidFill>
+          </a:ln>
+        </p:spPr>
+        <p:style>
+          <a:lnRef idx="2">
+            <a:schemeClr val="accent1"/>
+          </a:lnRef>
+          <a:fillRef idx="0">
+            <a:schemeClr val="accent1"/>
+          </a:fillRef>
+          <a:effectRef idx="1">
+            <a:schemeClr val="accent1"/>
+          </a:effectRef>
+          <a:fontRef idx="minor">
+            <a:schemeClr val="tx1"/>
+          </a:fontRef>
+        </p:style>
+        <p:txBody>
+          <a:bodyPr rtlCol="0" anchor="ctr"/>
+          <a:lstStyle/>
+          <a:p>
+            <a:pPr algn="ctr"/>
+            <a:endParaRPr lang="en-ZA"/>
+          </a:p>
+        </p:txBody>
+      </p:sp>
+      <p:sp>
+        <p:nvSpPr>
+          <p:cNvPr id="53" name="Left Bracket 52">
+            <a:extLst>
+              <a:ext uri="{FF2B5EF4-FFF2-40B4-BE49-F238E27FC236}">
+                <a16:creationId xmlns:a16="http://schemas.microsoft.com/office/drawing/2014/main" id="{977419DA-5B33-F249-21E9-217AB40D2C61}"/>
+              </a:ext>
+            </a:extLst>
+          </p:cNvPr>
+          <p:cNvSpPr/>
+          <p:nvPr/>
+        </p:nvSpPr>
+        <p:spPr>
+          <a:xfrm rot="16200000">
+            <a:off x="2813975" y="2749483"/>
+            <a:ext cx="119071" cy="1192530"/>
+          </a:xfrm>
+          <a:prstGeom prst="leftBracket">
+            <a:avLst/>
+          </a:prstGeom>
+          <a:ln>
+            <a:solidFill>
+              <a:schemeClr val="tx1"/>
+            </a:solidFill>
+          </a:ln>
+        </p:spPr>
+        <p:style>
+          <a:lnRef idx="2">
+            <a:schemeClr val="accent1"/>
+          </a:lnRef>
+          <a:fillRef idx="0">
+            <a:schemeClr val="accent1"/>
+          </a:fillRef>
+          <a:effectRef idx="1">
+            <a:schemeClr val="accent1"/>
+          </a:effectRef>
+          <a:fontRef idx="minor">
+            <a:schemeClr val="tx1"/>
+          </a:fontRef>
+        </p:style>
+        <p:txBody>
+          <a:bodyPr rtlCol="0" anchor="ctr"/>
+          <a:lstStyle/>
+          <a:p>
+            <a:pPr algn="ctr"/>
+            <a:endParaRPr lang="en-ZA"/>
+          </a:p>
+        </p:txBody>
+      </p:sp>
+      <p:sp>
+        <p:nvSpPr>
+          <p:cNvPr id="54" name="Left Bracket 53">
+            <a:extLst>
+              <a:ext uri="{FF2B5EF4-FFF2-40B4-BE49-F238E27FC236}">
+                <a16:creationId xmlns:a16="http://schemas.microsoft.com/office/drawing/2014/main" id="{49A5208C-026D-79A8-6D1C-D5D5BBA73DD8}"/>
+              </a:ext>
+            </a:extLst>
+          </p:cNvPr>
+          <p:cNvSpPr/>
+          <p:nvPr/>
+        </p:nvSpPr>
+        <p:spPr>
+          <a:xfrm rot="16200000">
+            <a:off x="4005604" y="2751622"/>
+            <a:ext cx="119071" cy="1192530"/>
+          </a:xfrm>
+          <a:prstGeom prst="leftBracket">
+            <a:avLst/>
+          </a:prstGeom>
+          <a:ln>
+            <a:solidFill>
+              <a:schemeClr val="tx1"/>
+            </a:solidFill>
+          </a:ln>
+        </p:spPr>
+        <p:style>
+          <a:lnRef idx="2">
+            <a:schemeClr val="accent1"/>
+          </a:lnRef>
+          <a:fillRef idx="0">
+            <a:schemeClr val="accent1"/>
+          </a:fillRef>
+          <a:effectRef idx="1">
+            <a:schemeClr val="accent1"/>
+          </a:effectRef>
+          <a:fontRef idx="minor">
+            <a:schemeClr val="tx1"/>
+          </a:fontRef>
+        </p:style>
+        <p:txBody>
+          <a:bodyPr rtlCol="0" anchor="ctr"/>
+          <a:lstStyle/>
+          <a:p>
+            <a:pPr algn="ctr"/>
+            <a:endParaRPr lang="en-ZA"/>
+          </a:p>
+        </p:txBody>
+      </p:sp>
+      <p:sp>
+        <p:nvSpPr>
+          <p:cNvPr id="55" name="Left Bracket 54">
+            <a:extLst>
+              <a:ext uri="{FF2B5EF4-FFF2-40B4-BE49-F238E27FC236}">
+                <a16:creationId xmlns:a16="http://schemas.microsoft.com/office/drawing/2014/main" id="{AC22FA3B-7D9E-54E8-795D-C5B11A0F2180}"/>
+              </a:ext>
+            </a:extLst>
+          </p:cNvPr>
+          <p:cNvSpPr/>
+          <p:nvPr/>
+        </p:nvSpPr>
+        <p:spPr>
+          <a:xfrm rot="16200000">
+            <a:off x="5886407" y="2060308"/>
+            <a:ext cx="119071" cy="2570879"/>
+          </a:xfrm>
+          <a:prstGeom prst="leftBracket">
+            <a:avLst/>
+          </a:prstGeom>
+          <a:ln>
+            <a:solidFill>
+              <a:schemeClr val="tx1"/>
+            </a:solidFill>
+          </a:ln>
+        </p:spPr>
+        <p:style>
+          <a:lnRef idx="2">
+            <a:schemeClr val="accent1"/>
+          </a:lnRef>
+          <a:fillRef idx="0">
+            <a:schemeClr val="accent1"/>
+          </a:fillRef>
+          <a:effectRef idx="1">
+            <a:schemeClr val="accent1"/>
+          </a:effectRef>
+          <a:fontRef idx="minor">
+            <a:schemeClr val="tx1"/>
+          </a:fontRef>
+        </p:style>
+        <p:txBody>
+          <a:bodyPr rtlCol="0" anchor="ctr"/>
+          <a:lstStyle/>
+          <a:p>
+            <a:pPr algn="ctr"/>
+            <a:endParaRPr lang="en-ZA"/>
+          </a:p>
+        </p:txBody>
+      </p:sp>
+      <p:sp>
+        <p:nvSpPr>
+          <p:cNvPr id="56" name="Left Bracket 55">
+            <a:extLst>
+              <a:ext uri="{FF2B5EF4-FFF2-40B4-BE49-F238E27FC236}">
+                <a16:creationId xmlns:a16="http://schemas.microsoft.com/office/drawing/2014/main" id="{B8399C7F-E49A-F7D1-83E9-CC18F73C171B}"/>
+              </a:ext>
+            </a:extLst>
+          </p:cNvPr>
+          <p:cNvSpPr/>
+          <p:nvPr/>
+        </p:nvSpPr>
+        <p:spPr>
+          <a:xfrm rot="16200000">
+            <a:off x="8457286" y="2059619"/>
+            <a:ext cx="119071" cy="2570879"/>
+          </a:xfrm>
+          <a:prstGeom prst="leftBracket">
+            <a:avLst/>
+          </a:prstGeom>
+          <a:ln>
+            <a:solidFill>
+              <a:schemeClr val="tx1"/>
+            </a:solidFill>
+          </a:ln>
+        </p:spPr>
+        <p:style>
+          <a:lnRef idx="2">
+            <a:schemeClr val="accent1"/>
+          </a:lnRef>
+          <a:fillRef idx="0">
+            <a:schemeClr val="accent1"/>
+          </a:fillRef>
+          <a:effectRef idx="1">
+            <a:schemeClr val="accent1"/>
+          </a:effectRef>
+          <a:fontRef idx="minor">
+            <a:schemeClr val="tx1"/>
+          </a:fontRef>
+        </p:style>
+        <p:txBody>
+          <a:bodyPr rtlCol="0" anchor="ctr"/>
+          <a:lstStyle/>
+          <a:p>
+            <a:pPr algn="ctr"/>
+            <a:endParaRPr lang="en-ZA"/>
+          </a:p>
+        </p:txBody>
+      </p:sp>
+    </p:spTree>
+    <p:extLst>
+      <p:ext uri="{BB962C8B-B14F-4D97-AF65-F5344CB8AC3E}">
+        <p14:creationId xmlns:p14="http://schemas.microsoft.com/office/powerpoint/2010/main" val="3125225578"/>
+      </p:ext>
+    </p:extLst>
+  </p:cSld>
+  <p:clrMapOvr>
+    <a:masterClrMapping/>
+  </p:clrMapOvr>
+</p:sld>
+</file>
+
 <file path=ppt/theme/theme1.xml><?xml version="1.0" encoding="utf-8"?>
 <a:theme xmlns:a="http://schemas.openxmlformats.org/drawingml/2006/main" name="Office Theme">
   <a:themeElements>
